--- a/specification/prezentacio_v01.pptx
+++ b/specification/prezentacio_v01.pptx
@@ -4,12 +4,20 @@
   <p:sldMasterIdLst>
     <p:sldMasterId id="2147483648" r:id="rId1"/>
   </p:sldMasterIdLst>
+  <p:notesMasterIdLst>
+    <p:notesMasterId r:id="rId12"/>
+  </p:notesMasterIdLst>
   <p:sldIdLst>
     <p:sldId id="256" r:id="rId2"/>
     <p:sldId id="257" r:id="rId3"/>
     <p:sldId id="258" r:id="rId4"/>
-    <p:sldId id="259" r:id="rId5"/>
-    <p:sldId id="260" r:id="rId6"/>
+    <p:sldId id="261" r:id="rId5"/>
+    <p:sldId id="262" r:id="rId6"/>
+    <p:sldId id="263" r:id="rId7"/>
+    <p:sldId id="259" r:id="rId8"/>
+    <p:sldId id="264" r:id="rId9"/>
+    <p:sldId id="265" r:id="rId10"/>
+    <p:sldId id="260" r:id="rId11"/>
   </p:sldIdLst>
   <p:sldSz cx="12192000" cy="6858000"/>
   <p:notesSz cx="6858000" cy="9144000"/>
@@ -111,6 +119,442 @@
 </p:presentation>
 </file>
 
+<file path=ppt/notesMasters/notesMaster1.xml><?xml version="1.0" encoding="utf-8"?>
+<p:notesMaster xmlns:a="http://schemas.openxmlformats.org/drawingml/2006/main" xmlns:r="http://schemas.openxmlformats.org/officeDocument/2006/relationships" xmlns:p="http://schemas.openxmlformats.org/presentationml/2006/main">
+  <p:cSld>
+    <p:bg>
+      <p:bgRef idx="1001">
+        <a:schemeClr val="bg1"/>
+      </p:bgRef>
+    </p:bg>
+    <p:spTree>
+      <p:nvGrpSpPr>
+        <p:cNvPr id="1" name=""/>
+        <p:cNvGrpSpPr/>
+        <p:nvPr/>
+      </p:nvGrpSpPr>
+      <p:grpSpPr>
+        <a:xfrm>
+          <a:off x="0" y="0"/>
+          <a:ext cx="0" cy="0"/>
+          <a:chOff x="0" y="0"/>
+          <a:chExt cx="0" cy="0"/>
+        </a:xfrm>
+      </p:grpSpPr>
+      <p:sp>
+        <p:nvSpPr>
+          <p:cNvPr id="2" name="Élőfej helye 1"/>
+          <p:cNvSpPr>
+            <a:spLocks noGrp="1"/>
+          </p:cNvSpPr>
+          <p:nvPr>
+            <p:ph type="hdr" sz="quarter"/>
+          </p:nvPr>
+        </p:nvSpPr>
+        <p:spPr>
+          <a:xfrm>
+            <a:off x="0" y="0"/>
+            <a:ext cx="2971800" cy="457200"/>
+          </a:xfrm>
+          <a:prstGeom prst="rect">
+            <a:avLst/>
+          </a:prstGeom>
+        </p:spPr>
+        <p:txBody>
+          <a:bodyPr vert="horz" lIns="91440" tIns="45720" rIns="91440" bIns="45720" rtlCol="0"/>
+          <a:lstStyle>
+            <a:lvl1pPr algn="l">
+              <a:defRPr sz="1200"/>
+            </a:lvl1pPr>
+          </a:lstStyle>
+          <a:p>
+            <a:endParaRPr lang="hu-HU"/>
+          </a:p>
+        </p:txBody>
+      </p:sp>
+      <p:sp>
+        <p:nvSpPr>
+          <p:cNvPr id="3" name="Dátum helye 2"/>
+          <p:cNvSpPr>
+            <a:spLocks noGrp="1"/>
+          </p:cNvSpPr>
+          <p:nvPr>
+            <p:ph type="dt" idx="1"/>
+          </p:nvPr>
+        </p:nvSpPr>
+        <p:spPr>
+          <a:xfrm>
+            <a:off x="3884613" y="0"/>
+            <a:ext cx="2971800" cy="457200"/>
+          </a:xfrm>
+          <a:prstGeom prst="rect">
+            <a:avLst/>
+          </a:prstGeom>
+        </p:spPr>
+        <p:txBody>
+          <a:bodyPr vert="horz" lIns="91440" tIns="45720" rIns="91440" bIns="45720" rtlCol="0"/>
+          <a:lstStyle>
+            <a:lvl1pPr algn="r">
+              <a:defRPr sz="1200"/>
+            </a:lvl1pPr>
+          </a:lstStyle>
+          <a:p>
+            <a:fld id="{E30D8ADC-AE49-42B8-9769-B6B926F43AA5}" type="datetimeFigureOut">
+              <a:rPr lang="hu-HU" smtClean="0"/>
+              <a:t>2015.12.01.</a:t>
+            </a:fld>
+            <a:endParaRPr lang="hu-HU"/>
+          </a:p>
+        </p:txBody>
+      </p:sp>
+      <p:sp>
+        <p:nvSpPr>
+          <p:cNvPr id="4" name="Diakép helye 3"/>
+          <p:cNvSpPr>
+            <a:spLocks noGrp="1" noRot="1" noChangeAspect="1"/>
+          </p:cNvSpPr>
+          <p:nvPr>
+            <p:ph type="sldImg" idx="2"/>
+          </p:nvPr>
+        </p:nvSpPr>
+        <p:spPr>
+          <a:xfrm>
+            <a:off x="381000" y="685800"/>
+            <a:ext cx="6096000" cy="3429000"/>
+          </a:xfrm>
+          <a:prstGeom prst="rect">
+            <a:avLst/>
+          </a:prstGeom>
+          <a:noFill/>
+          <a:ln w="12700">
+            <a:solidFill>
+              <a:prstClr val="black"/>
+            </a:solidFill>
+          </a:ln>
+        </p:spPr>
+        <p:txBody>
+          <a:bodyPr vert="horz" lIns="91440" tIns="45720" rIns="91440" bIns="45720" rtlCol="0" anchor="ctr"/>
+          <a:lstStyle/>
+          <a:p>
+            <a:endParaRPr lang="hu-HU"/>
+          </a:p>
+        </p:txBody>
+      </p:sp>
+      <p:sp>
+        <p:nvSpPr>
+          <p:cNvPr id="5" name="Jegyzetek helye 4"/>
+          <p:cNvSpPr>
+            <a:spLocks noGrp="1"/>
+          </p:cNvSpPr>
+          <p:nvPr>
+            <p:ph type="body" sz="quarter" idx="3"/>
+          </p:nvPr>
+        </p:nvSpPr>
+        <p:spPr>
+          <a:xfrm>
+            <a:off x="685800" y="4343400"/>
+            <a:ext cx="5486400" cy="4114800"/>
+          </a:xfrm>
+          <a:prstGeom prst="rect">
+            <a:avLst/>
+          </a:prstGeom>
+        </p:spPr>
+        <p:txBody>
+          <a:bodyPr vert="horz" lIns="91440" tIns="45720" rIns="91440" bIns="45720" rtlCol="0">
+            <a:normAutofit/>
+          </a:bodyPr>
+          <a:lstStyle/>
+          <a:p>
+            <a:pPr lvl="0"/>
+            <a:r>
+              <a:rPr lang="hu-HU" smtClean="0"/>
+              <a:t>Mintaszöveg szerkesztése</a:t>
+            </a:r>
+          </a:p>
+          <a:p>
+            <a:pPr lvl="1"/>
+            <a:r>
+              <a:rPr lang="hu-HU" smtClean="0"/>
+              <a:t>Második szint</a:t>
+            </a:r>
+          </a:p>
+          <a:p>
+            <a:pPr lvl="2"/>
+            <a:r>
+              <a:rPr lang="hu-HU" smtClean="0"/>
+              <a:t>Harmadik szint</a:t>
+            </a:r>
+          </a:p>
+          <a:p>
+            <a:pPr lvl="3"/>
+            <a:r>
+              <a:rPr lang="hu-HU" smtClean="0"/>
+              <a:t>Negyedik szint</a:t>
+            </a:r>
+          </a:p>
+          <a:p>
+            <a:pPr lvl="4"/>
+            <a:r>
+              <a:rPr lang="hu-HU" smtClean="0"/>
+              <a:t>Ötödik szint</a:t>
+            </a:r>
+            <a:endParaRPr lang="hu-HU"/>
+          </a:p>
+        </p:txBody>
+      </p:sp>
+      <p:sp>
+        <p:nvSpPr>
+          <p:cNvPr id="6" name="Élőláb helye 5"/>
+          <p:cNvSpPr>
+            <a:spLocks noGrp="1"/>
+          </p:cNvSpPr>
+          <p:nvPr>
+            <p:ph type="ftr" sz="quarter" idx="4"/>
+          </p:nvPr>
+        </p:nvSpPr>
+        <p:spPr>
+          <a:xfrm>
+            <a:off x="0" y="8685213"/>
+            <a:ext cx="2971800" cy="457200"/>
+          </a:xfrm>
+          <a:prstGeom prst="rect">
+            <a:avLst/>
+          </a:prstGeom>
+        </p:spPr>
+        <p:txBody>
+          <a:bodyPr vert="horz" lIns="91440" tIns="45720" rIns="91440" bIns="45720" rtlCol="0" anchor="b"/>
+          <a:lstStyle>
+            <a:lvl1pPr algn="l">
+              <a:defRPr sz="1200"/>
+            </a:lvl1pPr>
+          </a:lstStyle>
+          <a:p>
+            <a:endParaRPr lang="hu-HU"/>
+          </a:p>
+        </p:txBody>
+      </p:sp>
+      <p:sp>
+        <p:nvSpPr>
+          <p:cNvPr id="7" name="Dia számának helye 6"/>
+          <p:cNvSpPr>
+            <a:spLocks noGrp="1"/>
+          </p:cNvSpPr>
+          <p:nvPr>
+            <p:ph type="sldNum" sz="quarter" idx="5"/>
+          </p:nvPr>
+        </p:nvSpPr>
+        <p:spPr>
+          <a:xfrm>
+            <a:off x="3884613" y="8685213"/>
+            <a:ext cx="2971800" cy="457200"/>
+          </a:xfrm>
+          <a:prstGeom prst="rect">
+            <a:avLst/>
+          </a:prstGeom>
+        </p:spPr>
+        <p:txBody>
+          <a:bodyPr vert="horz" lIns="91440" tIns="45720" rIns="91440" bIns="45720" rtlCol="0" anchor="b"/>
+          <a:lstStyle>
+            <a:lvl1pPr algn="r">
+              <a:defRPr sz="1200"/>
+            </a:lvl1pPr>
+          </a:lstStyle>
+          <a:p>
+            <a:fld id="{03B91F55-2511-41A7-900B-A176D00A7461}" type="slidenum">
+              <a:rPr lang="hu-HU" smtClean="0"/>
+              <a:t>‹#›</a:t>
+            </a:fld>
+            <a:endParaRPr lang="hu-HU"/>
+          </a:p>
+        </p:txBody>
+      </p:sp>
+    </p:spTree>
+  </p:cSld>
+  <p:clrMap bg1="lt1" tx1="dk1" bg2="lt2" tx2="dk2" accent1="accent1" accent2="accent2" accent3="accent3" accent4="accent4" accent5="accent5" accent6="accent6" hlink="hlink" folHlink="folHlink"/>
+  <p:notesStyle>
+    <a:lvl1pPr marL="0" algn="l" defTabSz="914400" rtl="0" eaLnBrk="1" latinLnBrk="0" hangingPunct="1">
+      <a:defRPr sz="1200" kern="1200">
+        <a:solidFill>
+          <a:schemeClr val="tx1"/>
+        </a:solidFill>
+        <a:latin typeface="+mn-lt"/>
+        <a:ea typeface="+mn-ea"/>
+        <a:cs typeface="+mn-cs"/>
+      </a:defRPr>
+    </a:lvl1pPr>
+    <a:lvl2pPr marL="457200" algn="l" defTabSz="914400" rtl="0" eaLnBrk="1" latinLnBrk="0" hangingPunct="1">
+      <a:defRPr sz="1200" kern="1200">
+        <a:solidFill>
+          <a:schemeClr val="tx1"/>
+        </a:solidFill>
+        <a:latin typeface="+mn-lt"/>
+        <a:ea typeface="+mn-ea"/>
+        <a:cs typeface="+mn-cs"/>
+      </a:defRPr>
+    </a:lvl2pPr>
+    <a:lvl3pPr marL="914400" algn="l" defTabSz="914400" rtl="0" eaLnBrk="1" latinLnBrk="0" hangingPunct="1">
+      <a:defRPr sz="1200" kern="1200">
+        <a:solidFill>
+          <a:schemeClr val="tx1"/>
+        </a:solidFill>
+        <a:latin typeface="+mn-lt"/>
+        <a:ea typeface="+mn-ea"/>
+        <a:cs typeface="+mn-cs"/>
+      </a:defRPr>
+    </a:lvl3pPr>
+    <a:lvl4pPr marL="1371600" algn="l" defTabSz="914400" rtl="0" eaLnBrk="1" latinLnBrk="0" hangingPunct="1">
+      <a:defRPr sz="1200" kern="1200">
+        <a:solidFill>
+          <a:schemeClr val="tx1"/>
+        </a:solidFill>
+        <a:latin typeface="+mn-lt"/>
+        <a:ea typeface="+mn-ea"/>
+        <a:cs typeface="+mn-cs"/>
+      </a:defRPr>
+    </a:lvl4pPr>
+    <a:lvl5pPr marL="1828800" algn="l" defTabSz="914400" rtl="0" eaLnBrk="1" latinLnBrk="0" hangingPunct="1">
+      <a:defRPr sz="1200" kern="1200">
+        <a:solidFill>
+          <a:schemeClr val="tx1"/>
+        </a:solidFill>
+        <a:latin typeface="+mn-lt"/>
+        <a:ea typeface="+mn-ea"/>
+        <a:cs typeface="+mn-cs"/>
+      </a:defRPr>
+    </a:lvl5pPr>
+    <a:lvl6pPr marL="2286000" algn="l" defTabSz="914400" rtl="0" eaLnBrk="1" latinLnBrk="0" hangingPunct="1">
+      <a:defRPr sz="1200" kern="1200">
+        <a:solidFill>
+          <a:schemeClr val="tx1"/>
+        </a:solidFill>
+        <a:latin typeface="+mn-lt"/>
+        <a:ea typeface="+mn-ea"/>
+        <a:cs typeface="+mn-cs"/>
+      </a:defRPr>
+    </a:lvl6pPr>
+    <a:lvl7pPr marL="2743200" algn="l" defTabSz="914400" rtl="0" eaLnBrk="1" latinLnBrk="0" hangingPunct="1">
+      <a:defRPr sz="1200" kern="1200">
+        <a:solidFill>
+          <a:schemeClr val="tx1"/>
+        </a:solidFill>
+        <a:latin typeface="+mn-lt"/>
+        <a:ea typeface="+mn-ea"/>
+        <a:cs typeface="+mn-cs"/>
+      </a:defRPr>
+    </a:lvl7pPr>
+    <a:lvl8pPr marL="3200400" algn="l" defTabSz="914400" rtl="0" eaLnBrk="1" latinLnBrk="0" hangingPunct="1">
+      <a:defRPr sz="1200" kern="1200">
+        <a:solidFill>
+          <a:schemeClr val="tx1"/>
+        </a:solidFill>
+        <a:latin typeface="+mn-lt"/>
+        <a:ea typeface="+mn-ea"/>
+        <a:cs typeface="+mn-cs"/>
+      </a:defRPr>
+    </a:lvl8pPr>
+    <a:lvl9pPr marL="3657600" algn="l" defTabSz="914400" rtl="0" eaLnBrk="1" latinLnBrk="0" hangingPunct="1">
+      <a:defRPr sz="1200" kern="1200">
+        <a:solidFill>
+          <a:schemeClr val="tx1"/>
+        </a:solidFill>
+        <a:latin typeface="+mn-lt"/>
+        <a:ea typeface="+mn-ea"/>
+        <a:cs typeface="+mn-cs"/>
+      </a:defRPr>
+    </a:lvl9pPr>
+  </p:notesStyle>
+</p:notesMaster>
+</file>
+
+<file path=ppt/notesSlides/notesSlide1.xml><?xml version="1.0" encoding="utf-8"?>
+<p:notes xmlns:a="http://schemas.openxmlformats.org/drawingml/2006/main" xmlns:r="http://schemas.openxmlformats.org/officeDocument/2006/relationships" xmlns:p="http://schemas.openxmlformats.org/presentationml/2006/main">
+  <p:cSld>
+    <p:spTree>
+      <p:nvGrpSpPr>
+        <p:cNvPr id="1" name=""/>
+        <p:cNvGrpSpPr/>
+        <p:nvPr/>
+      </p:nvGrpSpPr>
+      <p:grpSpPr>
+        <a:xfrm>
+          <a:off x="0" y="0"/>
+          <a:ext cx="0" cy="0"/>
+          <a:chOff x="0" y="0"/>
+          <a:chExt cx="0" cy="0"/>
+        </a:xfrm>
+      </p:grpSpPr>
+      <p:sp>
+        <p:nvSpPr>
+          <p:cNvPr id="2" name="Diakép helye 1"/>
+          <p:cNvSpPr>
+            <a:spLocks noGrp="1" noRot="1" noChangeAspect="1"/>
+          </p:cNvSpPr>
+          <p:nvPr>
+            <p:ph type="sldImg"/>
+          </p:nvPr>
+        </p:nvSpPr>
+        <p:spPr/>
+      </p:sp>
+      <p:sp>
+        <p:nvSpPr>
+          <p:cNvPr id="3" name="Jegyzetek helye 2"/>
+          <p:cNvSpPr>
+            <a:spLocks noGrp="1"/>
+          </p:cNvSpPr>
+          <p:nvPr>
+            <p:ph type="body" idx="1"/>
+          </p:nvPr>
+        </p:nvSpPr>
+        <p:spPr/>
+        <p:txBody>
+          <a:bodyPr>
+            <a:normAutofit/>
+          </a:bodyPr>
+          <a:lstStyle/>
+          <a:p>
+            <a:r>
+              <a:rPr lang="hu-HU" dirty="0" smtClean="0"/>
+              <a:t>Sorrendet megcseréltem : első</a:t>
+            </a:r>
+            <a:r>
+              <a:rPr lang="hu-HU" baseline="0" dirty="0" smtClean="0"/>
+              <a:t> kettő bekezdés a tied lesz kifejteni, második kettő az enyém</a:t>
+            </a:r>
+            <a:endParaRPr lang="hu-HU" dirty="0"/>
+          </a:p>
+        </p:txBody>
+      </p:sp>
+      <p:sp>
+        <p:nvSpPr>
+          <p:cNvPr id="4" name="Dia számának helye 3"/>
+          <p:cNvSpPr>
+            <a:spLocks noGrp="1"/>
+          </p:cNvSpPr>
+          <p:nvPr>
+            <p:ph type="sldNum" sz="quarter" idx="10"/>
+          </p:nvPr>
+        </p:nvSpPr>
+        <p:spPr/>
+        <p:txBody>
+          <a:bodyPr/>
+          <a:lstStyle/>
+          <a:p>
+            <a:fld id="{03B91F55-2511-41A7-900B-A176D00A7461}" type="slidenum">
+              <a:rPr lang="hu-HU" smtClean="0"/>
+              <a:t>3</a:t>
+            </a:fld>
+            <a:endParaRPr lang="hu-HU"/>
+          </a:p>
+        </p:txBody>
+      </p:sp>
+    </p:spTree>
+  </p:cSld>
+  <p:clrMapOvr>
+    <a:masterClrMapping/>
+  </p:clrMapOvr>
+</p:notes>
+</file>
+
 <file path=ppt/slideLayouts/slideLayout1.xml><?xml version="1.0" encoding="utf-8"?>
 <p:sldLayout xmlns:a="http://schemas.openxmlformats.org/drawingml/2006/main" xmlns:r="http://schemas.openxmlformats.org/officeDocument/2006/relationships" xmlns:p="http://schemas.openxmlformats.org/presentationml/2006/main" showMasterSp="0" type="title" preserve="1">
   <p:cSld name="Címdia">
@@ -337,7 +781,8 @@
           <a:p>
             <a:fld id="{5A069CB8-F204-4D06-B913-C5A26A89888A}" type="datetimeFigureOut">
               <a:rPr lang="en-US" dirty="0"/>
-              <a:t>11/30/2015</a:t>
+              <a:pPr/>
+              <a:t>12/1/2015</a:t>
             </a:fld>
             <a:endParaRPr lang="en-US" dirty="0"/>
           </a:p>
@@ -379,6 +824,7 @@
           <a:p>
             <a:fld id="{4FAB73BC-B049-4115-A692-8D63A059BFB8}" type="slidenum">
               <a:rPr lang="en-US" dirty="0"/>
+              <a:pPr/>
               <a:t>‹#›</a:t>
             </a:fld>
             <a:endParaRPr lang="en-US" dirty="0"/>
@@ -540,7 +986,8 @@
           <a:p>
             <a:fld id="{50B6E300-0A13-4A81-945A-7333C271A069}" type="datetimeFigureOut">
               <a:rPr lang="en-US" dirty="0"/>
-              <a:t>11/30/2015</a:t>
+              <a:pPr/>
+              <a:t>12/1/2015</a:t>
             </a:fld>
             <a:endParaRPr lang="en-US" dirty="0"/>
           </a:p>
@@ -582,6 +1029,7 @@
           <a:p>
             <a:fld id="{4FAB73BC-B049-4115-A692-8D63A059BFB8}" type="slidenum">
               <a:rPr lang="en-US" dirty="0"/>
+              <a:pPr/>
               <a:t>‹#›</a:t>
             </a:fld>
             <a:endParaRPr lang="en-US" dirty="0"/>
@@ -791,7 +1239,8 @@
           <a:p>
             <a:fld id="{34671962-1EA4-46E7-BCB0-F36CE46D1A59}" type="datetimeFigureOut">
               <a:rPr lang="en-US" dirty="0"/>
-              <a:t>11/30/2015</a:t>
+              <a:pPr/>
+              <a:t>12/1/2015</a:t>
             </a:fld>
             <a:endParaRPr lang="en-US" dirty="0"/>
           </a:p>
@@ -833,6 +1282,7 @@
           <a:p>
             <a:fld id="{4FAB73BC-B049-4115-A692-8D63A059BFB8}" type="slidenum">
               <a:rPr lang="en-US" dirty="0"/>
+              <a:pPr/>
               <a:t>‹#›</a:t>
             </a:fld>
             <a:endParaRPr lang="en-US" dirty="0"/>
@@ -956,7 +1406,8 @@
           <a:p>
             <a:fld id="{D30BB376-B19C-488D-ABEB-03C7E6E9E3E0}" type="datetimeFigureOut">
               <a:rPr lang="en-US" dirty="0"/>
-              <a:t>11/30/2015</a:t>
+              <a:pPr/>
+              <a:t>12/1/2015</a:t>
             </a:fld>
             <a:endParaRPr lang="en-US" dirty="0"/>
           </a:p>
@@ -998,6 +1449,7 @@
           <a:p>
             <a:fld id="{629637A9-119A-49DA-BD12-AAC58B377D80}" type="slidenum">
               <a:rPr lang="en-US" dirty="0"/>
+              <a:pPr/>
               <a:t>‹#›</a:t>
             </a:fld>
             <a:endParaRPr lang="en-US" dirty="0"/>
@@ -1294,7 +1746,8 @@
           <a:p>
             <a:fld id="{486F077B-A50F-4D64-8574-E2D6A98A5553}" type="datetimeFigureOut">
               <a:rPr lang="en-US" dirty="0"/>
-              <a:t>11/30/2015</a:t>
+              <a:pPr/>
+              <a:t>12/1/2015</a:t>
             </a:fld>
             <a:endParaRPr lang="en-US" dirty="0"/>
           </a:p>
@@ -1336,6 +1789,7 @@
           <a:p>
             <a:fld id="{4FAB73BC-B049-4115-A692-8D63A059BFB8}" type="slidenum">
               <a:rPr lang="en-US" dirty="0"/>
+              <a:pPr/>
               <a:t>‹#›</a:t>
             </a:fld>
             <a:endParaRPr lang="en-US" dirty="0"/>
@@ -1564,7 +2018,8 @@
           <a:p>
             <a:fld id="{7D9E2A62-1983-43A1-A163-D8AA46534C80}" type="datetimeFigureOut">
               <a:rPr lang="en-US" dirty="0"/>
-              <a:t>11/30/2015</a:t>
+              <a:pPr/>
+              <a:t>12/1/2015</a:t>
             </a:fld>
             <a:endParaRPr lang="en-US" dirty="0"/>
           </a:p>
@@ -1606,6 +2061,7 @@
           <a:p>
             <a:fld id="{4FAB73BC-B049-4115-A692-8D63A059BFB8}" type="slidenum">
               <a:rPr lang="en-US" dirty="0"/>
+              <a:pPr/>
               <a:t>‹#›</a:t>
             </a:fld>
             <a:endParaRPr lang="en-US" dirty="0"/>
@@ -1938,7 +2394,8 @@
           <a:p>
             <a:fld id="{898F3E3B-34E3-4345-B2A1-994B83598A9C}" type="datetimeFigureOut">
               <a:rPr lang="en-US" dirty="0"/>
-              <a:t>11/30/2015</a:t>
+              <a:pPr/>
+              <a:t>12/1/2015</a:t>
             </a:fld>
             <a:endParaRPr lang="en-US" dirty="0"/>
           </a:p>
@@ -1980,6 +2437,7 @@
           <a:p>
             <a:fld id="{4FAB73BC-B049-4115-A692-8D63A059BFB8}" type="slidenum">
               <a:rPr lang="en-US" dirty="0"/>
+              <a:pPr/>
               <a:t>‹#›</a:t>
             </a:fld>
             <a:endParaRPr lang="en-US" dirty="0"/>
@@ -2051,7 +2509,8 @@
           <a:p>
             <a:fld id="{FD816C96-82A1-4D77-8ADA-627AC6FE3D65}" type="datetimeFigureOut">
               <a:rPr lang="en-US" dirty="0"/>
-              <a:t>11/30/2015</a:t>
+              <a:pPr/>
+              <a:t>12/1/2015</a:t>
             </a:fld>
             <a:endParaRPr lang="en-US" dirty="0"/>
           </a:p>
@@ -2093,6 +2552,7 @@
           <a:p>
             <a:fld id="{4FAB73BC-B049-4115-A692-8D63A059BFB8}" type="slidenum">
               <a:rPr lang="en-US" dirty="0"/>
+              <a:pPr/>
               <a:t>‹#›</a:t>
             </a:fld>
             <a:endParaRPr lang="en-US" dirty="0"/>
@@ -2217,7 +2677,8 @@
           <a:p>
             <a:fld id="{1D102C1E-28F2-47E9-802D-339E64E2F920}" type="datetimeFigureOut">
               <a:rPr lang="en-US" dirty="0"/>
-              <a:t>11/30/2015</a:t>
+              <a:pPr/>
+              <a:t>12/1/2015</a:t>
             </a:fld>
             <a:endParaRPr lang="en-US" dirty="0"/>
           </a:p>
@@ -2567,7 +3028,8 @@
           <a:p>
             <a:fld id="{24271A48-F18A-45B3-BC05-1E27DA3F88AF}" type="datetimeFigureOut">
               <a:rPr lang="en-US" dirty="0"/>
-              <a:t>11/30/2015</a:t>
+              <a:pPr/>
+              <a:t>12/1/2015</a:t>
             </a:fld>
             <a:endParaRPr lang="en-US" dirty="0"/>
           </a:p>
@@ -2940,7 +3402,8 @@
           <a:p>
             <a:fld id="{65B747F8-9654-4282-85D2-65F41AAE7A75}" type="datetimeFigureOut">
               <a:rPr lang="en-US" dirty="0"/>
-              <a:t>11/30/2015</a:t>
+              <a:pPr/>
+              <a:t>12/1/2015</a:t>
             </a:fld>
             <a:endParaRPr lang="en-US" dirty="0"/>
           </a:p>
@@ -2982,6 +3445,7 @@
           <a:p>
             <a:fld id="{4FAB73BC-B049-4115-A692-8D63A059BFB8}" type="slidenum">
               <a:rPr lang="en-US" dirty="0"/>
+              <a:pPr/>
               <a:t>‹#›</a:t>
             </a:fld>
             <a:endParaRPr lang="en-US" dirty="0"/>
@@ -3222,7 +3686,8 @@
           <a:p>
             <a:fld id="{5DC5B261-8843-42D1-AAFC-05E20E2D9B97}" type="datetimeFigureOut">
               <a:rPr lang="en-US" dirty="0"/>
-              <a:t>11/30/2015</a:t>
+              <a:pPr/>
+              <a:t>12/1/2015</a:t>
             </a:fld>
             <a:endParaRPr lang="en-US" dirty="0"/>
           </a:p>
@@ -3834,7 +4299,115 @@
     </p:spTree>
     <p:extLst>
       <p:ext uri="{BB962C8B-B14F-4D97-AF65-F5344CB8AC3E}">
-        <p14:creationId xmlns:p14="http://schemas.microsoft.com/office/powerpoint/2010/main" val="400428375"/>
+        <p14:creationId xmlns:p14="http://schemas.microsoft.com/office/powerpoint/2010/main" xmlns="" val="400428375"/>
+      </p:ext>
+    </p:extLst>
+  </p:cSld>
+  <p:clrMapOvr>
+    <a:masterClrMapping/>
+  </p:clrMapOvr>
+</p:sld>
+</file>
+
+<file path=ppt/slides/slide10.xml><?xml version="1.0" encoding="utf-8"?>
+<p:sld xmlns:a="http://schemas.openxmlformats.org/drawingml/2006/main" xmlns:r="http://schemas.openxmlformats.org/officeDocument/2006/relationships" xmlns:p="http://schemas.openxmlformats.org/presentationml/2006/main">
+  <p:cSld>
+    <p:spTree>
+      <p:nvGrpSpPr>
+        <p:cNvPr id="1" name=""/>
+        <p:cNvGrpSpPr/>
+        <p:nvPr/>
+      </p:nvGrpSpPr>
+      <p:grpSpPr>
+        <a:xfrm>
+          <a:off x="0" y="0"/>
+          <a:ext cx="0" cy="0"/>
+          <a:chOff x="0" y="0"/>
+          <a:chExt cx="0" cy="0"/>
+        </a:xfrm>
+      </p:grpSpPr>
+      <p:sp>
+        <p:nvSpPr>
+          <p:cNvPr id="2" name="Cím 1"/>
+          <p:cNvSpPr>
+            <a:spLocks noGrp="1"/>
+          </p:cNvSpPr>
+          <p:nvPr>
+            <p:ph type="title"/>
+          </p:nvPr>
+        </p:nvSpPr>
+        <p:spPr/>
+        <p:txBody>
+          <a:bodyPr/>
+          <a:lstStyle/>
+          <a:p>
+            <a:endParaRPr lang="hu-HU" dirty="0"/>
+          </a:p>
+        </p:txBody>
+      </p:sp>
+      <p:pic>
+        <p:nvPicPr>
+          <p:cNvPr id="5" name="Tartalom helye 4"/>
+          <p:cNvPicPr>
+            <a:picLocks noGrp="1" noChangeAspect="1"/>
+          </p:cNvPicPr>
+          <p:nvPr>
+            <p:ph idx="1"/>
+          </p:nvPr>
+        </p:nvPicPr>
+        <p:blipFill>
+          <a:blip r:embed="rId2">
+            <a:extLst>
+              <a:ext uri="{28A0092B-C50C-407E-A947-70E740481C1C}">
+                <a14:useLocalDpi xmlns:a14="http://schemas.microsoft.com/office/drawing/2010/main" xmlns="" val="0"/>
+              </a:ext>
+            </a:extLst>
+          </a:blip>
+          <a:stretch>
+            <a:fillRect/>
+          </a:stretch>
+        </p:blipFill>
+        <p:spPr>
+          <a:xfrm>
+            <a:off x="7713780" y="1801096"/>
+            <a:ext cx="3366112" cy="1304569"/>
+          </a:xfrm>
+        </p:spPr>
+      </p:pic>
+      <p:pic>
+        <p:nvPicPr>
+          <p:cNvPr id="6" name="Kép 5"/>
+          <p:cNvPicPr>
+            <a:picLocks noChangeAspect="1"/>
+          </p:cNvPicPr>
+          <p:nvPr/>
+        </p:nvPicPr>
+        <p:blipFill>
+          <a:blip r:embed="rId3">
+            <a:extLst>
+              <a:ext uri="{28A0092B-C50C-407E-A947-70E740481C1C}">
+                <a14:useLocalDpi xmlns:a14="http://schemas.microsoft.com/office/drawing/2010/main" xmlns="" val="0"/>
+              </a:ext>
+            </a:extLst>
+          </a:blip>
+          <a:stretch>
+            <a:fillRect/>
+          </a:stretch>
+        </p:blipFill>
+        <p:spPr>
+          <a:xfrm>
+            <a:off x="7714396" y="3204519"/>
+            <a:ext cx="3365497" cy="2428113"/>
+          </a:xfrm>
+          <a:prstGeom prst="rect">
+            <a:avLst/>
+          </a:prstGeom>
+        </p:spPr>
+      </p:pic>
+    </p:spTree>
+    <p:extLst>
+      <p:ext uri="{BB962C8B-B14F-4D97-AF65-F5344CB8AC3E}">
+        <p14:creationId xmlns:p14="http://schemas.microsoft.com/office/powerpoint/2010/main" xmlns="" val="2253682073"/>
       </p:ext>
     </p:extLst>
   </p:cSld>
@@ -3983,7 +4556,7 @@
           <a:blip r:embed="rId2">
             <a:extLst>
               <a:ext uri="{28A0092B-C50C-407E-A947-70E740481C1C}">
-                <a14:useLocalDpi xmlns:a14="http://schemas.microsoft.com/office/drawing/2010/main" val="0"/>
+                <a14:useLocalDpi xmlns:a14="http://schemas.microsoft.com/office/drawing/2010/main" xmlns="" val="0"/>
               </a:ext>
             </a:extLst>
           </a:blip>
@@ -4004,7 +4577,7 @@
     </p:spTree>
     <p:extLst>
       <p:ext uri="{BB962C8B-B14F-4D97-AF65-F5344CB8AC3E}">
-        <p14:creationId xmlns:p14="http://schemas.microsoft.com/office/powerpoint/2010/main" val="613226527"/>
+        <p14:creationId xmlns:p14="http://schemas.microsoft.com/office/powerpoint/2010/main" xmlns="" val="613226527"/>
       </p:ext>
     </p:extLst>
   </p:cSld>
@@ -4081,45 +4654,58 @@
               <a:rPr lang="hu-HU" sz="2200" dirty="0" err="1" smtClean="0">
                 <a:sym typeface="Wingdings" panose="05000000000000000000" pitchFamily="2" charset="2"/>
               </a:rPr>
-              <a:t>Google</a:t>
+              <a:t>Webalkalmazás</a:t>
             </a:r>
             <a:r>
               <a:rPr lang="hu-HU" sz="2200" dirty="0" smtClean="0">
                 <a:sym typeface="Wingdings" panose="05000000000000000000" pitchFamily="2" charset="2"/>
               </a:rPr>
-              <a:t> Drive alapú fájl tárolás, könnyű megosztás</a:t>
-            </a:r>
-          </a:p>
-          <a:p>
-            <a:pPr lvl="1" algn="just">
-              <a:lnSpc>
-                <a:spcPct val="150000"/>
-              </a:lnSpc>
-            </a:pPr>
+              <a:t> a projekt megjelenítéséhez és </a:t>
+            </a:r>
             <a:r>
               <a:rPr lang="hu-HU" sz="2200" dirty="0" smtClean="0">
                 <a:sym typeface="Wingdings" panose="05000000000000000000" pitchFamily="2" charset="2"/>
               </a:rPr>
-              <a:t>Saját fájlformátum, JSON alapon</a:t>
-            </a:r>
-          </a:p>
-          <a:p>
-            <a:pPr lvl="1" algn="just">
-              <a:lnSpc>
-                <a:spcPct val="150000"/>
-              </a:lnSpc>
-            </a:pPr>
+              <a:t>szerkesztéséhez</a:t>
+            </a:r>
+          </a:p>
+          <a:p>
+            <a:pPr lvl="1" algn="just"/>
+            <a:r>
+              <a:rPr lang="hu-HU" sz="2200" dirty="0" smtClean="0">
+                <a:sym typeface="Wingdings" panose="05000000000000000000" pitchFamily="2" charset="2"/>
+              </a:rPr>
+              <a:t>Saját fájlformátum, JSON </a:t>
+            </a:r>
+            <a:r>
+              <a:rPr lang="hu-HU" sz="2200" dirty="0" smtClean="0">
+                <a:sym typeface="Wingdings" panose="05000000000000000000" pitchFamily="2" charset="2"/>
+              </a:rPr>
+              <a:t>alapon</a:t>
+            </a:r>
+            <a:endParaRPr lang="hu-HU" sz="2200" dirty="0" smtClean="0">
+              <a:sym typeface="Wingdings" panose="05000000000000000000" pitchFamily="2" charset="2"/>
+            </a:endParaRPr>
+          </a:p>
+          <a:p>
+            <a:pPr lvl="1" algn="just"/>
             <a:r>
               <a:rPr lang="hu-HU" sz="2200" dirty="0" err="1" smtClean="0">
                 <a:sym typeface="Wingdings" panose="05000000000000000000" pitchFamily="2" charset="2"/>
               </a:rPr>
-              <a:t>Webalkalmazás</a:t>
+              <a:t>Google</a:t>
             </a:r>
             <a:r>
               <a:rPr lang="hu-HU" sz="2200" dirty="0" smtClean="0">
                 <a:sym typeface="Wingdings" panose="05000000000000000000" pitchFamily="2" charset="2"/>
               </a:rPr>
-              <a:t> a projekt megjelenítéséhez és szerkesztéséhez</a:t>
+              <a:t> </a:t>
+            </a:r>
+            <a:r>
+              <a:rPr lang="hu-HU" sz="2200" dirty="0" smtClean="0">
+                <a:sym typeface="Wingdings" panose="05000000000000000000" pitchFamily="2" charset="2"/>
+              </a:rPr>
+              <a:t>Drive alapú fájl tárolás, könnyű megosztás</a:t>
             </a:r>
           </a:p>
           <a:p>
@@ -4164,10 +4750,10 @@
           <p:nvPr/>
         </p:nvPicPr>
         <p:blipFill>
-          <a:blip r:embed="rId2">
+          <a:blip r:embed="rId3">
             <a:extLst>
               <a:ext uri="{28A0092B-C50C-407E-A947-70E740481C1C}">
-                <a14:useLocalDpi xmlns:a14="http://schemas.microsoft.com/office/drawing/2010/main" val="0"/>
+                <a14:useLocalDpi xmlns:a14="http://schemas.microsoft.com/office/drawing/2010/main" xmlns="" val="0"/>
               </a:ext>
             </a:extLst>
           </a:blip>
@@ -4188,7 +4774,7 @@
     </p:spTree>
     <p:extLst>
       <p:ext uri="{BB962C8B-B14F-4D97-AF65-F5344CB8AC3E}">
-        <p14:creationId xmlns:p14="http://schemas.microsoft.com/office/powerpoint/2010/main" val="3342073859"/>
+        <p14:creationId xmlns:p14="http://schemas.microsoft.com/office/powerpoint/2010/main" xmlns="" val="3342073859"/>
       </p:ext>
     </p:extLst>
   </p:cSld>
@@ -4230,6 +4816,14 @@
           <a:bodyPr/>
           <a:lstStyle/>
           <a:p>
+            <a:r>
+              <a:rPr lang="hu-HU" dirty="0" smtClean="0"/>
+              <a:t>Megoldás- </a:t>
+            </a:r>
+            <a:r>
+              <a:rPr lang="hu-HU" dirty="0" err="1" smtClean="0"/>
+              <a:t>Webalkalmazás</a:t>
+            </a:r>
             <a:endParaRPr lang="hu-HU" dirty="0"/>
           </a:p>
         </p:txBody>
@@ -4244,61 +4838,16 @@
             <p:ph idx="1"/>
           </p:nvPr>
         </p:nvSpPr>
-        <p:spPr>
-          <a:xfrm>
-            <a:off x="1097281" y="1845734"/>
-            <a:ext cx="5723650" cy="4023360"/>
-          </a:xfrm>
-        </p:spPr>
-        <p:txBody>
-          <a:bodyPr>
-            <a:normAutofit/>
-          </a:bodyPr>
-          <a:lstStyle/>
-          <a:p>
-            <a:pPr lvl="1" algn="just"/>
-            <a:endParaRPr lang="hu-HU" sz="2200" dirty="0" smtClean="0">
-              <a:sym typeface="Wingdings" panose="05000000000000000000" pitchFamily="2" charset="2"/>
-            </a:endParaRPr>
-          </a:p>
-        </p:txBody>
-      </p:sp>
-      <p:pic>
-        <p:nvPicPr>
-          <p:cNvPr id="4" name="Kép 3"/>
-          <p:cNvPicPr>
-            <a:picLocks noChangeAspect="1"/>
-          </p:cNvPicPr>
-          <p:nvPr/>
-        </p:nvPicPr>
-        <p:blipFill>
-          <a:blip r:embed="rId2">
-            <a:extLst>
-              <a:ext uri="{28A0092B-C50C-407E-A947-70E740481C1C}">
-                <a14:useLocalDpi xmlns:a14="http://schemas.microsoft.com/office/drawing/2010/main" val="0"/>
-              </a:ext>
-            </a:extLst>
-          </a:blip>
-          <a:stretch>
-            <a:fillRect/>
-          </a:stretch>
-        </p:blipFill>
-        <p:spPr>
-          <a:xfrm>
-            <a:off x="7108114" y="1845735"/>
-            <a:ext cx="4047566" cy="3154634"/>
-          </a:xfrm>
-          <a:prstGeom prst="rect">
-            <a:avLst/>
-          </a:prstGeom>
-        </p:spPr>
-      </p:pic>
+        <p:spPr/>
+        <p:txBody>
+          <a:bodyPr/>
+          <a:lstStyle/>
+          <a:p>
+            <a:endParaRPr lang="hu-HU"/>
+          </a:p>
+        </p:txBody>
+      </p:sp>
     </p:spTree>
-    <p:extLst>
-      <p:ext uri="{BB962C8B-B14F-4D97-AF65-F5344CB8AC3E}">
-        <p14:creationId xmlns:p14="http://schemas.microsoft.com/office/powerpoint/2010/main" val="1535034961"/>
-      </p:ext>
-    </p:extLst>
   </p:cSld>
   <p:clrMapOvr>
     <a:masterClrMapping/>
@@ -4338,25 +4887,388 @@
           <a:bodyPr/>
           <a:lstStyle/>
           <a:p>
+            <a:r>
+              <a:rPr lang="hu-HU" dirty="0" smtClean="0"/>
+              <a:t>Saját fájlformátum</a:t>
+            </a:r>
             <a:endParaRPr lang="hu-HU" dirty="0"/>
+          </a:p>
+        </p:txBody>
+      </p:sp>
+      <p:sp>
+        <p:nvSpPr>
+          <p:cNvPr id="3" name="Tartalom helye 2"/>
+          <p:cNvSpPr>
+            <a:spLocks noGrp="1"/>
+          </p:cNvSpPr>
+          <p:nvPr>
+            <p:ph idx="1"/>
+          </p:nvPr>
+        </p:nvSpPr>
+        <p:spPr/>
+        <p:txBody>
+          <a:bodyPr/>
+          <a:lstStyle/>
+          <a:p>
+            <a:endParaRPr lang="hu-HU"/>
+          </a:p>
+        </p:txBody>
+      </p:sp>
+    </p:spTree>
+  </p:cSld>
+  <p:clrMapOvr>
+    <a:masterClrMapping/>
+  </p:clrMapOvr>
+</p:sld>
+</file>
+
+<file path=ppt/slides/slide6.xml><?xml version="1.0" encoding="utf-8"?>
+<p:sld xmlns:a="http://schemas.openxmlformats.org/drawingml/2006/main" xmlns:r="http://schemas.openxmlformats.org/officeDocument/2006/relationships" xmlns:p="http://schemas.openxmlformats.org/presentationml/2006/main">
+  <p:cSld>
+    <p:spTree>
+      <p:nvGrpSpPr>
+        <p:cNvPr id="1" name=""/>
+        <p:cNvGrpSpPr/>
+        <p:nvPr/>
+      </p:nvGrpSpPr>
+      <p:grpSpPr>
+        <a:xfrm>
+          <a:off x="0" y="0"/>
+          <a:ext cx="0" cy="0"/>
+          <a:chOff x="0" y="0"/>
+          <a:chExt cx="0" cy="0"/>
+        </a:xfrm>
+      </p:grpSpPr>
+      <p:sp>
+        <p:nvSpPr>
+          <p:cNvPr id="2" name="Cím 1"/>
+          <p:cNvSpPr>
+            <a:spLocks noGrp="1"/>
+          </p:cNvSpPr>
+          <p:nvPr>
+            <p:ph type="title"/>
+          </p:nvPr>
+        </p:nvSpPr>
+        <p:spPr/>
+        <p:txBody>
+          <a:bodyPr/>
+          <a:lstStyle/>
+          <a:p>
+            <a:r>
+              <a:rPr lang="hu-HU" dirty="0" err="1" smtClean="0"/>
+              <a:t>Google</a:t>
+            </a:r>
+            <a:r>
+              <a:rPr lang="hu-HU" dirty="0" smtClean="0"/>
+              <a:t> API és </a:t>
+            </a:r>
+            <a:r>
+              <a:rPr lang="hu-HU" dirty="0" err="1" smtClean="0"/>
+              <a:t>autentikáció</a:t>
+            </a:r>
+            <a:endParaRPr lang="hu-HU" dirty="0"/>
+          </a:p>
+        </p:txBody>
+      </p:sp>
+      <p:sp>
+        <p:nvSpPr>
+          <p:cNvPr id="4" name="Tartalom helye 2"/>
+          <p:cNvSpPr>
+            <a:spLocks noGrp="1"/>
+          </p:cNvSpPr>
+          <p:nvPr>
+            <p:ph idx="1"/>
+          </p:nvPr>
+        </p:nvSpPr>
+        <p:spPr>
+          <a:xfrm>
+            <a:off x="1097280" y="1845734"/>
+            <a:ext cx="10053319" cy="4023360"/>
+          </a:xfrm>
+        </p:spPr>
+        <p:txBody>
+          <a:bodyPr>
+            <a:normAutofit/>
+          </a:bodyPr>
+          <a:lstStyle/>
+          <a:p>
+            <a:pPr lvl="1" algn="just"/>
+            <a:r>
+              <a:rPr lang="hu-HU" sz="2200" dirty="0" smtClean="0">
+                <a:sym typeface="Wingdings" panose="05000000000000000000" pitchFamily="2" charset="2"/>
+              </a:rPr>
+              <a:t>REST API a </a:t>
+            </a:r>
+            <a:r>
+              <a:rPr lang="hu-HU" sz="2200" dirty="0" err="1" smtClean="0">
+                <a:sym typeface="Wingdings" panose="05000000000000000000" pitchFamily="2" charset="2"/>
+              </a:rPr>
+              <a:t>Google</a:t>
+            </a:r>
+            <a:r>
+              <a:rPr lang="hu-HU" sz="2200" dirty="0" smtClean="0">
+                <a:sym typeface="Wingdings" panose="05000000000000000000" pitchFamily="2" charset="2"/>
+              </a:rPr>
+              <a:t> szolgáltatásokhoz</a:t>
+            </a:r>
+          </a:p>
+          <a:p>
+            <a:pPr lvl="1" algn="just"/>
+            <a:r>
+              <a:rPr lang="hu-HU" sz="2200" dirty="0" smtClean="0">
+                <a:sym typeface="Wingdings" panose="05000000000000000000" pitchFamily="2" charset="2"/>
+              </a:rPr>
+              <a:t>API használathoz kell egyedi azonosító az alkalmazáshoz</a:t>
+            </a:r>
+          </a:p>
+          <a:p>
+            <a:pPr lvl="2" algn="just"/>
+            <a:r>
+              <a:rPr lang="hu-HU" dirty="0" err="1" smtClean="0">
+                <a:sym typeface="Wingdings" panose="05000000000000000000" pitchFamily="2" charset="2"/>
+              </a:rPr>
+              <a:t>OAuth</a:t>
+            </a:r>
+            <a:r>
+              <a:rPr lang="hu-HU" dirty="0" smtClean="0">
+                <a:sym typeface="Wingdings" panose="05000000000000000000" pitchFamily="2" charset="2"/>
+              </a:rPr>
+              <a:t> v2 </a:t>
+            </a:r>
+            <a:r>
+              <a:rPr lang="hu-HU" dirty="0" err="1" smtClean="0">
+                <a:sym typeface="Wingdings" panose="05000000000000000000" pitchFamily="2" charset="2"/>
+              </a:rPr>
+              <a:t>autentikáció</a:t>
+            </a:r>
+            <a:endParaRPr lang="hu-HU" dirty="0" smtClean="0">
+              <a:sym typeface="Wingdings" panose="05000000000000000000" pitchFamily="2" charset="2"/>
+            </a:endParaRPr>
+          </a:p>
+          <a:p>
+            <a:pPr lvl="2" algn="just"/>
+            <a:r>
+              <a:rPr lang="hu-HU" dirty="0" smtClean="0">
+                <a:sym typeface="Wingdings" panose="05000000000000000000" pitchFamily="2" charset="2"/>
+              </a:rPr>
+              <a:t>Access </a:t>
+            </a:r>
+            <a:r>
+              <a:rPr lang="hu-HU" dirty="0" err="1" smtClean="0">
+                <a:sym typeface="Wingdings" panose="05000000000000000000" pitchFamily="2" charset="2"/>
+              </a:rPr>
+              <a:t>Token</a:t>
+            </a:r>
+            <a:r>
+              <a:rPr lang="hu-HU" dirty="0" smtClean="0">
+                <a:sym typeface="Wingdings" panose="05000000000000000000" pitchFamily="2" charset="2"/>
+              </a:rPr>
+              <a:t> alapú</a:t>
+            </a:r>
+          </a:p>
+          <a:p>
+            <a:pPr lvl="1" algn="just"/>
+            <a:r>
+              <a:rPr lang="hu-HU" sz="2200" dirty="0" smtClean="0">
+                <a:sym typeface="Wingdings" panose="05000000000000000000" pitchFamily="2" charset="2"/>
+              </a:rPr>
+              <a:t>S</a:t>
+            </a:r>
+            <a:r>
+              <a:rPr lang="hu-HU" sz="2200" dirty="0" smtClean="0">
+                <a:sym typeface="Wingdings" panose="05000000000000000000" pitchFamily="2" charset="2"/>
+              </a:rPr>
+              <a:t>zolgáltatáseléréshez hagyományos </a:t>
+            </a:r>
+            <a:r>
+              <a:rPr lang="hu-HU" sz="2200" dirty="0" err="1" smtClean="0">
+                <a:sym typeface="Wingdings" panose="05000000000000000000" pitchFamily="2" charset="2"/>
+              </a:rPr>
+              <a:t>Google</a:t>
+            </a:r>
+            <a:r>
+              <a:rPr lang="hu-HU" sz="2200" dirty="0" smtClean="0">
+                <a:sym typeface="Wingdings" panose="05000000000000000000" pitchFamily="2" charset="2"/>
+              </a:rPr>
+              <a:t> </a:t>
+            </a:r>
+            <a:r>
+              <a:rPr lang="hu-HU" sz="2200" dirty="0" err="1" smtClean="0">
+                <a:sym typeface="Wingdings" panose="05000000000000000000" pitchFamily="2" charset="2"/>
+              </a:rPr>
+              <a:t>autentikáció</a:t>
+            </a:r>
+            <a:endParaRPr lang="hu-HU" sz="2200" dirty="0" smtClean="0">
+              <a:sym typeface="Wingdings" panose="05000000000000000000" pitchFamily="2" charset="2"/>
+            </a:endParaRPr>
+          </a:p>
+          <a:p>
+            <a:pPr lvl="2" algn="just"/>
+            <a:r>
+              <a:rPr lang="hu-HU" dirty="0" smtClean="0">
+                <a:sym typeface="Wingdings" panose="05000000000000000000" pitchFamily="2" charset="2"/>
+              </a:rPr>
+              <a:t>Felhasználónév / jelszó</a:t>
+            </a:r>
+            <a:endParaRPr lang="hu-HU" dirty="0" smtClean="0">
+              <a:sym typeface="Wingdings" panose="05000000000000000000" pitchFamily="2" charset="2"/>
+            </a:endParaRPr>
+          </a:p>
+          <a:p>
+            <a:pPr algn="just">
+              <a:buNone/>
+            </a:pPr>
+            <a:endParaRPr lang="hu-HU" dirty="0" smtClean="0">
+              <a:sym typeface="Wingdings" panose="05000000000000000000" pitchFamily="2" charset="2"/>
+            </a:endParaRPr>
+          </a:p>
+        </p:txBody>
+      </p:sp>
+    </p:spTree>
+  </p:cSld>
+  <p:clrMapOvr>
+    <a:masterClrMapping/>
+  </p:clrMapOvr>
+</p:sld>
+</file>
+
+<file path=ppt/slides/slide7.xml><?xml version="1.0" encoding="utf-8"?>
+<p:sld xmlns:a="http://schemas.openxmlformats.org/drawingml/2006/main" xmlns:r="http://schemas.openxmlformats.org/officeDocument/2006/relationships" xmlns:p="http://schemas.openxmlformats.org/presentationml/2006/main">
+  <p:cSld>
+    <p:spTree>
+      <p:nvGrpSpPr>
+        <p:cNvPr id="1" name=""/>
+        <p:cNvGrpSpPr/>
+        <p:nvPr/>
+      </p:nvGrpSpPr>
+      <p:grpSpPr>
+        <a:xfrm>
+          <a:off x="0" y="0"/>
+          <a:ext cx="0" cy="0"/>
+          <a:chOff x="0" y="0"/>
+          <a:chExt cx="0" cy="0"/>
+        </a:xfrm>
+      </p:grpSpPr>
+      <p:sp>
+        <p:nvSpPr>
+          <p:cNvPr id="2" name="Cím 1"/>
+          <p:cNvSpPr>
+            <a:spLocks noGrp="1"/>
+          </p:cNvSpPr>
+          <p:nvPr>
+            <p:ph type="title"/>
+          </p:nvPr>
+        </p:nvSpPr>
+        <p:spPr/>
+        <p:txBody>
+          <a:bodyPr/>
+          <a:lstStyle/>
+          <a:p>
+            <a:r>
+              <a:rPr lang="hu-HU" dirty="0" err="1" smtClean="0"/>
+              <a:t>Google</a:t>
+            </a:r>
+            <a:r>
+              <a:rPr lang="hu-HU" dirty="0" smtClean="0"/>
+              <a:t> Drive Integráció</a:t>
+            </a:r>
+            <a:endParaRPr lang="hu-HU" dirty="0"/>
+          </a:p>
+        </p:txBody>
+      </p:sp>
+      <p:sp>
+        <p:nvSpPr>
+          <p:cNvPr id="3" name="Tartalom helye 2"/>
+          <p:cNvSpPr>
+            <a:spLocks noGrp="1"/>
+          </p:cNvSpPr>
+          <p:nvPr>
+            <p:ph idx="1"/>
+          </p:nvPr>
+        </p:nvSpPr>
+        <p:spPr>
+          <a:xfrm>
+            <a:off x="1041400" y="1845734"/>
+            <a:ext cx="5930899" cy="4023360"/>
+          </a:xfrm>
+        </p:spPr>
+        <p:txBody>
+          <a:bodyPr>
+            <a:normAutofit/>
+          </a:bodyPr>
+          <a:lstStyle/>
+          <a:p>
+            <a:pPr lvl="1" algn="just"/>
+            <a:r>
+              <a:rPr lang="hu-HU" sz="2200" dirty="0" smtClean="0">
+                <a:sym typeface="Wingdings" panose="05000000000000000000" pitchFamily="2" charset="2"/>
+              </a:rPr>
+              <a:t>Külön beállítás az alkalmazás </a:t>
+            </a:r>
+            <a:r>
+              <a:rPr lang="hu-HU" sz="2200" dirty="0" err="1" smtClean="0">
+                <a:sym typeface="Wingdings" panose="05000000000000000000" pitchFamily="2" charset="2"/>
+              </a:rPr>
+              <a:t>manifest</a:t>
+            </a:r>
+            <a:r>
+              <a:rPr lang="hu-HU" sz="2200" dirty="0" smtClean="0">
+                <a:sym typeface="Wingdings" panose="05000000000000000000" pitchFamily="2" charset="2"/>
+              </a:rPr>
+              <a:t> fájljában</a:t>
+            </a:r>
+            <a:endParaRPr lang="hu-HU" sz="2200" dirty="0" smtClean="0">
+              <a:sym typeface="Wingdings" panose="05000000000000000000" pitchFamily="2" charset="2"/>
+            </a:endParaRPr>
+          </a:p>
+          <a:p>
+            <a:pPr lvl="1" algn="just"/>
+            <a:r>
+              <a:rPr lang="hu-HU" sz="2200" dirty="0" smtClean="0">
+                <a:sym typeface="Wingdings" panose="05000000000000000000" pitchFamily="2" charset="2"/>
+              </a:rPr>
+              <a:t>A projekt fájl társítható az alkalmazáshoz </a:t>
+            </a:r>
+            <a:r>
+              <a:rPr lang="hu-HU" sz="2200" dirty="0" err="1" smtClean="0">
+                <a:sym typeface="Wingdings" panose="05000000000000000000" pitchFamily="2" charset="2"/>
+              </a:rPr>
+              <a:t>Google</a:t>
+            </a:r>
+            <a:r>
+              <a:rPr lang="hu-HU" sz="2200" dirty="0" smtClean="0">
+                <a:sym typeface="Wingdings" panose="05000000000000000000" pitchFamily="2" charset="2"/>
+              </a:rPr>
+              <a:t> Drive-on</a:t>
+            </a:r>
+            <a:endParaRPr lang="hu-HU" dirty="0" smtClean="0">
+              <a:sym typeface="Wingdings" panose="05000000000000000000" pitchFamily="2" charset="2"/>
+            </a:endParaRPr>
+          </a:p>
+          <a:p>
+            <a:pPr lvl="1" algn="just"/>
+            <a:r>
+              <a:rPr lang="hu-HU" sz="2200" dirty="0" smtClean="0">
+                <a:sym typeface="Wingdings" panose="05000000000000000000" pitchFamily="2" charset="2"/>
+              </a:rPr>
+              <a:t>Alapértelmezetten az alkalmazás fogja megnyitni</a:t>
+            </a:r>
           </a:p>
         </p:txBody>
       </p:sp>
       <p:pic>
         <p:nvPicPr>
-          <p:cNvPr id="5" name="Tartalom helye 4"/>
+          <p:cNvPr id="4" name="Kép 3"/>
           <p:cNvPicPr>
-            <a:picLocks noGrp="1" noChangeAspect="1"/>
+            <a:picLocks noChangeAspect="1"/>
           </p:cNvPicPr>
-          <p:nvPr>
-            <p:ph idx="1"/>
-          </p:nvPr>
+          <p:nvPr/>
         </p:nvPicPr>
         <p:blipFill>
           <a:blip r:embed="rId2">
             <a:extLst>
               <a:ext uri="{28A0092B-C50C-407E-A947-70E740481C1C}">
-                <a14:useLocalDpi xmlns:a14="http://schemas.microsoft.com/office/drawing/2010/main" val="0"/>
+                <a14:useLocalDpi xmlns:a14="http://schemas.microsoft.com/office/drawing/2010/main" xmlns="" val="0"/>
               </a:ext>
             </a:extLst>
           </a:blip>
@@ -4366,35 +5278,8 @@
         </p:blipFill>
         <p:spPr>
           <a:xfrm>
-            <a:off x="7713780" y="1801096"/>
-            <a:ext cx="3366112" cy="1304569"/>
-          </a:xfrm>
-        </p:spPr>
-      </p:pic>
-      <p:pic>
-        <p:nvPicPr>
-          <p:cNvPr id="6" name="Kép 5"/>
-          <p:cNvPicPr>
-            <a:picLocks noChangeAspect="1"/>
-          </p:cNvPicPr>
-          <p:nvPr/>
-        </p:nvPicPr>
-        <p:blipFill>
-          <a:blip r:embed="rId3">
-            <a:extLst>
-              <a:ext uri="{28A0092B-C50C-407E-A947-70E740481C1C}">
-                <a14:useLocalDpi xmlns:a14="http://schemas.microsoft.com/office/drawing/2010/main" val="0"/>
-              </a:ext>
-            </a:extLst>
-          </a:blip>
-          <a:stretch>
-            <a:fillRect/>
-          </a:stretch>
-        </p:blipFill>
-        <p:spPr>
-          <a:xfrm>
-            <a:off x="7714396" y="3204519"/>
-            <a:ext cx="3365497" cy="2428113"/>
+            <a:off x="7108114" y="1845735"/>
+            <a:ext cx="4047566" cy="3154634"/>
           </a:xfrm>
           <a:prstGeom prst="rect">
             <a:avLst/>
@@ -4404,9 +5289,124 @@
     </p:spTree>
     <p:extLst>
       <p:ext uri="{BB962C8B-B14F-4D97-AF65-F5344CB8AC3E}">
-        <p14:creationId xmlns:p14="http://schemas.microsoft.com/office/powerpoint/2010/main" val="2253682073"/>
+        <p14:creationId xmlns:p14="http://schemas.microsoft.com/office/powerpoint/2010/main" xmlns="" val="1535034961"/>
       </p:ext>
     </p:extLst>
+  </p:cSld>
+  <p:clrMapOvr>
+    <a:masterClrMapping/>
+  </p:clrMapOvr>
+</p:sld>
+</file>
+
+<file path=ppt/slides/slide8.xml><?xml version="1.0" encoding="utf-8"?>
+<p:sld xmlns:a="http://schemas.openxmlformats.org/drawingml/2006/main" xmlns:r="http://schemas.openxmlformats.org/officeDocument/2006/relationships" xmlns:p="http://schemas.openxmlformats.org/presentationml/2006/main">
+  <p:cSld>
+    <p:spTree>
+      <p:nvGrpSpPr>
+        <p:cNvPr id="1" name=""/>
+        <p:cNvGrpSpPr/>
+        <p:nvPr/>
+      </p:nvGrpSpPr>
+      <p:grpSpPr>
+        <a:xfrm>
+          <a:off x="0" y="0"/>
+          <a:ext cx="0" cy="0"/>
+          <a:chOff x="0" y="0"/>
+          <a:chExt cx="0" cy="0"/>
+        </a:xfrm>
+      </p:grpSpPr>
+      <p:sp>
+        <p:nvSpPr>
+          <p:cNvPr id="2" name="Cím 1"/>
+          <p:cNvSpPr>
+            <a:spLocks noGrp="1"/>
+          </p:cNvSpPr>
+          <p:nvPr>
+            <p:ph type="title"/>
+          </p:nvPr>
+        </p:nvSpPr>
+        <p:spPr/>
+        <p:txBody>
+          <a:bodyPr/>
+          <a:lstStyle/>
+          <a:p>
+            <a:r>
+              <a:rPr lang="hu-HU" dirty="0" smtClean="0"/>
+              <a:t>LIVE DEMO?</a:t>
+            </a:r>
+            <a:endParaRPr lang="hu-HU" dirty="0"/>
+          </a:p>
+        </p:txBody>
+      </p:sp>
+    </p:spTree>
+  </p:cSld>
+  <p:clrMapOvr>
+    <a:masterClrMapping/>
+  </p:clrMapOvr>
+</p:sld>
+</file>
+
+<file path=ppt/slides/slide9.xml><?xml version="1.0" encoding="utf-8"?>
+<p:sld xmlns:a="http://schemas.openxmlformats.org/drawingml/2006/main" xmlns:r="http://schemas.openxmlformats.org/officeDocument/2006/relationships" xmlns:p="http://schemas.openxmlformats.org/presentationml/2006/main">
+  <p:cSld>
+    <p:spTree>
+      <p:nvGrpSpPr>
+        <p:cNvPr id="1" name=""/>
+        <p:cNvGrpSpPr/>
+        <p:nvPr/>
+      </p:nvGrpSpPr>
+      <p:grpSpPr>
+        <a:xfrm>
+          <a:off x="0" y="0"/>
+          <a:ext cx="0" cy="0"/>
+          <a:chOff x="0" y="0"/>
+          <a:chExt cx="0" cy="0"/>
+        </a:xfrm>
+      </p:grpSpPr>
+      <p:sp>
+        <p:nvSpPr>
+          <p:cNvPr id="2" name="Cím 1"/>
+          <p:cNvSpPr>
+            <a:spLocks noGrp="1"/>
+          </p:cNvSpPr>
+          <p:nvPr>
+            <p:ph type="title"/>
+          </p:nvPr>
+        </p:nvSpPr>
+        <p:spPr/>
+        <p:txBody>
+          <a:bodyPr/>
+          <a:lstStyle/>
+          <a:p>
+            <a:r>
+              <a:rPr lang="hu-HU" dirty="0" smtClean="0"/>
+              <a:t>További lehetőségek</a:t>
+            </a:r>
+            <a:endParaRPr lang="hu-HU" dirty="0"/>
+          </a:p>
+        </p:txBody>
+      </p:sp>
+      <p:sp>
+        <p:nvSpPr>
+          <p:cNvPr id="3" name="Tartalom helye 2"/>
+          <p:cNvSpPr>
+            <a:spLocks noGrp="1"/>
+          </p:cNvSpPr>
+          <p:nvPr>
+            <p:ph idx="1"/>
+          </p:nvPr>
+        </p:nvSpPr>
+        <p:spPr/>
+        <p:txBody>
+          <a:bodyPr/>
+          <a:lstStyle/>
+          <a:p>
+            <a:endParaRPr lang="hu-HU" dirty="0"/>
+          </a:p>
+        </p:txBody>
+      </p:sp>
+    </p:spTree>
   </p:cSld>
   <p:clrMapOvr>
     <a:masterClrMapping/>
@@ -4457,7 +5457,7 @@
     </a:clrScheme>
     <a:fontScheme name="Retrospect">
       <a:majorFont>
-        <a:latin typeface="Calibri Light" panose="020F0302020204030204"/>
+        <a:latin typeface="Calibri Light"/>
         <a:ea typeface=""/>
         <a:cs typeface=""/>
         <a:font script="Jpan" typeface="ＭＳ Ｐゴシック"/>
@@ -4492,7 +5492,7 @@
         <a:font script="Geor" typeface="Sylfaen"/>
       </a:majorFont>
       <a:minorFont>
-        <a:latin typeface="Calibri" panose="020F0502020204030204"/>
+        <a:latin typeface="Calibri"/>
         <a:ea typeface=""/>
         <a:cs typeface=""/>
         <a:font script="Jpan" typeface="ＭＳ Ｐゴシック"/>
@@ -4691,8 +5691,291 @@
   <a:extraClrSchemeLst/>
   <a:extLst>
     <a:ext uri="{05A4C25C-085E-4340-85A3-A5531E510DB2}">
-      <thm15:themeFamily xmlns:thm15="http://schemas.microsoft.com/office/thememl/2012/main" name="Retrospect" id="{5F128B03-DCCA-4EEB-AB3B-CF2899314A46}" vid="{D26EA377-59BD-4C9C-9D94-EE8416EE4C79}"/>
+      <thm15:themeFamily xmlns:thm15="http://schemas.microsoft.com/office/thememl/2012/main" xmlns="" name="Retrospect" id="{5F128B03-DCCA-4EEB-AB3B-CF2899314A46}" vid="{D26EA377-59BD-4C9C-9D94-EE8416EE4C79}"/>
     </a:ext>
   </a:extLst>
 </a:theme>
+</file>
+
+<file path=ppt/theme/theme2.xml><?xml version="1.0" encoding="utf-8"?>
+<a:theme xmlns:a="http://schemas.openxmlformats.org/drawingml/2006/main" name="Office-téma">
+  <a:themeElements>
+    <a:clrScheme name="Office">
+      <a:dk1>
+        <a:sysClr val="windowText" lastClr="000000"/>
+      </a:dk1>
+      <a:lt1>
+        <a:sysClr val="window" lastClr="FFFFFF"/>
+      </a:lt1>
+      <a:dk2>
+        <a:srgbClr val="1F497D"/>
+      </a:dk2>
+      <a:lt2>
+        <a:srgbClr val="EEECE1"/>
+      </a:lt2>
+      <a:accent1>
+        <a:srgbClr val="4F81BD"/>
+      </a:accent1>
+      <a:accent2>
+        <a:srgbClr val="C0504D"/>
+      </a:accent2>
+      <a:accent3>
+        <a:srgbClr val="9BBB59"/>
+      </a:accent3>
+      <a:accent4>
+        <a:srgbClr val="8064A2"/>
+      </a:accent4>
+      <a:accent5>
+        <a:srgbClr val="4BACC6"/>
+      </a:accent5>
+      <a:accent6>
+        <a:srgbClr val="F79646"/>
+      </a:accent6>
+      <a:hlink>
+        <a:srgbClr val="0000FF"/>
+      </a:hlink>
+      <a:folHlink>
+        <a:srgbClr val="800080"/>
+      </a:folHlink>
+    </a:clrScheme>
+    <a:fontScheme name="Office">
+      <a:majorFont>
+        <a:latin typeface="Calibri"/>
+        <a:ea typeface=""/>
+        <a:cs typeface=""/>
+        <a:font script="Jpan" typeface="ＭＳ Ｐゴシック"/>
+        <a:font script="Hang" typeface="맑은 고딕"/>
+        <a:font script="Hans" typeface="宋体"/>
+        <a:font script="Hant" typeface="新細明體"/>
+        <a:font script="Arab" typeface="Times New Roman"/>
+        <a:font script="Hebr" typeface="Times New Roman"/>
+        <a:font script="Thai" typeface="Angsana New"/>
+        <a:font script="Ethi" typeface="Nyala"/>
+        <a:font script="Beng" typeface="Vrinda"/>
+        <a:font script="Gujr" typeface="Shruti"/>
+        <a:font script="Khmr" typeface="MoolBoran"/>
+        <a:font script="Knda" typeface="Tunga"/>
+        <a:font script="Guru" typeface="Raavi"/>
+        <a:font script="Cans" typeface="Euphemia"/>
+        <a:font script="Cher" typeface="Plantagenet Cherokee"/>
+        <a:font script="Yiii" typeface="Microsoft Yi Baiti"/>
+        <a:font script="Tibt" typeface="Microsoft Himalaya"/>
+        <a:font script="Thaa" typeface="MV Boli"/>
+        <a:font script="Deva" typeface="Mangal"/>
+        <a:font script="Telu" typeface="Gautami"/>
+        <a:font script="Taml" typeface="Latha"/>
+        <a:font script="Syrc" typeface="Estrangelo Edessa"/>
+        <a:font script="Orya" typeface="Kalinga"/>
+        <a:font script="Mlym" typeface="Kartika"/>
+        <a:font script="Laoo" typeface="DokChampa"/>
+        <a:font script="Sinh" typeface="Iskoola Pota"/>
+        <a:font script="Mong" typeface="Mongolian Baiti"/>
+        <a:font script="Viet" typeface="Times New Roman"/>
+        <a:font script="Uigh" typeface="Microsoft Uighur"/>
+      </a:majorFont>
+      <a:minorFont>
+        <a:latin typeface="Calibri"/>
+        <a:ea typeface=""/>
+        <a:cs typeface=""/>
+        <a:font script="Jpan" typeface="ＭＳ Ｐゴシック"/>
+        <a:font script="Hang" typeface="맑은 고딕"/>
+        <a:font script="Hans" typeface="宋体"/>
+        <a:font script="Hant" typeface="新細明體"/>
+        <a:font script="Arab" typeface="Arial"/>
+        <a:font script="Hebr" typeface="Arial"/>
+        <a:font script="Thai" typeface="Cordia New"/>
+        <a:font script="Ethi" typeface="Nyala"/>
+        <a:font script="Beng" typeface="Vrinda"/>
+        <a:font script="Gujr" typeface="Shruti"/>
+        <a:font script="Khmr" typeface="DaunPenh"/>
+        <a:font script="Knda" typeface="Tunga"/>
+        <a:font script="Guru" typeface="Raavi"/>
+        <a:font script="Cans" typeface="Euphemia"/>
+        <a:font script="Cher" typeface="Plantagenet Cherokee"/>
+        <a:font script="Yiii" typeface="Microsoft Yi Baiti"/>
+        <a:font script="Tibt" typeface="Microsoft Himalaya"/>
+        <a:font script="Thaa" typeface="MV Boli"/>
+        <a:font script="Deva" typeface="Mangal"/>
+        <a:font script="Telu" typeface="Gautami"/>
+        <a:font script="Taml" typeface="Latha"/>
+        <a:font script="Syrc" typeface="Estrangelo Edessa"/>
+        <a:font script="Orya" typeface="Kalinga"/>
+        <a:font script="Mlym" typeface="Kartika"/>
+        <a:font script="Laoo" typeface="DokChampa"/>
+        <a:font script="Sinh" typeface="Iskoola Pota"/>
+        <a:font script="Mong" typeface="Mongolian Baiti"/>
+        <a:font script="Viet" typeface="Arial"/>
+        <a:font script="Uigh" typeface="Microsoft Uighur"/>
+      </a:minorFont>
+    </a:fontScheme>
+    <a:fmtScheme name="Office">
+      <a:fillStyleLst>
+        <a:solidFill>
+          <a:schemeClr val="phClr"/>
+        </a:solidFill>
+        <a:gradFill rotWithShape="1">
+          <a:gsLst>
+            <a:gs pos="0">
+              <a:schemeClr val="phClr">
+                <a:tint val="50000"/>
+                <a:satMod val="300000"/>
+              </a:schemeClr>
+            </a:gs>
+            <a:gs pos="35000">
+              <a:schemeClr val="phClr">
+                <a:tint val="37000"/>
+                <a:satMod val="300000"/>
+              </a:schemeClr>
+            </a:gs>
+            <a:gs pos="100000">
+              <a:schemeClr val="phClr">
+                <a:tint val="15000"/>
+                <a:satMod val="350000"/>
+              </a:schemeClr>
+            </a:gs>
+          </a:gsLst>
+          <a:lin ang="16200000" scaled="1"/>
+        </a:gradFill>
+        <a:gradFill rotWithShape="1">
+          <a:gsLst>
+            <a:gs pos="0">
+              <a:schemeClr val="phClr">
+                <a:shade val="51000"/>
+                <a:satMod val="130000"/>
+              </a:schemeClr>
+            </a:gs>
+            <a:gs pos="80000">
+              <a:schemeClr val="phClr">
+                <a:shade val="93000"/>
+                <a:satMod val="130000"/>
+              </a:schemeClr>
+            </a:gs>
+            <a:gs pos="100000">
+              <a:schemeClr val="phClr">
+                <a:shade val="94000"/>
+                <a:satMod val="135000"/>
+              </a:schemeClr>
+            </a:gs>
+          </a:gsLst>
+          <a:lin ang="16200000" scaled="0"/>
+        </a:gradFill>
+      </a:fillStyleLst>
+      <a:lnStyleLst>
+        <a:ln w="9525" cap="flat" cmpd="sng" algn="ctr">
+          <a:solidFill>
+            <a:schemeClr val="phClr">
+              <a:shade val="95000"/>
+              <a:satMod val="105000"/>
+            </a:schemeClr>
+          </a:solidFill>
+          <a:prstDash val="solid"/>
+        </a:ln>
+        <a:ln w="25400" cap="flat" cmpd="sng" algn="ctr">
+          <a:solidFill>
+            <a:schemeClr val="phClr"/>
+          </a:solidFill>
+          <a:prstDash val="solid"/>
+        </a:ln>
+        <a:ln w="38100" cap="flat" cmpd="sng" algn="ctr">
+          <a:solidFill>
+            <a:schemeClr val="phClr"/>
+          </a:solidFill>
+          <a:prstDash val="solid"/>
+        </a:ln>
+      </a:lnStyleLst>
+      <a:effectStyleLst>
+        <a:effectStyle>
+          <a:effectLst>
+            <a:outerShdw blurRad="40000" dist="20000" dir="5400000" rotWithShape="0">
+              <a:srgbClr val="000000">
+                <a:alpha val="38000"/>
+              </a:srgbClr>
+            </a:outerShdw>
+          </a:effectLst>
+        </a:effectStyle>
+        <a:effectStyle>
+          <a:effectLst>
+            <a:outerShdw blurRad="40000" dist="23000" dir="5400000" rotWithShape="0">
+              <a:srgbClr val="000000">
+                <a:alpha val="35000"/>
+              </a:srgbClr>
+            </a:outerShdw>
+          </a:effectLst>
+        </a:effectStyle>
+        <a:effectStyle>
+          <a:effectLst>
+            <a:outerShdw blurRad="40000" dist="23000" dir="5400000" rotWithShape="0">
+              <a:srgbClr val="000000">
+                <a:alpha val="35000"/>
+              </a:srgbClr>
+            </a:outerShdw>
+          </a:effectLst>
+          <a:scene3d>
+            <a:camera prst="orthographicFront">
+              <a:rot lat="0" lon="0" rev="0"/>
+            </a:camera>
+            <a:lightRig rig="threePt" dir="t">
+              <a:rot lat="0" lon="0" rev="1200000"/>
+            </a:lightRig>
+          </a:scene3d>
+          <a:sp3d>
+            <a:bevelT w="63500" h="25400"/>
+          </a:sp3d>
+        </a:effectStyle>
+      </a:effectStyleLst>
+      <a:bgFillStyleLst>
+        <a:solidFill>
+          <a:schemeClr val="phClr"/>
+        </a:solidFill>
+        <a:gradFill rotWithShape="1">
+          <a:gsLst>
+            <a:gs pos="0">
+              <a:schemeClr val="phClr">
+                <a:tint val="40000"/>
+                <a:satMod val="350000"/>
+              </a:schemeClr>
+            </a:gs>
+            <a:gs pos="40000">
+              <a:schemeClr val="phClr">
+                <a:tint val="45000"/>
+                <a:shade val="99000"/>
+                <a:satMod val="350000"/>
+              </a:schemeClr>
+            </a:gs>
+            <a:gs pos="100000">
+              <a:schemeClr val="phClr">
+                <a:shade val="20000"/>
+                <a:satMod val="255000"/>
+              </a:schemeClr>
+            </a:gs>
+          </a:gsLst>
+          <a:path path="circle">
+            <a:fillToRect l="50000" t="-80000" r="50000" b="180000"/>
+          </a:path>
+        </a:gradFill>
+        <a:gradFill rotWithShape="1">
+          <a:gsLst>
+            <a:gs pos="0">
+              <a:schemeClr val="phClr">
+                <a:tint val="80000"/>
+                <a:satMod val="300000"/>
+              </a:schemeClr>
+            </a:gs>
+            <a:gs pos="100000">
+              <a:schemeClr val="phClr">
+                <a:shade val="30000"/>
+                <a:satMod val="200000"/>
+              </a:schemeClr>
+            </a:gs>
+          </a:gsLst>
+          <a:path path="circle">
+            <a:fillToRect l="50000" t="50000" r="50000" b="50000"/>
+          </a:path>
+        </a:gradFill>
+      </a:bgFillStyleLst>
+    </a:fmtScheme>
+  </a:themeElements>
+  <a:objectDefaults/>
+  <a:extraClrSchemeLst/>
+</a:theme>
 </file>
--- a/specification/prezentacio_v01.pptx
+++ b/specification/prezentacio_v01.pptx
@@ -1,6 +1,6 @@
 
 <file path=ppt/presentation.xml><?xml version="1.0" encoding="utf-8"?>
-<p:presentation xmlns:a="http://schemas.openxmlformats.org/drawingml/2006/main" xmlns:r="http://schemas.openxmlformats.org/officeDocument/2006/relationships" xmlns:p="http://schemas.openxmlformats.org/presentationml/2006/main" autoCompressPictures="0">
+<p:presentation xmlns:a="http://schemas.openxmlformats.org/drawingml/2006/main" xmlns:r="http://schemas.openxmlformats.org/officeDocument/2006/relationships" xmlns:p="http://schemas.openxmlformats.org/presentationml/2006/main" showSpecialPlsOnTitleSld="0" autoCompressPictures="0">
   <p:sldMasterIdLst>
     <p:sldMasterId id="2147483648" r:id="rId1"/>
   </p:sldMasterIdLst>
@@ -11,13 +11,13 @@
     <p:sldId id="256" r:id="rId2"/>
     <p:sldId id="257" r:id="rId3"/>
     <p:sldId id="258" r:id="rId4"/>
-    <p:sldId id="261" r:id="rId5"/>
-    <p:sldId id="262" r:id="rId6"/>
-    <p:sldId id="263" r:id="rId7"/>
-    <p:sldId id="259" r:id="rId8"/>
-    <p:sldId id="264" r:id="rId9"/>
+    <p:sldId id="266" r:id="rId5"/>
+    <p:sldId id="261" r:id="rId6"/>
+    <p:sldId id="267" r:id="rId7"/>
+    <p:sldId id="263" r:id="rId8"/>
+    <p:sldId id="259" r:id="rId9"/>
     <p:sldId id="265" r:id="rId10"/>
-    <p:sldId id="260" r:id="rId11"/>
+    <p:sldId id="264" r:id="rId11"/>
   </p:sldIdLst>
   <p:sldSz cx="12192000" cy="6858000"/>
   <p:notesSz cx="6858000" cy="9144000"/>
@@ -116,6 +116,22 @@
       </a:defRPr>
     </a:lvl9pPr>
   </p:defaultTextStyle>
+  <p:extLst>
+    <p:ext uri="{EFAFB233-063F-42B5-8137-9DF3F51BA10A}">
+      <p15:sldGuideLst xmlns:p15="http://schemas.microsoft.com/office/powerpoint/2012/main">
+        <p15:guide id="1" orient="horz" pos="2160">
+          <p15:clr>
+            <a:srgbClr val="A4A3A4"/>
+          </p15:clr>
+        </p15:guide>
+        <p15:guide id="2" pos="3840">
+          <p15:clr>
+            <a:srgbClr val="A4A3A4"/>
+          </p15:clr>
+        </p15:guide>
+      </p15:sldGuideLst>
+    </p:ext>
+  </p:extLst>
 </p:presentation>
 </file>
 
@@ -201,7 +217,7 @@
           <a:p>
             <a:fld id="{E30D8ADC-AE49-42B8-9769-B6B926F43AA5}" type="datetimeFigureOut">
               <a:rPr lang="hu-HU" smtClean="0"/>
-              <a:t>2015.12.01.</a:t>
+              <a:t>2015. 12. 02.</a:t>
             </a:fld>
             <a:endParaRPr lang="hu-HU"/>
           </a:p>
@@ -369,6 +385,11 @@
         </p:txBody>
       </p:sp>
     </p:spTree>
+    <p:extLst>
+      <p:ext uri="{BB962C8B-B14F-4D97-AF65-F5344CB8AC3E}">
+        <p14:creationId xmlns:p14="http://schemas.microsoft.com/office/powerpoint/2010/main" val="666373285"/>
+      </p:ext>
+    </p:extLst>
   </p:cSld>
   <p:clrMap bg1="lt1" tx1="dk1" bg2="lt2" tx2="dk2" accent1="accent1" accent2="accent2" accent3="accent3" accent4="accent4" accent5="accent5" accent6="accent6" hlink="hlink" folHlink="folHlink"/>
   <p:notesStyle>
@@ -507,6 +528,90 @@
         </p:nvSpPr>
         <p:spPr/>
         <p:txBody>
+          <a:bodyPr/>
+          <a:lstStyle/>
+          <a:p>
+            <a:endParaRPr lang="hu-HU"/>
+          </a:p>
+        </p:txBody>
+      </p:sp>
+      <p:sp>
+        <p:nvSpPr>
+          <p:cNvPr id="4" name="Dia számának helye 3"/>
+          <p:cNvSpPr>
+            <a:spLocks noGrp="1"/>
+          </p:cNvSpPr>
+          <p:nvPr>
+            <p:ph type="sldNum" sz="quarter" idx="10"/>
+          </p:nvPr>
+        </p:nvSpPr>
+        <p:spPr/>
+        <p:txBody>
+          <a:bodyPr/>
+          <a:lstStyle/>
+          <a:p>
+            <a:fld id="{03B91F55-2511-41A7-900B-A176D00A7461}" type="slidenum">
+              <a:rPr lang="hu-HU" smtClean="0"/>
+              <a:t>1</a:t>
+            </a:fld>
+            <a:endParaRPr lang="hu-HU"/>
+          </a:p>
+        </p:txBody>
+      </p:sp>
+    </p:spTree>
+    <p:extLst>
+      <p:ext uri="{BB962C8B-B14F-4D97-AF65-F5344CB8AC3E}">
+        <p14:creationId xmlns:p14="http://schemas.microsoft.com/office/powerpoint/2010/main" val="669963492"/>
+      </p:ext>
+    </p:extLst>
+  </p:cSld>
+  <p:clrMapOvr>
+    <a:masterClrMapping/>
+  </p:clrMapOvr>
+</p:notes>
+</file>
+
+<file path=ppt/notesSlides/notesSlide2.xml><?xml version="1.0" encoding="utf-8"?>
+<p:notes xmlns:a="http://schemas.openxmlformats.org/drawingml/2006/main" xmlns:r="http://schemas.openxmlformats.org/officeDocument/2006/relationships" xmlns:p="http://schemas.openxmlformats.org/presentationml/2006/main">
+  <p:cSld>
+    <p:spTree>
+      <p:nvGrpSpPr>
+        <p:cNvPr id="1" name=""/>
+        <p:cNvGrpSpPr/>
+        <p:nvPr/>
+      </p:nvGrpSpPr>
+      <p:grpSpPr>
+        <a:xfrm>
+          <a:off x="0" y="0"/>
+          <a:ext cx="0" cy="0"/>
+          <a:chOff x="0" y="0"/>
+          <a:chExt cx="0" cy="0"/>
+        </a:xfrm>
+      </p:grpSpPr>
+      <p:sp>
+        <p:nvSpPr>
+          <p:cNvPr id="2" name="Diakép helye 1"/>
+          <p:cNvSpPr>
+            <a:spLocks noGrp="1" noRot="1" noChangeAspect="1"/>
+          </p:cNvSpPr>
+          <p:nvPr>
+            <p:ph type="sldImg"/>
+          </p:nvPr>
+        </p:nvSpPr>
+        <p:spPr/>
+      </p:sp>
+      <p:sp>
+        <p:nvSpPr>
+          <p:cNvPr id="3" name="Jegyzetek helye 2"/>
+          <p:cNvSpPr>
+            <a:spLocks noGrp="1"/>
+          </p:cNvSpPr>
+          <p:nvPr>
+            <p:ph type="body" idx="1"/>
+          </p:nvPr>
+        </p:nvSpPr>
+        <p:spPr/>
+        <p:txBody>
           <a:bodyPr>
             <a:normAutofit/>
           </a:bodyPr>
@@ -548,6 +653,357 @@
         </p:txBody>
       </p:sp>
     </p:spTree>
+    <p:extLst>
+      <p:ext uri="{BB962C8B-B14F-4D97-AF65-F5344CB8AC3E}">
+        <p14:creationId xmlns:p14="http://schemas.microsoft.com/office/powerpoint/2010/main" val="2363664888"/>
+      </p:ext>
+    </p:extLst>
+  </p:cSld>
+  <p:clrMapOvr>
+    <a:masterClrMapping/>
+  </p:clrMapOvr>
+</p:notes>
+</file>
+
+<file path=ppt/notesSlides/notesSlide3.xml><?xml version="1.0" encoding="utf-8"?>
+<p:notes xmlns:a="http://schemas.openxmlformats.org/drawingml/2006/main" xmlns:r="http://schemas.openxmlformats.org/officeDocument/2006/relationships" xmlns:p="http://schemas.openxmlformats.org/presentationml/2006/main">
+  <p:cSld>
+    <p:spTree>
+      <p:nvGrpSpPr>
+        <p:cNvPr id="1" name=""/>
+        <p:cNvGrpSpPr/>
+        <p:nvPr/>
+      </p:nvGrpSpPr>
+      <p:grpSpPr>
+        <a:xfrm>
+          <a:off x="0" y="0"/>
+          <a:ext cx="0" cy="0"/>
+          <a:chOff x="0" y="0"/>
+          <a:chExt cx="0" cy="0"/>
+        </a:xfrm>
+      </p:grpSpPr>
+      <p:sp>
+        <p:nvSpPr>
+          <p:cNvPr id="2" name="Diakép helye 1"/>
+          <p:cNvSpPr>
+            <a:spLocks noGrp="1" noRot="1" noChangeAspect="1"/>
+          </p:cNvSpPr>
+          <p:nvPr>
+            <p:ph type="sldImg"/>
+          </p:nvPr>
+        </p:nvSpPr>
+        <p:spPr/>
+      </p:sp>
+      <p:sp>
+        <p:nvSpPr>
+          <p:cNvPr id="3" name="Jegyzetek helye 2"/>
+          <p:cNvSpPr>
+            <a:spLocks noGrp="1"/>
+          </p:cNvSpPr>
+          <p:nvPr>
+            <p:ph type="body" idx="1"/>
+          </p:nvPr>
+        </p:nvSpPr>
+        <p:spPr/>
+        <p:txBody>
+          <a:bodyPr>
+            <a:normAutofit/>
+          </a:bodyPr>
+          <a:lstStyle/>
+          <a:p>
+            <a:r>
+              <a:rPr lang="hu-HU" dirty="0" smtClean="0"/>
+              <a:t>Sorrendet megcseréltem : első</a:t>
+            </a:r>
+            <a:r>
+              <a:rPr lang="hu-HU" baseline="0" dirty="0" smtClean="0"/>
+              <a:t> kettő bekezdés a tied lesz kifejteni, második kettő az enyém</a:t>
+            </a:r>
+            <a:endParaRPr lang="hu-HU" dirty="0"/>
+          </a:p>
+        </p:txBody>
+      </p:sp>
+      <p:sp>
+        <p:nvSpPr>
+          <p:cNvPr id="4" name="Dia számának helye 3"/>
+          <p:cNvSpPr>
+            <a:spLocks noGrp="1"/>
+          </p:cNvSpPr>
+          <p:nvPr>
+            <p:ph type="sldNum" sz="quarter" idx="10"/>
+          </p:nvPr>
+        </p:nvSpPr>
+        <p:spPr/>
+        <p:txBody>
+          <a:bodyPr/>
+          <a:lstStyle/>
+          <a:p>
+            <a:fld id="{03B91F55-2511-41A7-900B-A176D00A7461}" type="slidenum">
+              <a:rPr lang="hu-HU" smtClean="0"/>
+              <a:t>4</a:t>
+            </a:fld>
+            <a:endParaRPr lang="hu-HU"/>
+          </a:p>
+        </p:txBody>
+      </p:sp>
+    </p:spTree>
+    <p:extLst>
+      <p:ext uri="{BB962C8B-B14F-4D97-AF65-F5344CB8AC3E}">
+        <p14:creationId xmlns:p14="http://schemas.microsoft.com/office/powerpoint/2010/main" val="1516343418"/>
+      </p:ext>
+    </p:extLst>
+  </p:cSld>
+  <p:clrMapOvr>
+    <a:masterClrMapping/>
+  </p:clrMapOvr>
+</p:notes>
+</file>
+
+<file path=ppt/notesSlides/notesSlide4.xml><?xml version="1.0" encoding="utf-8"?>
+<p:notes xmlns:a="http://schemas.openxmlformats.org/drawingml/2006/main" xmlns:r="http://schemas.openxmlformats.org/officeDocument/2006/relationships" xmlns:p="http://schemas.openxmlformats.org/presentationml/2006/main">
+  <p:cSld>
+    <p:spTree>
+      <p:nvGrpSpPr>
+        <p:cNvPr id="1" name=""/>
+        <p:cNvGrpSpPr/>
+        <p:nvPr/>
+      </p:nvGrpSpPr>
+      <p:grpSpPr>
+        <a:xfrm>
+          <a:off x="0" y="0"/>
+          <a:ext cx="0" cy="0"/>
+          <a:chOff x="0" y="0"/>
+          <a:chExt cx="0" cy="0"/>
+        </a:xfrm>
+      </p:grpSpPr>
+      <p:sp>
+        <p:nvSpPr>
+          <p:cNvPr id="2" name="Diakép helye 1"/>
+          <p:cNvSpPr>
+            <a:spLocks noGrp="1" noRot="1" noChangeAspect="1"/>
+          </p:cNvSpPr>
+          <p:nvPr>
+            <p:ph type="sldImg"/>
+          </p:nvPr>
+        </p:nvSpPr>
+        <p:spPr/>
+      </p:sp>
+      <p:sp>
+        <p:nvSpPr>
+          <p:cNvPr id="3" name="Jegyzetek helye 2"/>
+          <p:cNvSpPr>
+            <a:spLocks noGrp="1"/>
+          </p:cNvSpPr>
+          <p:nvPr>
+            <p:ph type="body" idx="1"/>
+          </p:nvPr>
+        </p:nvSpPr>
+        <p:spPr/>
+        <p:txBody>
+          <a:bodyPr/>
+          <a:lstStyle/>
+          <a:p>
+            <a:endParaRPr lang="hu-HU" dirty="0"/>
+          </a:p>
+        </p:txBody>
+      </p:sp>
+      <p:sp>
+        <p:nvSpPr>
+          <p:cNvPr id="4" name="Dia számának helye 3"/>
+          <p:cNvSpPr>
+            <a:spLocks noGrp="1"/>
+          </p:cNvSpPr>
+          <p:nvPr>
+            <p:ph type="sldNum" sz="quarter" idx="10"/>
+          </p:nvPr>
+        </p:nvSpPr>
+        <p:spPr/>
+        <p:txBody>
+          <a:bodyPr/>
+          <a:lstStyle/>
+          <a:p>
+            <a:fld id="{03B91F55-2511-41A7-900B-A176D00A7461}" type="slidenum">
+              <a:rPr lang="hu-HU" smtClean="0"/>
+              <a:t>5</a:t>
+            </a:fld>
+            <a:endParaRPr lang="hu-HU"/>
+          </a:p>
+        </p:txBody>
+      </p:sp>
+    </p:spTree>
+    <p:extLst>
+      <p:ext uri="{BB962C8B-B14F-4D97-AF65-F5344CB8AC3E}">
+        <p14:creationId xmlns:p14="http://schemas.microsoft.com/office/powerpoint/2010/main" val="3894552920"/>
+      </p:ext>
+    </p:extLst>
+  </p:cSld>
+  <p:clrMapOvr>
+    <a:masterClrMapping/>
+  </p:clrMapOvr>
+</p:notes>
+</file>
+
+<file path=ppt/notesSlides/notesSlide5.xml><?xml version="1.0" encoding="utf-8"?>
+<p:notes xmlns:a="http://schemas.openxmlformats.org/drawingml/2006/main" xmlns:r="http://schemas.openxmlformats.org/officeDocument/2006/relationships" xmlns:p="http://schemas.openxmlformats.org/presentationml/2006/main">
+  <p:cSld>
+    <p:spTree>
+      <p:nvGrpSpPr>
+        <p:cNvPr id="1" name=""/>
+        <p:cNvGrpSpPr/>
+        <p:nvPr/>
+      </p:nvGrpSpPr>
+      <p:grpSpPr>
+        <a:xfrm>
+          <a:off x="0" y="0"/>
+          <a:ext cx="0" cy="0"/>
+          <a:chOff x="0" y="0"/>
+          <a:chExt cx="0" cy="0"/>
+        </a:xfrm>
+      </p:grpSpPr>
+      <p:sp>
+        <p:nvSpPr>
+          <p:cNvPr id="2" name="Diakép helye 1"/>
+          <p:cNvSpPr>
+            <a:spLocks noGrp="1" noRot="1" noChangeAspect="1"/>
+          </p:cNvSpPr>
+          <p:nvPr>
+            <p:ph type="sldImg"/>
+          </p:nvPr>
+        </p:nvSpPr>
+        <p:spPr/>
+      </p:sp>
+      <p:sp>
+        <p:nvSpPr>
+          <p:cNvPr id="3" name="Jegyzetek helye 2"/>
+          <p:cNvSpPr>
+            <a:spLocks noGrp="1"/>
+          </p:cNvSpPr>
+          <p:nvPr>
+            <p:ph type="body" idx="1"/>
+          </p:nvPr>
+        </p:nvSpPr>
+        <p:spPr/>
+        <p:txBody>
+          <a:bodyPr/>
+          <a:lstStyle/>
+          <a:p>
+            <a:endParaRPr lang="hu-HU" dirty="0"/>
+          </a:p>
+        </p:txBody>
+      </p:sp>
+      <p:sp>
+        <p:nvSpPr>
+          <p:cNvPr id="4" name="Dia számának helye 3"/>
+          <p:cNvSpPr>
+            <a:spLocks noGrp="1"/>
+          </p:cNvSpPr>
+          <p:nvPr>
+            <p:ph type="sldNum" sz="quarter" idx="10"/>
+          </p:nvPr>
+        </p:nvSpPr>
+        <p:spPr/>
+        <p:txBody>
+          <a:bodyPr/>
+          <a:lstStyle/>
+          <a:p>
+            <a:fld id="{03B91F55-2511-41A7-900B-A176D00A7461}" type="slidenum">
+              <a:rPr lang="hu-HU" smtClean="0"/>
+              <a:t>6</a:t>
+            </a:fld>
+            <a:endParaRPr lang="hu-HU"/>
+          </a:p>
+        </p:txBody>
+      </p:sp>
+    </p:spTree>
+    <p:extLst>
+      <p:ext uri="{BB962C8B-B14F-4D97-AF65-F5344CB8AC3E}">
+        <p14:creationId xmlns:p14="http://schemas.microsoft.com/office/powerpoint/2010/main" val="2692448855"/>
+      </p:ext>
+    </p:extLst>
+  </p:cSld>
+  <p:clrMapOvr>
+    <a:masterClrMapping/>
+  </p:clrMapOvr>
+</p:notes>
+</file>
+
+<file path=ppt/notesSlides/notesSlide6.xml><?xml version="1.0" encoding="utf-8"?>
+<p:notes xmlns:a="http://schemas.openxmlformats.org/drawingml/2006/main" xmlns:r="http://schemas.openxmlformats.org/officeDocument/2006/relationships" xmlns:p="http://schemas.openxmlformats.org/presentationml/2006/main">
+  <p:cSld>
+    <p:spTree>
+      <p:nvGrpSpPr>
+        <p:cNvPr id="1" name=""/>
+        <p:cNvGrpSpPr/>
+        <p:nvPr/>
+      </p:nvGrpSpPr>
+      <p:grpSpPr>
+        <a:xfrm>
+          <a:off x="0" y="0"/>
+          <a:ext cx="0" cy="0"/>
+          <a:chOff x="0" y="0"/>
+          <a:chExt cx="0" cy="0"/>
+        </a:xfrm>
+      </p:grpSpPr>
+      <p:sp>
+        <p:nvSpPr>
+          <p:cNvPr id="2" name="Diakép helye 1"/>
+          <p:cNvSpPr>
+            <a:spLocks noGrp="1" noRot="1" noChangeAspect="1"/>
+          </p:cNvSpPr>
+          <p:nvPr>
+            <p:ph type="sldImg"/>
+          </p:nvPr>
+        </p:nvSpPr>
+        <p:spPr/>
+      </p:sp>
+      <p:sp>
+        <p:nvSpPr>
+          <p:cNvPr id="3" name="Jegyzetek helye 2"/>
+          <p:cNvSpPr>
+            <a:spLocks noGrp="1"/>
+          </p:cNvSpPr>
+          <p:nvPr>
+            <p:ph type="body" idx="1"/>
+          </p:nvPr>
+        </p:nvSpPr>
+        <p:spPr/>
+        <p:txBody>
+          <a:bodyPr/>
+          <a:lstStyle/>
+          <a:p>
+            <a:endParaRPr lang="hu-HU" dirty="0"/>
+          </a:p>
+        </p:txBody>
+      </p:sp>
+      <p:sp>
+        <p:nvSpPr>
+          <p:cNvPr id="4" name="Dia számának helye 3"/>
+          <p:cNvSpPr>
+            <a:spLocks noGrp="1"/>
+          </p:cNvSpPr>
+          <p:nvPr>
+            <p:ph type="sldNum" sz="quarter" idx="10"/>
+          </p:nvPr>
+        </p:nvSpPr>
+        <p:spPr/>
+        <p:txBody>
+          <a:bodyPr/>
+          <a:lstStyle/>
+          <a:p>
+            <a:fld id="{03B91F55-2511-41A7-900B-A176D00A7461}" type="slidenum">
+              <a:rPr lang="hu-HU" smtClean="0"/>
+              <a:t>8</a:t>
+            </a:fld>
+            <a:endParaRPr lang="hu-HU"/>
+          </a:p>
+        </p:txBody>
+      </p:sp>
+    </p:spTree>
+    <p:extLst>
+      <p:ext uri="{BB962C8B-B14F-4D97-AF65-F5344CB8AC3E}">
+        <p14:creationId xmlns:p14="http://schemas.microsoft.com/office/powerpoint/2010/main" val="1644210783"/>
+      </p:ext>
+    </p:extLst>
   </p:cSld>
   <p:clrMapOvr>
     <a:masterClrMapping/>
@@ -779,10 +1235,9 @@
           <a:bodyPr/>
           <a:lstStyle/>
           <a:p>
-            <a:fld id="{5A069CB8-F204-4D06-B913-C5A26A89888A}" type="datetimeFigureOut">
-              <a:rPr lang="en-US" dirty="0"/>
-              <a:pPr/>
-              <a:t>12/1/2015</a:t>
+            <a:fld id="{ADFBBA80-E8A8-43A1-B002-89299E58D53F}" type="datetime1">
+              <a:rPr lang="en-US" smtClean="0"/>
+              <a:t>12/2/2015</a:t>
             </a:fld>
             <a:endParaRPr lang="en-US" dirty="0"/>
           </a:p>
@@ -984,10 +1439,9 @@
           <a:bodyPr/>
           <a:lstStyle/>
           <a:p>
-            <a:fld id="{50B6E300-0A13-4A81-945A-7333C271A069}" type="datetimeFigureOut">
-              <a:rPr lang="en-US" dirty="0"/>
-              <a:pPr/>
-              <a:t>12/1/2015</a:t>
+            <a:fld id="{D7F812C5-F871-4FA6-BD96-F10D5F197F77}" type="datetime1">
+              <a:rPr lang="en-US" smtClean="0"/>
+              <a:t>12/2/2015</a:t>
             </a:fld>
             <a:endParaRPr lang="en-US" dirty="0"/>
           </a:p>
@@ -1237,10 +1691,9 @@
           <a:bodyPr/>
           <a:lstStyle/>
           <a:p>
-            <a:fld id="{34671962-1EA4-46E7-BCB0-F36CE46D1A59}" type="datetimeFigureOut">
-              <a:rPr lang="en-US" dirty="0"/>
-              <a:pPr/>
-              <a:t>12/1/2015</a:t>
+            <a:fld id="{1AABF92B-74F3-45A6-9539-A42777F4249E}" type="datetime1">
+              <a:rPr lang="en-US" smtClean="0"/>
+              <a:t>12/2/2015</a:t>
             </a:fld>
             <a:endParaRPr lang="en-US" dirty="0"/>
           </a:p>
@@ -1404,10 +1857,9 @@
           <a:bodyPr/>
           <a:lstStyle/>
           <a:p>
-            <a:fld id="{D30BB376-B19C-488D-ABEB-03C7E6E9E3E0}" type="datetimeFigureOut">
-              <a:rPr lang="en-US" dirty="0"/>
-              <a:pPr/>
-              <a:t>12/1/2015</a:t>
+            <a:fld id="{FE50CB6E-1EBE-4D0C-AE29-1D25E6148816}" type="datetime1">
+              <a:rPr lang="en-US" smtClean="0"/>
+              <a:t>12/2/2015</a:t>
             </a:fld>
             <a:endParaRPr lang="en-US" dirty="0"/>
           </a:p>
@@ -1744,10 +2196,9 @@
           <a:bodyPr/>
           <a:lstStyle/>
           <a:p>
-            <a:fld id="{486F077B-A50F-4D64-8574-E2D6A98A5553}" type="datetimeFigureOut">
-              <a:rPr lang="en-US" dirty="0"/>
-              <a:pPr/>
-              <a:t>12/1/2015</a:t>
+            <a:fld id="{9A0CAC44-A66E-4907-843A-9E3C6D2B6117}" type="datetime1">
+              <a:rPr lang="en-US" smtClean="0"/>
+              <a:t>12/2/2015</a:t>
             </a:fld>
             <a:endParaRPr lang="en-US" dirty="0"/>
           </a:p>
@@ -2016,10 +2467,9 @@
           <a:bodyPr/>
           <a:lstStyle/>
           <a:p>
-            <a:fld id="{7D9E2A62-1983-43A1-A163-D8AA46534C80}" type="datetimeFigureOut">
-              <a:rPr lang="en-US" dirty="0"/>
-              <a:pPr/>
-              <a:t>12/1/2015</a:t>
+            <a:fld id="{DEB6C946-3EED-48AA-823E-7C8641D1868F}" type="datetime1">
+              <a:rPr lang="en-US" smtClean="0"/>
+              <a:t>12/2/2015</a:t>
             </a:fld>
             <a:endParaRPr lang="en-US" dirty="0"/>
           </a:p>
@@ -2392,10 +2842,9 @@
           <a:bodyPr/>
           <a:lstStyle/>
           <a:p>
-            <a:fld id="{898F3E3B-34E3-4345-B2A1-994B83598A9C}" type="datetimeFigureOut">
-              <a:rPr lang="en-US" dirty="0"/>
-              <a:pPr/>
-              <a:t>12/1/2015</a:t>
+            <a:fld id="{9A5A0BF5-9D2E-4DE0-817B-117AE3192D7F}" type="datetime1">
+              <a:rPr lang="en-US" smtClean="0"/>
+              <a:t>12/2/2015</a:t>
             </a:fld>
             <a:endParaRPr lang="en-US" dirty="0"/>
           </a:p>
@@ -2507,10 +2956,9 @@
           <a:bodyPr/>
           <a:lstStyle/>
           <a:p>
-            <a:fld id="{FD816C96-82A1-4D77-8ADA-627AC6FE3D65}" type="datetimeFigureOut">
-              <a:rPr lang="en-US" dirty="0"/>
-              <a:pPr/>
-              <a:t>12/1/2015</a:t>
+            <a:fld id="{9AA39F26-6F96-46AA-97C1-98FB4D7EE997}" type="datetime1">
+              <a:rPr lang="en-US" smtClean="0"/>
+              <a:t>12/2/2015</a:t>
             </a:fld>
             <a:endParaRPr lang="en-US" dirty="0"/>
           </a:p>
@@ -2675,10 +3123,9 @@
           <a:bodyPr/>
           <a:lstStyle/>
           <a:p>
-            <a:fld id="{1D102C1E-28F2-47E9-802D-339E64E2F920}" type="datetimeFigureOut">
-              <a:rPr lang="en-US" dirty="0"/>
-              <a:pPr/>
-              <a:t>12/1/2015</a:t>
+            <a:fld id="{5CFED75F-524E-4CD1-B3DA-2AF62468F007}" type="datetime1">
+              <a:rPr lang="en-US" smtClean="0"/>
+              <a:t>12/2/2015</a:t>
             </a:fld>
             <a:endParaRPr lang="en-US" dirty="0"/>
           </a:p>
@@ -3026,10 +3473,9 @@
             </a:lvl1pPr>
           </a:lstStyle>
           <a:p>
-            <a:fld id="{24271A48-F18A-45B3-BC05-1E27DA3F88AF}" type="datetimeFigureOut">
-              <a:rPr lang="en-US" dirty="0"/>
-              <a:pPr/>
-              <a:t>12/1/2015</a:t>
+            <a:fld id="{4188E799-72BD-4036-8521-AB1422015E63}" type="datetime1">
+              <a:rPr lang="en-US" smtClean="0"/>
+              <a:t>12/2/2015</a:t>
             </a:fld>
             <a:endParaRPr lang="en-US" dirty="0"/>
           </a:p>
@@ -3400,10 +3846,9 @@
           <a:bodyPr/>
           <a:lstStyle/>
           <a:p>
-            <a:fld id="{65B747F8-9654-4282-85D2-65F41AAE7A75}" type="datetimeFigureOut">
-              <a:rPr lang="en-US" dirty="0"/>
-              <a:pPr/>
-              <a:t>12/1/2015</a:t>
+            <a:fld id="{6E6DD26B-3C46-4D4A-8C55-D7B3E2A5A7AC}" type="datetime1">
+              <a:rPr lang="en-US" smtClean="0"/>
+              <a:t>12/2/2015</a:t>
             </a:fld>
             <a:endParaRPr lang="en-US" dirty="0"/>
           </a:p>
@@ -3684,10 +4129,9 @@
             </a:lvl1pPr>
           </a:lstStyle>
           <a:p>
-            <a:fld id="{5DC5B261-8843-42D1-AAFC-05E20E2D9B97}" type="datetimeFigureOut">
-              <a:rPr lang="en-US" dirty="0"/>
-              <a:pPr/>
-              <a:t>12/1/2015</a:t>
+            <a:fld id="{9D6625F0-C52F-4A0D-89B9-6AFCABAB72C7}" type="datetime1">
+              <a:rPr lang="en-US" smtClean="0"/>
+              <a:t>12/2/2015</a:t>
             </a:fld>
             <a:endParaRPr lang="en-US" dirty="0"/>
           </a:p>
@@ -3822,7 +4266,7 @@
     <p:sldLayoutId id="2147483658" r:id="rId10"/>
     <p:sldLayoutId id="2147483659" r:id="rId11"/>
   </p:sldLayoutIdLst>
-  <p:hf sldNum="0" hdr="0" ftr="0" dt="0"/>
+  <p:hf hdr="0" ftr="0" dt="0"/>
   <p:txStyles>
     <p:titleStyle>
       <a:lvl1pPr algn="l" defTabSz="914400" rtl="0" eaLnBrk="1" latinLnBrk="0" hangingPunct="1">
@@ -4299,7 +4743,7 @@
     </p:spTree>
     <p:extLst>
       <p:ext uri="{BB962C8B-B14F-4D97-AF65-F5344CB8AC3E}">
-        <p14:creationId xmlns:p14="http://schemas.microsoft.com/office/powerpoint/2010/main" xmlns="" val="400428375"/>
+        <p14:creationId xmlns:p14="http://schemas.microsoft.com/office/powerpoint/2010/main" val="400428375"/>
       </p:ext>
     </p:extLst>
   </p:cSld>
@@ -4341,75 +4785,39 @@
           <a:bodyPr/>
           <a:lstStyle/>
           <a:p>
+            <a:r>
+              <a:rPr lang="hu-HU" dirty="0" smtClean="0"/>
+              <a:t>LIVE DEMO?</a:t>
+            </a:r>
             <a:endParaRPr lang="hu-HU" dirty="0"/>
           </a:p>
         </p:txBody>
       </p:sp>
-      <p:pic>
-        <p:nvPicPr>
-          <p:cNvPr id="5" name="Tartalom helye 4"/>
-          <p:cNvPicPr>
-            <a:picLocks noGrp="1" noChangeAspect="1"/>
-          </p:cNvPicPr>
-          <p:nvPr>
-            <p:ph idx="1"/>
-          </p:nvPr>
-        </p:nvPicPr>
-        <p:blipFill>
-          <a:blip r:embed="rId2">
-            <a:extLst>
-              <a:ext uri="{28A0092B-C50C-407E-A947-70E740481C1C}">
-                <a14:useLocalDpi xmlns:a14="http://schemas.microsoft.com/office/drawing/2010/main" xmlns="" val="0"/>
-              </a:ext>
-            </a:extLst>
-          </a:blip>
-          <a:stretch>
-            <a:fillRect/>
-          </a:stretch>
-        </p:blipFill>
-        <p:spPr>
-          <a:xfrm>
-            <a:off x="7713780" y="1801096"/>
-            <a:ext cx="3366112" cy="1304569"/>
-          </a:xfrm>
-        </p:spPr>
-      </p:pic>
-      <p:pic>
-        <p:nvPicPr>
-          <p:cNvPr id="6" name="Kép 5"/>
-          <p:cNvPicPr>
-            <a:picLocks noChangeAspect="1"/>
-          </p:cNvPicPr>
-          <p:nvPr/>
-        </p:nvPicPr>
-        <p:blipFill>
-          <a:blip r:embed="rId3">
-            <a:extLst>
-              <a:ext uri="{28A0092B-C50C-407E-A947-70E740481C1C}">
-                <a14:useLocalDpi xmlns:a14="http://schemas.microsoft.com/office/drawing/2010/main" xmlns="" val="0"/>
-              </a:ext>
-            </a:extLst>
-          </a:blip>
-          <a:stretch>
-            <a:fillRect/>
-          </a:stretch>
-        </p:blipFill>
-        <p:spPr>
-          <a:xfrm>
-            <a:off x="7714396" y="3204519"/>
-            <a:ext cx="3365497" cy="2428113"/>
-          </a:xfrm>
-          <a:prstGeom prst="rect">
-            <a:avLst/>
-          </a:prstGeom>
-        </p:spPr>
-      </p:pic>
+      <p:sp>
+        <p:nvSpPr>
+          <p:cNvPr id="3" name="Dia számának helye 2"/>
+          <p:cNvSpPr>
+            <a:spLocks noGrp="1"/>
+          </p:cNvSpPr>
+          <p:nvPr>
+            <p:ph type="sldNum" sz="quarter" idx="12"/>
+          </p:nvPr>
+        </p:nvSpPr>
+        <p:spPr/>
+        <p:txBody>
+          <a:bodyPr/>
+          <a:lstStyle/>
+          <a:p>
+            <a:fld id="{629637A9-119A-49DA-BD12-AAC58B377D80}" type="slidenum">
+              <a:rPr lang="en-US" smtClean="0"/>
+              <a:pPr/>
+              <a:t>10</a:t>
+            </a:fld>
+            <a:endParaRPr lang="en-US" dirty="0"/>
+          </a:p>
+        </p:txBody>
+      </p:sp>
     </p:spTree>
-    <p:extLst>
-      <p:ext uri="{BB962C8B-B14F-4D97-AF65-F5344CB8AC3E}">
-        <p14:creationId xmlns:p14="http://schemas.microsoft.com/office/powerpoint/2010/main" xmlns="" val="2253682073"/>
-      </p:ext>
-    </p:extLst>
   </p:cSld>
   <p:clrMapOvr>
     <a:masterClrMapping/>
@@ -4556,7 +4964,7 @@
           <a:blip r:embed="rId2">
             <a:extLst>
               <a:ext uri="{28A0092B-C50C-407E-A947-70E740481C1C}">
-                <a14:useLocalDpi xmlns:a14="http://schemas.microsoft.com/office/drawing/2010/main" xmlns="" val="0"/>
+                <a14:useLocalDpi xmlns:a14="http://schemas.microsoft.com/office/drawing/2010/main" val="0"/>
               </a:ext>
             </a:extLst>
           </a:blip>
@@ -4574,10 +4982,34 @@
           </a:prstGeom>
         </p:spPr>
       </p:pic>
+      <p:sp>
+        <p:nvSpPr>
+          <p:cNvPr id="5" name="Dia számának helye 4"/>
+          <p:cNvSpPr>
+            <a:spLocks noGrp="1"/>
+          </p:cNvSpPr>
+          <p:nvPr>
+            <p:ph type="sldNum" sz="quarter" idx="12"/>
+          </p:nvPr>
+        </p:nvSpPr>
+        <p:spPr/>
+        <p:txBody>
+          <a:bodyPr/>
+          <a:lstStyle/>
+          <a:p>
+            <a:fld id="{629637A9-119A-49DA-BD12-AAC58B377D80}" type="slidenum">
+              <a:rPr lang="en-US" smtClean="0"/>
+              <a:pPr/>
+              <a:t>2</a:t>
+            </a:fld>
+            <a:endParaRPr lang="en-US" dirty="0"/>
+          </a:p>
+        </p:txBody>
+      </p:sp>
     </p:spTree>
     <p:extLst>
       <p:ext uri="{BB962C8B-B14F-4D97-AF65-F5344CB8AC3E}">
-        <p14:creationId xmlns:p14="http://schemas.microsoft.com/office/powerpoint/2010/main" xmlns="" val="613226527"/>
+        <p14:creationId xmlns:p14="http://schemas.microsoft.com/office/powerpoint/2010/main" val="613226527"/>
       </p:ext>
     </p:extLst>
   </p:cSld>
@@ -4639,8 +5071,8 @@
         </p:nvSpPr>
         <p:spPr>
           <a:xfrm>
-            <a:off x="1097281" y="1845734"/>
-            <a:ext cx="5723650" cy="4023360"/>
+            <a:off x="1097280" y="1845734"/>
+            <a:ext cx="10058399" cy="4387918"/>
           </a:xfrm>
         </p:spPr>
         <p:txBody>
@@ -4648,66 +5080,6 @@
             <a:normAutofit/>
           </a:bodyPr>
           <a:lstStyle/>
-          <a:p>
-            <a:pPr lvl="1" algn="just"/>
-            <a:r>
-              <a:rPr lang="hu-HU" sz="2200" dirty="0" err="1" smtClean="0">
-                <a:sym typeface="Wingdings" panose="05000000000000000000" pitchFamily="2" charset="2"/>
-              </a:rPr>
-              <a:t>Webalkalmazás</a:t>
-            </a:r>
-            <a:r>
-              <a:rPr lang="hu-HU" sz="2200" dirty="0" smtClean="0">
-                <a:sym typeface="Wingdings" panose="05000000000000000000" pitchFamily="2" charset="2"/>
-              </a:rPr>
-              <a:t> a projekt megjelenítéséhez és </a:t>
-            </a:r>
-            <a:r>
-              <a:rPr lang="hu-HU" sz="2200" dirty="0" smtClean="0">
-                <a:sym typeface="Wingdings" panose="05000000000000000000" pitchFamily="2" charset="2"/>
-              </a:rPr>
-              <a:t>szerkesztéséhez</a:t>
-            </a:r>
-          </a:p>
-          <a:p>
-            <a:pPr lvl="1" algn="just"/>
-            <a:r>
-              <a:rPr lang="hu-HU" sz="2200" dirty="0" smtClean="0">
-                <a:sym typeface="Wingdings" panose="05000000000000000000" pitchFamily="2" charset="2"/>
-              </a:rPr>
-              <a:t>Saját fájlformátum, JSON </a:t>
-            </a:r>
-            <a:r>
-              <a:rPr lang="hu-HU" sz="2200" dirty="0" smtClean="0">
-                <a:sym typeface="Wingdings" panose="05000000000000000000" pitchFamily="2" charset="2"/>
-              </a:rPr>
-              <a:t>alapon</a:t>
-            </a:r>
-            <a:endParaRPr lang="hu-HU" sz="2200" dirty="0" smtClean="0">
-              <a:sym typeface="Wingdings" panose="05000000000000000000" pitchFamily="2" charset="2"/>
-            </a:endParaRPr>
-          </a:p>
-          <a:p>
-            <a:pPr lvl="1" algn="just"/>
-            <a:r>
-              <a:rPr lang="hu-HU" sz="2200" dirty="0" err="1" smtClean="0">
-                <a:sym typeface="Wingdings" panose="05000000000000000000" pitchFamily="2" charset="2"/>
-              </a:rPr>
-              <a:t>Google</a:t>
-            </a:r>
-            <a:r>
-              <a:rPr lang="hu-HU" sz="2200" dirty="0" smtClean="0">
-                <a:sym typeface="Wingdings" panose="05000000000000000000" pitchFamily="2" charset="2"/>
-              </a:rPr>
-              <a:t> </a:t>
-            </a:r>
-            <a:r>
-              <a:rPr lang="hu-HU" sz="2200" dirty="0" smtClean="0">
-                <a:sym typeface="Wingdings" panose="05000000000000000000" pitchFamily="2" charset="2"/>
-              </a:rPr>
-              <a:t>Drive alapú fájl tárolás, könnyű megosztás</a:t>
-            </a:r>
-          </a:p>
           <a:p>
             <a:pPr lvl="1" algn="just">
               <a:lnSpc>
@@ -4718,6 +5090,93 @@
               <a:rPr lang="hu-HU" sz="2200" dirty="0" err="1" smtClean="0">
                 <a:sym typeface="Wingdings" panose="05000000000000000000" pitchFamily="2" charset="2"/>
               </a:rPr>
+              <a:t>Webalkalmazás</a:t>
+            </a:r>
+            <a:r>
+              <a:rPr lang="hu-HU" sz="2200" dirty="0" smtClean="0">
+                <a:sym typeface="Wingdings" panose="05000000000000000000" pitchFamily="2" charset="2"/>
+              </a:rPr>
+              <a:t> a projekt megjelenítéséhez és szerkesztéséhez</a:t>
+            </a:r>
+          </a:p>
+          <a:p>
+            <a:pPr lvl="1" algn="just">
+              <a:lnSpc>
+                <a:spcPct val="150000"/>
+              </a:lnSpc>
+            </a:pPr>
+            <a:r>
+              <a:rPr lang="hu-HU" sz="2200" dirty="0" smtClean="0">
+                <a:sym typeface="Wingdings" panose="05000000000000000000" pitchFamily="2" charset="2"/>
+              </a:rPr>
+              <a:t>Saját fájlformátum, JSON </a:t>
+            </a:r>
+            <a:r>
+              <a:rPr lang="hu-HU" sz="2200" dirty="0" smtClean="0">
+                <a:sym typeface="Wingdings" panose="05000000000000000000" pitchFamily="2" charset="2"/>
+              </a:rPr>
+              <a:t>alapon (könnyű feldolgozás miatt, </a:t>
+            </a:r>
+            <a:r>
+              <a:rPr lang="hu-HU" sz="2200" dirty="0" err="1" smtClean="0">
+                <a:sym typeface="Wingdings" panose="05000000000000000000" pitchFamily="2" charset="2"/>
+              </a:rPr>
+              <a:t>platformfüggetlen</a:t>
+            </a:r>
+            <a:r>
+              <a:rPr lang="hu-HU" sz="2200" dirty="0" smtClean="0">
+                <a:sym typeface="Wingdings" panose="05000000000000000000" pitchFamily="2" charset="2"/>
+              </a:rPr>
+              <a:t>)</a:t>
+            </a:r>
+            <a:endParaRPr lang="hu-HU" sz="2200" dirty="0" smtClean="0">
+              <a:sym typeface="Wingdings" panose="05000000000000000000" pitchFamily="2" charset="2"/>
+            </a:endParaRPr>
+          </a:p>
+          <a:p>
+            <a:pPr lvl="1" algn="just">
+              <a:lnSpc>
+                <a:spcPct val="150000"/>
+              </a:lnSpc>
+            </a:pPr>
+            <a:r>
+              <a:rPr lang="hu-HU" sz="2200" dirty="0" err="1" smtClean="0">
+                <a:sym typeface="Wingdings" panose="05000000000000000000" pitchFamily="2" charset="2"/>
+              </a:rPr>
+              <a:t>Google</a:t>
+            </a:r>
+            <a:r>
+              <a:rPr lang="hu-HU" sz="2200" dirty="0" smtClean="0">
+                <a:sym typeface="Wingdings" panose="05000000000000000000" pitchFamily="2" charset="2"/>
+              </a:rPr>
+              <a:t> Drive alapú fájl tárolás, könnyű </a:t>
+            </a:r>
+            <a:r>
+              <a:rPr lang="hu-HU" sz="2200" dirty="0" smtClean="0">
+                <a:sym typeface="Wingdings" panose="05000000000000000000" pitchFamily="2" charset="2"/>
+              </a:rPr>
+              <a:t>megosztás, automatikus </a:t>
+            </a:r>
+            <a:r>
+              <a:rPr lang="hu-HU" sz="2200" dirty="0" err="1" smtClean="0">
+                <a:sym typeface="Wingdings" panose="05000000000000000000" pitchFamily="2" charset="2"/>
+              </a:rPr>
+              <a:t>replikáció</a:t>
+            </a:r>
+            <a:endParaRPr lang="hu-HU" sz="2200" dirty="0" smtClean="0">
+              <a:sym typeface="Wingdings" panose="05000000000000000000" pitchFamily="2" charset="2"/>
+            </a:endParaRPr>
+          </a:p>
+          <a:p>
+            <a:pPr lvl="1" algn="just">
+              <a:lnSpc>
+                <a:spcPct val="150000"/>
+              </a:lnSpc>
+            </a:pPr>
+            <a:r>
+              <a:rPr lang="hu-HU" sz="2200" dirty="0" err="1" smtClean="0">
+                <a:sym typeface="Wingdings" panose="05000000000000000000" pitchFamily="2" charset="2"/>
+              </a:rPr>
               <a:t>Chrome</a:t>
             </a:r>
             <a:r>
@@ -4736,45 +5195,74 @@
               <a:rPr lang="hu-HU" sz="2200" dirty="0" smtClean="0">
                 <a:sym typeface="Wingdings" panose="05000000000000000000" pitchFamily="2" charset="2"/>
               </a:rPr>
-              <a:t> drive integrációval  nincs szükség lokálisan telepített alkalmazásra, csak egy böngészőre</a:t>
-            </a:r>
-          </a:p>
-        </p:txBody>
-      </p:sp>
-      <p:pic>
-        <p:nvPicPr>
-          <p:cNvPr id="5" name="Kép 4"/>
-          <p:cNvPicPr>
-            <a:picLocks noChangeAspect="1"/>
-          </p:cNvPicPr>
-          <p:nvPr/>
-        </p:nvPicPr>
-        <p:blipFill>
-          <a:blip r:embed="rId3">
-            <a:extLst>
-              <a:ext uri="{28A0092B-C50C-407E-A947-70E740481C1C}">
-                <a14:useLocalDpi xmlns:a14="http://schemas.microsoft.com/office/drawing/2010/main" xmlns="" val="0"/>
-              </a:ext>
-            </a:extLst>
-          </a:blip>
-          <a:stretch>
-            <a:fillRect/>
-          </a:stretch>
-        </p:blipFill>
-        <p:spPr>
-          <a:xfrm>
-            <a:off x="6904733" y="1845734"/>
-            <a:ext cx="4250947" cy="2545492"/>
-          </a:xfrm>
-          <a:prstGeom prst="rect">
-            <a:avLst/>
-          </a:prstGeom>
-        </p:spPr>
-      </p:pic>
+              <a:t> drive integrációval  nincs szükség lokálisan telepített alkalmazásra, csak egy </a:t>
+            </a:r>
+            <a:r>
+              <a:rPr lang="hu-HU" sz="2200" dirty="0" smtClean="0">
+                <a:sym typeface="Wingdings" panose="05000000000000000000" pitchFamily="2" charset="2"/>
+              </a:rPr>
+              <a:t>böngészőre</a:t>
+            </a:r>
+          </a:p>
+          <a:p>
+            <a:pPr lvl="1" algn="just">
+              <a:lnSpc>
+                <a:spcPct val="150000"/>
+              </a:lnSpc>
+            </a:pPr>
+            <a:r>
+              <a:rPr lang="hu-HU" sz="2200" dirty="0" smtClean="0">
+                <a:sym typeface="Wingdings" panose="05000000000000000000" pitchFamily="2" charset="2"/>
+              </a:rPr>
+              <a:t>Minden operációs rendszer alól elérhető böngészővel</a:t>
+            </a:r>
+          </a:p>
+          <a:p>
+            <a:pPr lvl="1" algn="just">
+              <a:lnSpc>
+                <a:spcPct val="150000"/>
+              </a:lnSpc>
+            </a:pPr>
+            <a:r>
+              <a:rPr lang="hu-HU" sz="2200" dirty="0" smtClean="0">
+                <a:sym typeface="Wingdings" panose="05000000000000000000" pitchFamily="2" charset="2"/>
+              </a:rPr>
+              <a:t>Ingyenes</a:t>
+            </a:r>
+            <a:endParaRPr lang="hu-HU" sz="2200" dirty="0" smtClean="0">
+              <a:sym typeface="Wingdings" panose="05000000000000000000" pitchFamily="2" charset="2"/>
+            </a:endParaRPr>
+          </a:p>
+        </p:txBody>
+      </p:sp>
+      <p:sp>
+        <p:nvSpPr>
+          <p:cNvPr id="4" name="Dia számának helye 3"/>
+          <p:cNvSpPr>
+            <a:spLocks noGrp="1"/>
+          </p:cNvSpPr>
+          <p:nvPr>
+            <p:ph type="sldNum" sz="quarter" idx="12"/>
+          </p:nvPr>
+        </p:nvSpPr>
+        <p:spPr/>
+        <p:txBody>
+          <a:bodyPr/>
+          <a:lstStyle/>
+          <a:p>
+            <a:fld id="{629637A9-119A-49DA-BD12-AAC58B377D80}" type="slidenum">
+              <a:rPr lang="en-US" smtClean="0"/>
+              <a:pPr/>
+              <a:t>3</a:t>
+            </a:fld>
+            <a:endParaRPr lang="en-US" dirty="0"/>
+          </a:p>
+        </p:txBody>
+      </p:sp>
     </p:spTree>
     <p:extLst>
       <p:ext uri="{BB962C8B-B14F-4D97-AF65-F5344CB8AC3E}">
-        <p14:creationId xmlns:p14="http://schemas.microsoft.com/office/powerpoint/2010/main" xmlns="" val="3342073859"/>
+        <p14:creationId xmlns:p14="http://schemas.microsoft.com/office/powerpoint/2010/main" val="3342073859"/>
       </p:ext>
     </p:extLst>
   </p:cSld>
@@ -4818,24 +5306,50 @@
           <a:p>
             <a:r>
               <a:rPr lang="hu-HU" dirty="0" smtClean="0"/>
-              <a:t>Megoldás- </a:t>
-            </a:r>
-            <a:r>
-              <a:rPr lang="hu-HU" dirty="0" err="1" smtClean="0"/>
-              <a:t>Webalkalmazás</a:t>
+              <a:t>Megoldás</a:t>
             </a:r>
             <a:endParaRPr lang="hu-HU" dirty="0"/>
           </a:p>
         </p:txBody>
       </p:sp>
-      <p:sp>
-        <p:nvSpPr>
-          <p:cNvPr id="3" name="Tartalom helye 2"/>
-          <p:cNvSpPr>
-            <a:spLocks noGrp="1"/>
-          </p:cNvSpPr>
-          <p:nvPr>
-            <p:ph idx="1"/>
+      <p:pic>
+        <p:nvPicPr>
+          <p:cNvPr id="4" name="Kép 3"/>
+          <p:cNvPicPr>
+            <a:picLocks noChangeAspect="1"/>
+          </p:cNvPicPr>
+          <p:nvPr/>
+        </p:nvPicPr>
+        <p:blipFill>
+          <a:blip r:embed="rId3">
+            <a:extLst>
+              <a:ext uri="{28A0092B-C50C-407E-A947-70E740481C1C}">
+                <a14:useLocalDpi xmlns:a14="http://schemas.microsoft.com/office/drawing/2010/main" val="0"/>
+              </a:ext>
+            </a:extLst>
+          </a:blip>
+          <a:stretch>
+            <a:fillRect/>
+          </a:stretch>
+        </p:blipFill>
+        <p:spPr>
+          <a:xfrm>
+            <a:off x="2426266" y="1821440"/>
+            <a:ext cx="7400427" cy="4431420"/>
+          </a:xfrm>
+          <a:prstGeom prst="rect">
+            <a:avLst/>
+          </a:prstGeom>
+        </p:spPr>
+      </p:pic>
+      <p:sp>
+        <p:nvSpPr>
+          <p:cNvPr id="5" name="Dia számának helye 4"/>
+          <p:cNvSpPr>
+            <a:spLocks noGrp="1"/>
+          </p:cNvSpPr>
+          <p:nvPr>
+            <p:ph type="sldNum" sz="quarter" idx="12"/>
           </p:nvPr>
         </p:nvSpPr>
         <p:spPr/>
@@ -4843,11 +5357,21 @@
           <a:bodyPr/>
           <a:lstStyle/>
           <a:p>
-            <a:endParaRPr lang="hu-HU"/>
+            <a:fld id="{629637A9-119A-49DA-BD12-AAC58B377D80}" type="slidenum">
+              <a:rPr lang="en-US" smtClean="0"/>
+              <a:pPr/>
+              <a:t>4</a:t>
+            </a:fld>
+            <a:endParaRPr lang="en-US" dirty="0"/>
           </a:p>
         </p:txBody>
       </p:sp>
     </p:spTree>
+    <p:extLst>
+      <p:ext uri="{BB962C8B-B14F-4D97-AF65-F5344CB8AC3E}">
+        <p14:creationId xmlns:p14="http://schemas.microsoft.com/office/powerpoint/2010/main" val="3836200636"/>
+      </p:ext>
+    </p:extLst>
   </p:cSld>
   <p:clrMapOvr>
     <a:masterClrMapping/>
@@ -4889,7 +5413,11 @@
           <a:p>
             <a:r>
               <a:rPr lang="hu-HU" dirty="0" smtClean="0"/>
-              <a:t>Saját fájlformátum</a:t>
+              <a:t>Megoldás: </a:t>
+            </a:r>
+            <a:r>
+              <a:rPr lang="hu-HU" dirty="0" err="1" smtClean="0"/>
+              <a:t>Webalkalmazás</a:t>
             </a:r>
             <a:endParaRPr lang="hu-HU" dirty="0"/>
           </a:p>
@@ -4897,12 +5425,433 @@
       </p:sp>
       <p:sp>
         <p:nvSpPr>
-          <p:cNvPr id="3" name="Tartalom helye 2"/>
-          <p:cNvSpPr>
-            <a:spLocks noGrp="1"/>
-          </p:cNvSpPr>
-          <p:nvPr>
-            <p:ph idx="1"/>
+          <p:cNvPr id="5" name="Tartalom helye 2"/>
+          <p:cNvSpPr txBox="1">
+            <a:spLocks/>
+          </p:cNvSpPr>
+          <p:nvPr/>
+        </p:nvSpPr>
+        <p:spPr>
+          <a:xfrm>
+            <a:off x="1097280" y="1845734"/>
+            <a:ext cx="10058399" cy="2661030"/>
+          </a:xfrm>
+          <a:prstGeom prst="rect">
+            <a:avLst/>
+          </a:prstGeom>
+        </p:spPr>
+        <p:txBody>
+          <a:bodyPr vert="horz" lIns="0" tIns="45720" rIns="0" bIns="45720" rtlCol="0">
+            <a:normAutofit/>
+          </a:bodyPr>
+          <a:lstStyle>
+            <a:lvl1pPr marL="91440" indent="-91440" algn="l" defTabSz="914400" rtl="0" eaLnBrk="1" latinLnBrk="0" hangingPunct="1">
+              <a:lnSpc>
+                <a:spcPct val="90000"/>
+              </a:lnSpc>
+              <a:spcBef>
+                <a:spcPts val="1200"/>
+              </a:spcBef>
+              <a:spcAft>
+                <a:spcPts val="200"/>
+              </a:spcAft>
+              <a:buClr>
+                <a:schemeClr val="accent1"/>
+              </a:buClr>
+              <a:buSzPct val="100000"/>
+              <a:buFont typeface="Calibri" panose="020F0502020204030204" pitchFamily="34" charset="0"/>
+              <a:buChar char=" "/>
+              <a:defRPr sz="2000" kern="1200">
+                <a:solidFill>
+                  <a:schemeClr val="tx1">
+                    <a:lumMod val="75000"/>
+                    <a:lumOff val="25000"/>
+                  </a:schemeClr>
+                </a:solidFill>
+                <a:latin typeface="+mn-lt"/>
+                <a:ea typeface="+mn-ea"/>
+                <a:cs typeface="+mn-cs"/>
+              </a:defRPr>
+            </a:lvl1pPr>
+            <a:lvl2pPr marL="384048" indent="-182880" algn="l" defTabSz="914400" rtl="0" eaLnBrk="1" latinLnBrk="0" hangingPunct="1">
+              <a:lnSpc>
+                <a:spcPct val="90000"/>
+              </a:lnSpc>
+              <a:spcBef>
+                <a:spcPts val="200"/>
+              </a:spcBef>
+              <a:spcAft>
+                <a:spcPts val="400"/>
+              </a:spcAft>
+              <a:buClr>
+                <a:schemeClr val="accent1"/>
+              </a:buClr>
+              <a:buFont typeface="Calibri" pitchFamily="34" charset="0"/>
+              <a:buChar char="◦"/>
+              <a:defRPr sz="1800" kern="1200">
+                <a:solidFill>
+                  <a:schemeClr val="tx1">
+                    <a:lumMod val="75000"/>
+                    <a:lumOff val="25000"/>
+                  </a:schemeClr>
+                </a:solidFill>
+                <a:latin typeface="+mn-lt"/>
+                <a:ea typeface="+mn-ea"/>
+                <a:cs typeface="+mn-cs"/>
+              </a:defRPr>
+            </a:lvl2pPr>
+            <a:lvl3pPr marL="566928" indent="-182880" algn="l" defTabSz="914400" rtl="0" eaLnBrk="1" latinLnBrk="0" hangingPunct="1">
+              <a:lnSpc>
+                <a:spcPct val="90000"/>
+              </a:lnSpc>
+              <a:spcBef>
+                <a:spcPts val="200"/>
+              </a:spcBef>
+              <a:spcAft>
+                <a:spcPts val="400"/>
+              </a:spcAft>
+              <a:buClr>
+                <a:schemeClr val="accent1"/>
+              </a:buClr>
+              <a:buFont typeface="Calibri" pitchFamily="34" charset="0"/>
+              <a:buChar char="◦"/>
+              <a:defRPr sz="1400" kern="1200">
+                <a:solidFill>
+                  <a:schemeClr val="tx1">
+                    <a:lumMod val="75000"/>
+                    <a:lumOff val="25000"/>
+                  </a:schemeClr>
+                </a:solidFill>
+                <a:latin typeface="+mn-lt"/>
+                <a:ea typeface="+mn-ea"/>
+                <a:cs typeface="+mn-cs"/>
+              </a:defRPr>
+            </a:lvl3pPr>
+            <a:lvl4pPr marL="749808" indent="-182880" algn="l" defTabSz="914400" rtl="0" eaLnBrk="1" latinLnBrk="0" hangingPunct="1">
+              <a:lnSpc>
+                <a:spcPct val="90000"/>
+              </a:lnSpc>
+              <a:spcBef>
+                <a:spcPts val="200"/>
+              </a:spcBef>
+              <a:spcAft>
+                <a:spcPts val="400"/>
+              </a:spcAft>
+              <a:buClr>
+                <a:schemeClr val="accent1"/>
+              </a:buClr>
+              <a:buFont typeface="Calibri" pitchFamily="34" charset="0"/>
+              <a:buChar char="◦"/>
+              <a:defRPr sz="1400" kern="1200">
+                <a:solidFill>
+                  <a:schemeClr val="tx1">
+                    <a:lumMod val="75000"/>
+                    <a:lumOff val="25000"/>
+                  </a:schemeClr>
+                </a:solidFill>
+                <a:latin typeface="+mn-lt"/>
+                <a:ea typeface="+mn-ea"/>
+                <a:cs typeface="+mn-cs"/>
+              </a:defRPr>
+            </a:lvl4pPr>
+            <a:lvl5pPr marL="932688" indent="-182880" algn="l" defTabSz="914400" rtl="0" eaLnBrk="1" latinLnBrk="0" hangingPunct="1">
+              <a:lnSpc>
+                <a:spcPct val="90000"/>
+              </a:lnSpc>
+              <a:spcBef>
+                <a:spcPts val="200"/>
+              </a:spcBef>
+              <a:spcAft>
+                <a:spcPts val="400"/>
+              </a:spcAft>
+              <a:buClr>
+                <a:schemeClr val="accent1"/>
+              </a:buClr>
+              <a:buFont typeface="Calibri" pitchFamily="34" charset="0"/>
+              <a:buChar char="◦"/>
+              <a:defRPr sz="1400" kern="1200">
+                <a:solidFill>
+                  <a:schemeClr val="tx1">
+                    <a:lumMod val="75000"/>
+                    <a:lumOff val="25000"/>
+                  </a:schemeClr>
+                </a:solidFill>
+                <a:latin typeface="+mn-lt"/>
+                <a:ea typeface="+mn-ea"/>
+                <a:cs typeface="+mn-cs"/>
+              </a:defRPr>
+            </a:lvl5pPr>
+            <a:lvl6pPr marL="1100000" indent="-228600" algn="l" defTabSz="914400" rtl="0" eaLnBrk="1" latinLnBrk="0" hangingPunct="1">
+              <a:lnSpc>
+                <a:spcPct val="90000"/>
+              </a:lnSpc>
+              <a:spcBef>
+                <a:spcPts val="200"/>
+              </a:spcBef>
+              <a:spcAft>
+                <a:spcPts val="400"/>
+              </a:spcAft>
+              <a:buClr>
+                <a:schemeClr val="accent1"/>
+              </a:buClr>
+              <a:buFont typeface="Calibri" pitchFamily="34" charset="0"/>
+              <a:buChar char="◦"/>
+              <a:defRPr sz="1400" kern="1200">
+                <a:solidFill>
+                  <a:schemeClr val="tx1">
+                    <a:lumMod val="75000"/>
+                    <a:lumOff val="25000"/>
+                  </a:schemeClr>
+                </a:solidFill>
+                <a:latin typeface="+mn-lt"/>
+                <a:ea typeface="+mn-ea"/>
+                <a:cs typeface="+mn-cs"/>
+              </a:defRPr>
+            </a:lvl6pPr>
+            <a:lvl7pPr marL="1300000" indent="-228600" algn="l" defTabSz="914400" rtl="0" eaLnBrk="1" latinLnBrk="0" hangingPunct="1">
+              <a:lnSpc>
+                <a:spcPct val="90000"/>
+              </a:lnSpc>
+              <a:spcBef>
+                <a:spcPts val="200"/>
+              </a:spcBef>
+              <a:spcAft>
+                <a:spcPts val="400"/>
+              </a:spcAft>
+              <a:buClr>
+                <a:schemeClr val="accent1"/>
+              </a:buClr>
+              <a:buFont typeface="Calibri" pitchFamily="34" charset="0"/>
+              <a:buChar char="◦"/>
+              <a:defRPr sz="1400" kern="1200">
+                <a:solidFill>
+                  <a:schemeClr val="tx1">
+                    <a:lumMod val="75000"/>
+                    <a:lumOff val="25000"/>
+                  </a:schemeClr>
+                </a:solidFill>
+                <a:latin typeface="+mn-lt"/>
+                <a:ea typeface="+mn-ea"/>
+                <a:cs typeface="+mn-cs"/>
+              </a:defRPr>
+            </a:lvl7pPr>
+            <a:lvl8pPr marL="1500000" indent="-228600" algn="l" defTabSz="914400" rtl="0" eaLnBrk="1" latinLnBrk="0" hangingPunct="1">
+              <a:lnSpc>
+                <a:spcPct val="90000"/>
+              </a:lnSpc>
+              <a:spcBef>
+                <a:spcPts val="200"/>
+              </a:spcBef>
+              <a:spcAft>
+                <a:spcPts val="400"/>
+              </a:spcAft>
+              <a:buClr>
+                <a:schemeClr val="accent1"/>
+              </a:buClr>
+              <a:buFont typeface="Calibri" pitchFamily="34" charset="0"/>
+              <a:buChar char="◦"/>
+              <a:defRPr sz="1400" kern="1200">
+                <a:solidFill>
+                  <a:schemeClr val="tx1">
+                    <a:lumMod val="75000"/>
+                    <a:lumOff val="25000"/>
+                  </a:schemeClr>
+                </a:solidFill>
+                <a:latin typeface="+mn-lt"/>
+                <a:ea typeface="+mn-ea"/>
+                <a:cs typeface="+mn-cs"/>
+              </a:defRPr>
+            </a:lvl8pPr>
+            <a:lvl9pPr marL="1700000" indent="-228600" algn="l" defTabSz="914400" rtl="0" eaLnBrk="1" latinLnBrk="0" hangingPunct="1">
+              <a:lnSpc>
+                <a:spcPct val="90000"/>
+              </a:lnSpc>
+              <a:spcBef>
+                <a:spcPts val="200"/>
+              </a:spcBef>
+              <a:spcAft>
+                <a:spcPts val="400"/>
+              </a:spcAft>
+              <a:buClr>
+                <a:schemeClr val="accent1"/>
+              </a:buClr>
+              <a:buFont typeface="Calibri" pitchFamily="34" charset="0"/>
+              <a:buChar char="◦"/>
+              <a:defRPr sz="1400" kern="1200">
+                <a:solidFill>
+                  <a:schemeClr val="tx1">
+                    <a:lumMod val="75000"/>
+                    <a:lumOff val="25000"/>
+                  </a:schemeClr>
+                </a:solidFill>
+                <a:latin typeface="+mn-lt"/>
+                <a:ea typeface="+mn-ea"/>
+                <a:cs typeface="+mn-cs"/>
+              </a:defRPr>
+            </a:lvl9pPr>
+          </a:lstStyle>
+          <a:p>
+            <a:pPr lvl="1" algn="just"/>
+            <a:r>
+              <a:rPr lang="hu-HU" sz="2200" dirty="0" err="1" smtClean="0">
+                <a:sym typeface="Wingdings" panose="05000000000000000000" pitchFamily="2" charset="2"/>
+              </a:rPr>
+              <a:t>Google</a:t>
+            </a:r>
+            <a:r>
+              <a:rPr lang="hu-HU" sz="2200" dirty="0" smtClean="0">
+                <a:sym typeface="Wingdings" panose="05000000000000000000" pitchFamily="2" charset="2"/>
+              </a:rPr>
+              <a:t> </a:t>
+            </a:r>
+            <a:r>
+              <a:rPr lang="hu-HU" sz="2200" dirty="0" err="1" smtClean="0">
+                <a:sym typeface="Wingdings" panose="05000000000000000000" pitchFamily="2" charset="2"/>
+              </a:rPr>
+              <a:t>autentikáció</a:t>
+            </a:r>
+            <a:r>
+              <a:rPr lang="hu-HU" sz="2200" dirty="0" smtClean="0">
+                <a:sym typeface="Wingdings" panose="05000000000000000000" pitchFamily="2" charset="2"/>
+              </a:rPr>
+              <a:t> biztosítja a bejelentkezést és adatfolyam titkosítást</a:t>
+            </a:r>
+          </a:p>
+          <a:p>
+            <a:pPr lvl="1" algn="just"/>
+            <a:r>
+              <a:rPr lang="hu-HU" sz="2200" dirty="0" err="1" smtClean="0">
+                <a:sym typeface="Wingdings" panose="05000000000000000000" pitchFamily="2" charset="2"/>
+              </a:rPr>
+              <a:t>Angularjs-alapú</a:t>
+            </a:r>
+            <a:r>
+              <a:rPr lang="hu-HU" sz="2200" dirty="0" smtClean="0">
+                <a:sym typeface="Wingdings" panose="05000000000000000000" pitchFamily="2" charset="2"/>
+              </a:rPr>
+              <a:t> valós idejű, kétirányú adatkötés</a:t>
+            </a:r>
+          </a:p>
+          <a:p>
+            <a:pPr lvl="1" algn="just"/>
+            <a:r>
+              <a:rPr lang="hu-HU" sz="2200" dirty="0" smtClean="0">
+                <a:sym typeface="Wingdings" panose="05000000000000000000" pitchFamily="2" charset="2"/>
+              </a:rPr>
+              <a:t>Tárolt adatok: projekt tulajdonságok, elvégzendő feladatok, kockázatok</a:t>
+            </a:r>
+          </a:p>
+          <a:p>
+            <a:pPr lvl="1" algn="just"/>
+            <a:r>
+              <a:rPr lang="hu-HU" sz="2200" dirty="0" err="1" smtClean="0">
+                <a:sym typeface="Wingdings" panose="05000000000000000000" pitchFamily="2" charset="2"/>
+              </a:rPr>
+              <a:t>Gant-chart</a:t>
+            </a:r>
+            <a:r>
+              <a:rPr lang="hu-HU" sz="2200" dirty="0" smtClean="0">
+                <a:sym typeface="Wingdings" panose="05000000000000000000" pitchFamily="2" charset="2"/>
+              </a:rPr>
+              <a:t> megjelenítésben a feladatok (</a:t>
+            </a:r>
+            <a:r>
+              <a:rPr lang="hu-HU" sz="2200" dirty="0" err="1" smtClean="0">
+                <a:sym typeface="Wingdings" panose="05000000000000000000" pitchFamily="2" charset="2"/>
+              </a:rPr>
+              <a:t>tasks</a:t>
+            </a:r>
+            <a:r>
+              <a:rPr lang="hu-HU" sz="2200" dirty="0" smtClean="0">
+                <a:sym typeface="Wingdings" panose="05000000000000000000" pitchFamily="2" charset="2"/>
+              </a:rPr>
+              <a:t>)</a:t>
+            </a:r>
+          </a:p>
+          <a:p>
+            <a:pPr lvl="1" algn="just"/>
+            <a:r>
+              <a:rPr lang="hu-HU" sz="2200" dirty="0" smtClean="0">
+                <a:sym typeface="Wingdings" panose="05000000000000000000" pitchFamily="2" charset="2"/>
+              </a:rPr>
+              <a:t>Kockázatok felvétele prioritás szintekkel (</a:t>
+            </a:r>
+            <a:r>
+              <a:rPr lang="hu-HU" sz="2200" dirty="0" err="1" smtClean="0">
+                <a:sym typeface="Wingdings" panose="05000000000000000000" pitchFamily="2" charset="2"/>
+              </a:rPr>
+              <a:t>risks</a:t>
+            </a:r>
+            <a:r>
+              <a:rPr lang="hu-HU" sz="2200" dirty="0" smtClean="0">
+                <a:sym typeface="Wingdings" panose="05000000000000000000" pitchFamily="2" charset="2"/>
+              </a:rPr>
+              <a:t>)</a:t>
+            </a:r>
+          </a:p>
+          <a:p>
+            <a:pPr lvl="1" algn="just"/>
+            <a:r>
+              <a:rPr lang="hu-HU" sz="2200" dirty="0" smtClean="0">
+                <a:sym typeface="Wingdings" panose="05000000000000000000" pitchFamily="2" charset="2"/>
+              </a:rPr>
+              <a:t>Költségbecslés számítás órabér alapján</a:t>
+            </a:r>
+          </a:p>
+          <a:p>
+            <a:pPr lvl="2" algn="just"/>
+            <a:r>
+              <a:rPr lang="hu-HU" dirty="0" smtClean="0">
+                <a:sym typeface="Wingdings" panose="05000000000000000000" pitchFamily="2" charset="2"/>
+              </a:rPr>
+              <a:t>Minimálisan szükséges idő, Legkorábbi kezdési idő (EST), legkésőbbi befejezési idő (LCT) és tartalékidő alapján is</a:t>
+            </a:r>
+          </a:p>
+          <a:p>
+            <a:pPr lvl="1" algn="just"/>
+            <a:endParaRPr lang="hu-HU" sz="2200" dirty="0" smtClean="0">
+              <a:sym typeface="Wingdings" panose="05000000000000000000" pitchFamily="2" charset="2"/>
+            </a:endParaRPr>
+          </a:p>
+        </p:txBody>
+      </p:sp>
+      <p:pic>
+        <p:nvPicPr>
+          <p:cNvPr id="6" name="Kép 5"/>
+          <p:cNvPicPr>
+            <a:picLocks noChangeAspect="1"/>
+          </p:cNvPicPr>
+          <p:nvPr/>
+        </p:nvPicPr>
+        <p:blipFill rotWithShape="1">
+          <a:blip r:embed="rId3">
+            <a:extLst>
+              <a:ext uri="{28A0092B-C50C-407E-A947-70E740481C1C}">
+                <a14:useLocalDpi xmlns:a14="http://schemas.microsoft.com/office/drawing/2010/main" val="0"/>
+              </a:ext>
+            </a:extLst>
+          </a:blip>
+          <a:srcRect t="45304" b="27169"/>
+          <a:stretch/>
+        </p:blipFill>
+        <p:spPr>
+          <a:xfrm>
+            <a:off x="609599" y="4506764"/>
+            <a:ext cx="10894143" cy="1795709"/>
+          </a:xfrm>
+          <a:prstGeom prst="rect">
+            <a:avLst/>
+          </a:prstGeom>
+        </p:spPr>
+      </p:pic>
+      <p:sp>
+        <p:nvSpPr>
+          <p:cNvPr id="7" name="Dia számának helye 6"/>
+          <p:cNvSpPr>
+            <a:spLocks noGrp="1"/>
+          </p:cNvSpPr>
+          <p:nvPr>
+            <p:ph type="sldNum" sz="quarter" idx="12"/>
           </p:nvPr>
         </p:nvSpPr>
         <p:spPr/>
@@ -4910,7 +5859,12 @@
           <a:bodyPr/>
           <a:lstStyle/>
           <a:p>
-            <a:endParaRPr lang="hu-HU"/>
+            <a:fld id="{629637A9-119A-49DA-BD12-AAC58B377D80}" type="slidenum">
+              <a:rPr lang="en-US" smtClean="0"/>
+              <a:pPr/>
+              <a:t>5</a:t>
+            </a:fld>
+            <a:endParaRPr lang="en-US" dirty="0"/>
           </a:p>
         </p:txBody>
       </p:sp>
@@ -4955,16 +5909,8 @@
           <a:lstStyle/>
           <a:p>
             <a:r>
-              <a:rPr lang="hu-HU" dirty="0" err="1" smtClean="0"/>
-              <a:t>Google</a:t>
-            </a:r>
-            <a:r>
               <a:rPr lang="hu-HU" dirty="0" smtClean="0"/>
-              <a:t> API és </a:t>
-            </a:r>
-            <a:r>
-              <a:rPr lang="hu-HU" dirty="0" err="1" smtClean="0"/>
-              <a:t>autentikáció</a:t>
+              <a:t>Költségbecslés</a:t>
             </a:r>
             <a:endParaRPr lang="hu-HU" dirty="0"/>
           </a:p>
@@ -4972,44 +5918,287 @@
       </p:sp>
       <p:sp>
         <p:nvSpPr>
-          <p:cNvPr id="4" name="Tartalom helye 2"/>
-          <p:cNvSpPr>
-            <a:spLocks noGrp="1"/>
-          </p:cNvSpPr>
-          <p:nvPr>
-            <p:ph idx="1"/>
-          </p:nvPr>
+          <p:cNvPr id="5" name="Tartalom helye 2"/>
+          <p:cNvSpPr txBox="1">
+            <a:spLocks/>
+          </p:cNvSpPr>
+          <p:nvPr/>
         </p:nvSpPr>
         <p:spPr>
           <a:xfrm>
-            <a:off x="1097280" y="1845734"/>
-            <a:ext cx="10053319" cy="4023360"/>
+            <a:off x="1097281" y="1845734"/>
+            <a:ext cx="6291492" cy="3209742"/>
           </a:xfrm>
+          <a:prstGeom prst="rect">
+            <a:avLst/>
+          </a:prstGeom>
         </p:spPr>
         <p:txBody>
-          <a:bodyPr>
+          <a:bodyPr vert="horz" lIns="0" tIns="45720" rIns="0" bIns="45720" rtlCol="0">
             <a:normAutofit/>
           </a:bodyPr>
-          <a:lstStyle/>
+          <a:lstStyle>
+            <a:lvl1pPr marL="91440" indent="-91440" algn="l" defTabSz="914400" rtl="0" eaLnBrk="1" latinLnBrk="0" hangingPunct="1">
+              <a:lnSpc>
+                <a:spcPct val="90000"/>
+              </a:lnSpc>
+              <a:spcBef>
+                <a:spcPts val="1200"/>
+              </a:spcBef>
+              <a:spcAft>
+                <a:spcPts val="200"/>
+              </a:spcAft>
+              <a:buClr>
+                <a:schemeClr val="accent1"/>
+              </a:buClr>
+              <a:buSzPct val="100000"/>
+              <a:buFont typeface="Calibri" panose="020F0502020204030204" pitchFamily="34" charset="0"/>
+              <a:buChar char=" "/>
+              <a:defRPr sz="2000" kern="1200">
+                <a:solidFill>
+                  <a:schemeClr val="tx1">
+                    <a:lumMod val="75000"/>
+                    <a:lumOff val="25000"/>
+                  </a:schemeClr>
+                </a:solidFill>
+                <a:latin typeface="+mn-lt"/>
+                <a:ea typeface="+mn-ea"/>
+                <a:cs typeface="+mn-cs"/>
+              </a:defRPr>
+            </a:lvl1pPr>
+            <a:lvl2pPr marL="384048" indent="-182880" algn="l" defTabSz="914400" rtl="0" eaLnBrk="1" latinLnBrk="0" hangingPunct="1">
+              <a:lnSpc>
+                <a:spcPct val="90000"/>
+              </a:lnSpc>
+              <a:spcBef>
+                <a:spcPts val="200"/>
+              </a:spcBef>
+              <a:spcAft>
+                <a:spcPts val="400"/>
+              </a:spcAft>
+              <a:buClr>
+                <a:schemeClr val="accent1"/>
+              </a:buClr>
+              <a:buFont typeface="Calibri" pitchFamily="34" charset="0"/>
+              <a:buChar char="◦"/>
+              <a:defRPr sz="1800" kern="1200">
+                <a:solidFill>
+                  <a:schemeClr val="tx1">
+                    <a:lumMod val="75000"/>
+                    <a:lumOff val="25000"/>
+                  </a:schemeClr>
+                </a:solidFill>
+                <a:latin typeface="+mn-lt"/>
+                <a:ea typeface="+mn-ea"/>
+                <a:cs typeface="+mn-cs"/>
+              </a:defRPr>
+            </a:lvl2pPr>
+            <a:lvl3pPr marL="566928" indent="-182880" algn="l" defTabSz="914400" rtl="0" eaLnBrk="1" latinLnBrk="0" hangingPunct="1">
+              <a:lnSpc>
+                <a:spcPct val="90000"/>
+              </a:lnSpc>
+              <a:spcBef>
+                <a:spcPts val="200"/>
+              </a:spcBef>
+              <a:spcAft>
+                <a:spcPts val="400"/>
+              </a:spcAft>
+              <a:buClr>
+                <a:schemeClr val="accent1"/>
+              </a:buClr>
+              <a:buFont typeface="Calibri" pitchFamily="34" charset="0"/>
+              <a:buChar char="◦"/>
+              <a:defRPr sz="1400" kern="1200">
+                <a:solidFill>
+                  <a:schemeClr val="tx1">
+                    <a:lumMod val="75000"/>
+                    <a:lumOff val="25000"/>
+                  </a:schemeClr>
+                </a:solidFill>
+                <a:latin typeface="+mn-lt"/>
+                <a:ea typeface="+mn-ea"/>
+                <a:cs typeface="+mn-cs"/>
+              </a:defRPr>
+            </a:lvl3pPr>
+            <a:lvl4pPr marL="749808" indent="-182880" algn="l" defTabSz="914400" rtl="0" eaLnBrk="1" latinLnBrk="0" hangingPunct="1">
+              <a:lnSpc>
+                <a:spcPct val="90000"/>
+              </a:lnSpc>
+              <a:spcBef>
+                <a:spcPts val="200"/>
+              </a:spcBef>
+              <a:spcAft>
+                <a:spcPts val="400"/>
+              </a:spcAft>
+              <a:buClr>
+                <a:schemeClr val="accent1"/>
+              </a:buClr>
+              <a:buFont typeface="Calibri" pitchFamily="34" charset="0"/>
+              <a:buChar char="◦"/>
+              <a:defRPr sz="1400" kern="1200">
+                <a:solidFill>
+                  <a:schemeClr val="tx1">
+                    <a:lumMod val="75000"/>
+                    <a:lumOff val="25000"/>
+                  </a:schemeClr>
+                </a:solidFill>
+                <a:latin typeface="+mn-lt"/>
+                <a:ea typeface="+mn-ea"/>
+                <a:cs typeface="+mn-cs"/>
+              </a:defRPr>
+            </a:lvl4pPr>
+            <a:lvl5pPr marL="932688" indent="-182880" algn="l" defTabSz="914400" rtl="0" eaLnBrk="1" latinLnBrk="0" hangingPunct="1">
+              <a:lnSpc>
+                <a:spcPct val="90000"/>
+              </a:lnSpc>
+              <a:spcBef>
+                <a:spcPts val="200"/>
+              </a:spcBef>
+              <a:spcAft>
+                <a:spcPts val="400"/>
+              </a:spcAft>
+              <a:buClr>
+                <a:schemeClr val="accent1"/>
+              </a:buClr>
+              <a:buFont typeface="Calibri" pitchFamily="34" charset="0"/>
+              <a:buChar char="◦"/>
+              <a:defRPr sz="1400" kern="1200">
+                <a:solidFill>
+                  <a:schemeClr val="tx1">
+                    <a:lumMod val="75000"/>
+                    <a:lumOff val="25000"/>
+                  </a:schemeClr>
+                </a:solidFill>
+                <a:latin typeface="+mn-lt"/>
+                <a:ea typeface="+mn-ea"/>
+                <a:cs typeface="+mn-cs"/>
+              </a:defRPr>
+            </a:lvl5pPr>
+            <a:lvl6pPr marL="1100000" indent="-228600" algn="l" defTabSz="914400" rtl="0" eaLnBrk="1" latinLnBrk="0" hangingPunct="1">
+              <a:lnSpc>
+                <a:spcPct val="90000"/>
+              </a:lnSpc>
+              <a:spcBef>
+                <a:spcPts val="200"/>
+              </a:spcBef>
+              <a:spcAft>
+                <a:spcPts val="400"/>
+              </a:spcAft>
+              <a:buClr>
+                <a:schemeClr val="accent1"/>
+              </a:buClr>
+              <a:buFont typeface="Calibri" pitchFamily="34" charset="0"/>
+              <a:buChar char="◦"/>
+              <a:defRPr sz="1400" kern="1200">
+                <a:solidFill>
+                  <a:schemeClr val="tx1">
+                    <a:lumMod val="75000"/>
+                    <a:lumOff val="25000"/>
+                  </a:schemeClr>
+                </a:solidFill>
+                <a:latin typeface="+mn-lt"/>
+                <a:ea typeface="+mn-ea"/>
+                <a:cs typeface="+mn-cs"/>
+              </a:defRPr>
+            </a:lvl6pPr>
+            <a:lvl7pPr marL="1300000" indent="-228600" algn="l" defTabSz="914400" rtl="0" eaLnBrk="1" latinLnBrk="0" hangingPunct="1">
+              <a:lnSpc>
+                <a:spcPct val="90000"/>
+              </a:lnSpc>
+              <a:spcBef>
+                <a:spcPts val="200"/>
+              </a:spcBef>
+              <a:spcAft>
+                <a:spcPts val="400"/>
+              </a:spcAft>
+              <a:buClr>
+                <a:schemeClr val="accent1"/>
+              </a:buClr>
+              <a:buFont typeface="Calibri" pitchFamily="34" charset="0"/>
+              <a:buChar char="◦"/>
+              <a:defRPr sz="1400" kern="1200">
+                <a:solidFill>
+                  <a:schemeClr val="tx1">
+                    <a:lumMod val="75000"/>
+                    <a:lumOff val="25000"/>
+                  </a:schemeClr>
+                </a:solidFill>
+                <a:latin typeface="+mn-lt"/>
+                <a:ea typeface="+mn-ea"/>
+                <a:cs typeface="+mn-cs"/>
+              </a:defRPr>
+            </a:lvl7pPr>
+            <a:lvl8pPr marL="1500000" indent="-228600" algn="l" defTabSz="914400" rtl="0" eaLnBrk="1" latinLnBrk="0" hangingPunct="1">
+              <a:lnSpc>
+                <a:spcPct val="90000"/>
+              </a:lnSpc>
+              <a:spcBef>
+                <a:spcPts val="200"/>
+              </a:spcBef>
+              <a:spcAft>
+                <a:spcPts val="400"/>
+              </a:spcAft>
+              <a:buClr>
+                <a:schemeClr val="accent1"/>
+              </a:buClr>
+              <a:buFont typeface="Calibri" pitchFamily="34" charset="0"/>
+              <a:buChar char="◦"/>
+              <a:defRPr sz="1400" kern="1200">
+                <a:solidFill>
+                  <a:schemeClr val="tx1">
+                    <a:lumMod val="75000"/>
+                    <a:lumOff val="25000"/>
+                  </a:schemeClr>
+                </a:solidFill>
+                <a:latin typeface="+mn-lt"/>
+                <a:ea typeface="+mn-ea"/>
+                <a:cs typeface="+mn-cs"/>
+              </a:defRPr>
+            </a:lvl8pPr>
+            <a:lvl9pPr marL="1700000" indent="-228600" algn="l" defTabSz="914400" rtl="0" eaLnBrk="1" latinLnBrk="0" hangingPunct="1">
+              <a:lnSpc>
+                <a:spcPct val="90000"/>
+              </a:lnSpc>
+              <a:spcBef>
+                <a:spcPts val="200"/>
+              </a:spcBef>
+              <a:spcAft>
+                <a:spcPts val="400"/>
+              </a:spcAft>
+              <a:buClr>
+                <a:schemeClr val="accent1"/>
+              </a:buClr>
+              <a:buFont typeface="Calibri" pitchFamily="34" charset="0"/>
+              <a:buChar char="◦"/>
+              <a:defRPr sz="1400" kern="1200">
+                <a:solidFill>
+                  <a:schemeClr val="tx1">
+                    <a:lumMod val="75000"/>
+                    <a:lumOff val="25000"/>
+                  </a:schemeClr>
+                </a:solidFill>
+                <a:latin typeface="+mn-lt"/>
+                <a:ea typeface="+mn-ea"/>
+                <a:cs typeface="+mn-cs"/>
+              </a:defRPr>
+            </a:lvl9pPr>
+          </a:lstStyle>
           <a:p>
             <a:pPr lvl="1" algn="just"/>
             <a:r>
               <a:rPr lang="hu-HU" sz="2200" dirty="0" smtClean="0">
                 <a:sym typeface="Wingdings" panose="05000000000000000000" pitchFamily="2" charset="2"/>
               </a:rPr>
-              <a:t>REST API a </a:t>
-            </a:r>
-            <a:r>
-              <a:rPr lang="hu-HU" sz="2200" dirty="0" err="1" smtClean="0">
-                <a:sym typeface="Wingdings" panose="05000000000000000000" pitchFamily="2" charset="2"/>
-              </a:rPr>
-              <a:t>Google</a:t>
-            </a:r>
+              <a:t>A projekt feladatainak adataiból diagramok generálódnak az átláthatóság növelése érdekében</a:t>
+            </a:r>
+          </a:p>
+          <a:p>
+            <a:pPr lvl="1" algn="just"/>
             <a:r>
               <a:rPr lang="hu-HU" sz="2200" dirty="0" smtClean="0">
                 <a:sym typeface="Wingdings" panose="05000000000000000000" pitchFamily="2" charset="2"/>
               </a:rPr>
-              <a:t> szolgáltatásokhoz</a:t>
+              <a:t>Órabér megadásával az egyes projektek hossza alapján összesített becsléseket számol</a:t>
             </a:r>
           </a:p>
           <a:p>
@@ -5018,52 +6207,7 @@
               <a:rPr lang="hu-HU" sz="2200" dirty="0" smtClean="0">
                 <a:sym typeface="Wingdings" panose="05000000000000000000" pitchFamily="2" charset="2"/>
               </a:rPr>
-              <a:t>API használathoz kell egyedi azonosító az alkalmazáshoz</a:t>
-            </a:r>
-          </a:p>
-          <a:p>
-            <a:pPr lvl="2" algn="just"/>
-            <a:r>
-              <a:rPr lang="hu-HU" dirty="0" err="1" smtClean="0">
-                <a:sym typeface="Wingdings" panose="05000000000000000000" pitchFamily="2" charset="2"/>
-              </a:rPr>
-              <a:t>OAuth</a:t>
-            </a:r>
-            <a:r>
-              <a:rPr lang="hu-HU" dirty="0" smtClean="0">
-                <a:sym typeface="Wingdings" panose="05000000000000000000" pitchFamily="2" charset="2"/>
-              </a:rPr>
-              <a:t> v2 </a:t>
-            </a:r>
-            <a:r>
-              <a:rPr lang="hu-HU" dirty="0" err="1" smtClean="0">
-                <a:sym typeface="Wingdings" panose="05000000000000000000" pitchFamily="2" charset="2"/>
-              </a:rPr>
-              <a:t>autentikáció</a:t>
-            </a:r>
-            <a:endParaRPr lang="hu-HU" dirty="0" smtClean="0">
-              <a:sym typeface="Wingdings" panose="05000000000000000000" pitchFamily="2" charset="2"/>
-            </a:endParaRPr>
-          </a:p>
-          <a:p>
-            <a:pPr lvl="2" algn="just"/>
-            <a:r>
-              <a:rPr lang="hu-HU" dirty="0" smtClean="0">
-                <a:sym typeface="Wingdings" panose="05000000000000000000" pitchFamily="2" charset="2"/>
-              </a:rPr>
-              <a:t>Access </a:t>
-            </a:r>
-            <a:r>
-              <a:rPr lang="hu-HU" dirty="0" err="1" smtClean="0">
-                <a:sym typeface="Wingdings" panose="05000000000000000000" pitchFamily="2" charset="2"/>
-              </a:rPr>
-              <a:t>Token</a:t>
-            </a:r>
-            <a:r>
-              <a:rPr lang="hu-HU" dirty="0" smtClean="0">
-                <a:sym typeface="Wingdings" panose="05000000000000000000" pitchFamily="2" charset="2"/>
-              </a:rPr>
-              <a:t> alapú</a:t>
+              <a:t>Napi 8 óra munkaórával készül az idő becslés</a:t>
             </a:r>
           </a:p>
           <a:p>
@@ -5072,59 +6216,195 @@
               <a:rPr lang="hu-HU" sz="2200" dirty="0" smtClean="0">
                 <a:sym typeface="Wingdings" panose="05000000000000000000" pitchFamily="2" charset="2"/>
               </a:rPr>
-              <a:t>S</a:t>
-            </a:r>
+              <a:t>Minimálisan szükséges idő alapján</a:t>
+            </a:r>
+          </a:p>
+          <a:p>
+            <a:pPr lvl="1" algn="just"/>
             <a:r>
               <a:rPr lang="hu-HU" sz="2200" dirty="0" smtClean="0">
                 <a:sym typeface="Wingdings" panose="05000000000000000000" pitchFamily="2" charset="2"/>
               </a:rPr>
-              <a:t>zolgáltatáseléréshez hagyományos </a:t>
-            </a:r>
-            <a:r>
-              <a:rPr lang="hu-HU" sz="2200" dirty="0" err="1" smtClean="0">
-                <a:sym typeface="Wingdings" panose="05000000000000000000" pitchFamily="2" charset="2"/>
-              </a:rPr>
-              <a:t>Google</a:t>
-            </a:r>
+              <a:t>Maximálisan szükséges idő alapján (EST-LCT)</a:t>
+            </a:r>
+          </a:p>
+          <a:p>
+            <a:pPr lvl="1" algn="just"/>
             <a:r>
               <a:rPr lang="hu-HU" sz="2200" dirty="0" smtClean="0">
                 <a:sym typeface="Wingdings" panose="05000000000000000000" pitchFamily="2" charset="2"/>
               </a:rPr>
-              <a:t> </a:t>
-            </a:r>
-            <a:r>
-              <a:rPr lang="hu-HU" sz="2200" dirty="0" err="1" smtClean="0">
-                <a:sym typeface="Wingdings" panose="05000000000000000000" pitchFamily="2" charset="2"/>
-              </a:rPr>
-              <a:t>autentikáció</a:t>
+              <a:t>A lehetséges problémákból, csúszásokból adódó tartalékidő mekkora költségtöbbletet jelent</a:t>
             </a:r>
             <a:endParaRPr lang="hu-HU" sz="2200" dirty="0" smtClean="0">
               <a:sym typeface="Wingdings" panose="05000000000000000000" pitchFamily="2" charset="2"/>
             </a:endParaRPr>
           </a:p>
-          <a:p>
-            <a:pPr lvl="2" algn="just"/>
-            <a:r>
-              <a:rPr lang="hu-HU" dirty="0" smtClean="0">
-                <a:sym typeface="Wingdings" panose="05000000000000000000" pitchFamily="2" charset="2"/>
-              </a:rPr>
-              <a:t>Felhasználónév / jelszó</a:t>
-            </a:r>
-            <a:endParaRPr lang="hu-HU" dirty="0" smtClean="0">
-              <a:sym typeface="Wingdings" panose="05000000000000000000" pitchFamily="2" charset="2"/>
-            </a:endParaRPr>
-          </a:p>
-          <a:p>
-            <a:pPr algn="just">
-              <a:buNone/>
-            </a:pPr>
-            <a:endParaRPr lang="hu-HU" dirty="0" smtClean="0">
-              <a:sym typeface="Wingdings" panose="05000000000000000000" pitchFamily="2" charset="2"/>
-            </a:endParaRPr>
+        </p:txBody>
+      </p:sp>
+      <p:sp>
+        <p:nvSpPr>
+          <p:cNvPr id="7" name="Dia számának helye 6"/>
+          <p:cNvSpPr>
+            <a:spLocks noGrp="1"/>
+          </p:cNvSpPr>
+          <p:nvPr>
+            <p:ph type="sldNum" sz="quarter" idx="12"/>
+          </p:nvPr>
+        </p:nvSpPr>
+        <p:spPr/>
+        <p:txBody>
+          <a:bodyPr/>
+          <a:lstStyle/>
+          <a:p>
+            <a:fld id="{629637A9-119A-49DA-BD12-AAC58B377D80}" type="slidenum">
+              <a:rPr lang="en-US" smtClean="0"/>
+              <a:pPr/>
+              <a:t>6</a:t>
+            </a:fld>
+            <a:endParaRPr lang="en-US" dirty="0"/>
+          </a:p>
+        </p:txBody>
+      </p:sp>
+      <p:pic>
+        <p:nvPicPr>
+          <p:cNvPr id="3" name="Kép 2"/>
+          <p:cNvPicPr>
+            <a:picLocks noChangeAspect="1"/>
+          </p:cNvPicPr>
+          <p:nvPr/>
+        </p:nvPicPr>
+        <p:blipFill>
+          <a:blip r:embed="rId3">
+            <a:extLst>
+              <a:ext uri="{28A0092B-C50C-407E-A947-70E740481C1C}">
+                <a14:useLocalDpi xmlns:a14="http://schemas.microsoft.com/office/drawing/2010/main" val="0"/>
+              </a:ext>
+            </a:extLst>
+          </a:blip>
+          <a:stretch>
+            <a:fillRect/>
+          </a:stretch>
+        </p:blipFill>
+        <p:spPr>
+          <a:xfrm>
+            <a:off x="7625413" y="3605048"/>
+            <a:ext cx="3607804" cy="2602931"/>
+          </a:xfrm>
+          <a:prstGeom prst="rect">
+            <a:avLst/>
+          </a:prstGeom>
+        </p:spPr>
+      </p:pic>
+      <p:pic>
+        <p:nvPicPr>
+          <p:cNvPr id="4" name="Kép 3"/>
+          <p:cNvPicPr>
+            <a:picLocks noChangeAspect="1"/>
+          </p:cNvPicPr>
+          <p:nvPr/>
+        </p:nvPicPr>
+        <p:blipFill rotWithShape="1">
+          <a:blip r:embed="rId4">
+            <a:extLst>
+              <a:ext uri="{28A0092B-C50C-407E-A947-70E740481C1C}">
+                <a14:useLocalDpi xmlns:a14="http://schemas.microsoft.com/office/drawing/2010/main" val="0"/>
+              </a:ext>
+            </a:extLst>
+          </a:blip>
+          <a:srcRect b="18077"/>
+          <a:stretch/>
+        </p:blipFill>
+        <p:spPr>
+          <a:xfrm>
+            <a:off x="7762180" y="1789910"/>
+            <a:ext cx="3334270" cy="1846669"/>
+          </a:xfrm>
+          <a:prstGeom prst="rect">
+            <a:avLst/>
+          </a:prstGeom>
+        </p:spPr>
+      </p:pic>
+      <p:pic>
+        <p:nvPicPr>
+          <p:cNvPr id="8" name="Tartalom helye 4"/>
+          <p:cNvPicPr>
+            <a:picLocks noChangeAspect="1"/>
+          </p:cNvPicPr>
+          <p:nvPr/>
+        </p:nvPicPr>
+        <p:blipFill>
+          <a:blip r:embed="rId5">
+            <a:extLst>
+              <a:ext uri="{28A0092B-C50C-407E-A947-70E740481C1C}">
+                <a14:useLocalDpi xmlns:a14="http://schemas.microsoft.com/office/drawing/2010/main" val="0"/>
+              </a:ext>
+            </a:extLst>
+          </a:blip>
+          <a:stretch>
+            <a:fillRect/>
+          </a:stretch>
+        </p:blipFill>
+        <p:spPr>
+          <a:xfrm>
+            <a:off x="2871554" y="5055476"/>
+            <a:ext cx="2742946" cy="1063055"/>
+          </a:xfrm>
+          <a:prstGeom prst="rect">
+            <a:avLst/>
+          </a:prstGeom>
+        </p:spPr>
+      </p:pic>
+      <p:sp>
+        <p:nvSpPr>
+          <p:cNvPr id="9" name="Jobbra nyíl 8"/>
+          <p:cNvSpPr/>
+          <p:nvPr/>
+        </p:nvSpPr>
+        <p:spPr>
+          <a:xfrm>
+            <a:off x="1576552" y="5587003"/>
+            <a:ext cx="1566041" cy="472966"/>
+          </a:xfrm>
+          <a:prstGeom prst="rightArrow">
+            <a:avLst/>
+          </a:prstGeom>
+        </p:spPr>
+        <p:style>
+          <a:lnRef idx="2">
+            <a:schemeClr val="accent1">
+              <a:shade val="50000"/>
+            </a:schemeClr>
+          </a:lnRef>
+          <a:fillRef idx="1">
+            <a:schemeClr val="accent1"/>
+          </a:fillRef>
+          <a:effectRef idx="0">
+            <a:schemeClr val="accent1"/>
+          </a:effectRef>
+          <a:fontRef idx="minor">
+            <a:schemeClr val="lt1"/>
+          </a:fontRef>
+        </p:style>
+        <p:txBody>
+          <a:bodyPr rtlCol="0" anchor="ctr"/>
+          <a:lstStyle/>
+          <a:p>
+            <a:pPr algn="ctr"/>
+            <a:r>
+              <a:rPr lang="hu-HU" dirty="0" smtClean="0"/>
+              <a:t>EST-LCT</a:t>
+            </a:r>
+            <a:endParaRPr lang="hu-HU" dirty="0"/>
           </a:p>
         </p:txBody>
       </p:sp>
     </p:spTree>
+    <p:extLst>
+      <p:ext uri="{BB962C8B-B14F-4D97-AF65-F5344CB8AC3E}">
+        <p14:creationId xmlns:p14="http://schemas.microsoft.com/office/powerpoint/2010/main" val="686134763"/>
+      </p:ext>
+    </p:extLst>
   </p:cSld>
   <p:clrMapOvr>
     <a:masterClrMapping/>
@@ -5170,7 +6450,11 @@
             </a:r>
             <a:r>
               <a:rPr lang="hu-HU" dirty="0" smtClean="0"/>
-              <a:t> Drive Integráció</a:t>
+              <a:t> API és </a:t>
+            </a:r>
+            <a:r>
+              <a:rPr lang="hu-HU" dirty="0" err="1" smtClean="0"/>
+              <a:t>autentikáció</a:t>
             </a:r>
             <a:endParaRPr lang="hu-HU" dirty="0"/>
           </a:p>
@@ -5178,7 +6462,7 @@
       </p:sp>
       <p:sp>
         <p:nvSpPr>
-          <p:cNvPr id="3" name="Tartalom helye 2"/>
+          <p:cNvPr id="4" name="Tartalom helye 2"/>
           <p:cNvSpPr>
             <a:spLocks noGrp="1"/>
           </p:cNvSpPr>
@@ -5188,8 +6472,8 @@
         </p:nvSpPr>
         <p:spPr>
           <a:xfrm>
-            <a:off x="1041400" y="1845734"/>
-            <a:ext cx="5930899" cy="4023360"/>
+            <a:off x="1097280" y="1845734"/>
+            <a:ext cx="10053319" cy="4023360"/>
           </a:xfrm>
         </p:spPr>
         <p:txBody>
@@ -5203,19 +6487,25 @@
               <a:rPr lang="hu-HU" sz="2200" dirty="0" smtClean="0">
                 <a:sym typeface="Wingdings" panose="05000000000000000000" pitchFamily="2" charset="2"/>
               </a:rPr>
-              <a:t>Külön beállítás az alkalmazás </a:t>
+              <a:t>REST API a </a:t>
             </a:r>
             <a:r>
               <a:rPr lang="hu-HU" sz="2200" dirty="0" err="1" smtClean="0">
                 <a:sym typeface="Wingdings" panose="05000000000000000000" pitchFamily="2" charset="2"/>
               </a:rPr>
-              <a:t>manifest</a:t>
+              <a:t>Google</a:t>
             </a:r>
             <a:r>
               <a:rPr lang="hu-HU" sz="2200" dirty="0" smtClean="0">
                 <a:sym typeface="Wingdings" panose="05000000000000000000" pitchFamily="2" charset="2"/>
               </a:rPr>
-              <a:t> fájljában</a:t>
+              <a:t> </a:t>
+            </a:r>
+            <a:r>
+              <a:rPr lang="hu-HU" sz="2200" dirty="0" smtClean="0">
+                <a:sym typeface="Wingdings" panose="05000000000000000000" pitchFamily="2" charset="2"/>
+              </a:rPr>
+              <a:t>szolgáltatásokhoz (drive v2)</a:t>
             </a:r>
             <a:endParaRPr lang="hu-HU" sz="2200" dirty="0" smtClean="0">
               <a:sym typeface="Wingdings" panose="05000000000000000000" pitchFamily="2" charset="2"/>
@@ -5227,71 +6517,290 @@
               <a:rPr lang="hu-HU" sz="2200" dirty="0" smtClean="0">
                 <a:sym typeface="Wingdings" panose="05000000000000000000" pitchFamily="2" charset="2"/>
               </a:rPr>
-              <a:t>A projekt fájl társítható az alkalmazáshoz </a:t>
-            </a:r>
-            <a:r>
-              <a:rPr lang="hu-HU" sz="2200" dirty="0" err="1" smtClean="0">
-                <a:sym typeface="Wingdings" panose="05000000000000000000" pitchFamily="2" charset="2"/>
-              </a:rPr>
-              <a:t>Google</a:t>
-            </a:r>
-            <a:r>
-              <a:rPr lang="hu-HU" sz="2200" dirty="0" smtClean="0">
-                <a:sym typeface="Wingdings" panose="05000000000000000000" pitchFamily="2" charset="2"/>
-              </a:rPr>
-              <a:t> Drive-on</a:t>
+              <a:t>API használathoz kell egyedi azonosító az alkalmazáshoz</a:t>
+            </a:r>
+          </a:p>
+          <a:p>
+            <a:pPr lvl="2" algn="just"/>
+            <a:r>
+              <a:rPr lang="hu-HU" dirty="0" err="1" smtClean="0">
+                <a:sym typeface="Wingdings" panose="05000000000000000000" pitchFamily="2" charset="2"/>
+              </a:rPr>
+              <a:t>OAuth</a:t>
+            </a:r>
+            <a:r>
+              <a:rPr lang="hu-HU" dirty="0" smtClean="0">
+                <a:sym typeface="Wingdings" panose="05000000000000000000" pitchFamily="2" charset="2"/>
+              </a:rPr>
+              <a:t> v2 </a:t>
+            </a:r>
+            <a:r>
+              <a:rPr lang="hu-HU" dirty="0" err="1" smtClean="0">
+                <a:sym typeface="Wingdings" panose="05000000000000000000" pitchFamily="2" charset="2"/>
+              </a:rPr>
+              <a:t>autentikáció</a:t>
             </a:r>
             <a:endParaRPr lang="hu-HU" dirty="0" smtClean="0">
               <a:sym typeface="Wingdings" panose="05000000000000000000" pitchFamily="2" charset="2"/>
             </a:endParaRPr>
           </a:p>
           <a:p>
+            <a:pPr lvl="2" algn="just"/>
+            <a:r>
+              <a:rPr lang="hu-HU" dirty="0" smtClean="0">
+                <a:sym typeface="Wingdings" panose="05000000000000000000" pitchFamily="2" charset="2"/>
+              </a:rPr>
+              <a:t>Access </a:t>
+            </a:r>
+            <a:r>
+              <a:rPr lang="hu-HU" dirty="0" err="1" smtClean="0">
+                <a:sym typeface="Wingdings" panose="05000000000000000000" pitchFamily="2" charset="2"/>
+              </a:rPr>
+              <a:t>Token</a:t>
+            </a:r>
+            <a:r>
+              <a:rPr lang="hu-HU" dirty="0" smtClean="0">
+                <a:sym typeface="Wingdings" panose="05000000000000000000" pitchFamily="2" charset="2"/>
+              </a:rPr>
+              <a:t> alapú</a:t>
+            </a:r>
+          </a:p>
+          <a:p>
             <a:pPr lvl="1" algn="just"/>
             <a:r>
               <a:rPr lang="hu-HU" sz="2200" dirty="0" smtClean="0">
                 <a:sym typeface="Wingdings" panose="05000000000000000000" pitchFamily="2" charset="2"/>
               </a:rPr>
-              <a:t>Alapértelmezetten az alkalmazás fogja megnyitni</a:t>
-            </a:r>
-          </a:p>
-        </p:txBody>
-      </p:sp>
-      <p:pic>
-        <p:nvPicPr>
-          <p:cNvPr id="4" name="Kép 3"/>
-          <p:cNvPicPr>
-            <a:picLocks noChangeAspect="1"/>
-          </p:cNvPicPr>
-          <p:nvPr/>
-        </p:nvPicPr>
-        <p:blipFill>
-          <a:blip r:embed="rId2">
-            <a:extLst>
-              <a:ext uri="{28A0092B-C50C-407E-A947-70E740481C1C}">
-                <a14:useLocalDpi xmlns:a14="http://schemas.microsoft.com/office/drawing/2010/main" xmlns="" val="0"/>
-              </a:ext>
-            </a:extLst>
-          </a:blip>
-          <a:stretch>
-            <a:fillRect/>
-          </a:stretch>
-        </p:blipFill>
-        <p:spPr>
-          <a:xfrm>
-            <a:off x="7108114" y="1845735"/>
-            <a:ext cx="4047566" cy="3154634"/>
-          </a:xfrm>
-          <a:prstGeom prst="rect">
-            <a:avLst/>
-          </a:prstGeom>
-        </p:spPr>
-      </p:pic>
+              <a:t>Szolgáltatáseléréshez hagyományos </a:t>
+            </a:r>
+            <a:r>
+              <a:rPr lang="hu-HU" sz="2200" dirty="0" err="1" smtClean="0">
+                <a:sym typeface="Wingdings" panose="05000000000000000000" pitchFamily="2" charset="2"/>
+              </a:rPr>
+              <a:t>Google</a:t>
+            </a:r>
+            <a:r>
+              <a:rPr lang="hu-HU" sz="2200" dirty="0" smtClean="0">
+                <a:sym typeface="Wingdings" panose="05000000000000000000" pitchFamily="2" charset="2"/>
+              </a:rPr>
+              <a:t> </a:t>
+            </a:r>
+            <a:r>
+              <a:rPr lang="hu-HU" sz="2200" dirty="0" err="1" smtClean="0">
+                <a:sym typeface="Wingdings" panose="05000000000000000000" pitchFamily="2" charset="2"/>
+              </a:rPr>
+              <a:t>autentikáció</a:t>
+            </a:r>
+            <a:endParaRPr lang="hu-HU" sz="2200" dirty="0" smtClean="0">
+              <a:sym typeface="Wingdings" panose="05000000000000000000" pitchFamily="2" charset="2"/>
+            </a:endParaRPr>
+          </a:p>
+          <a:p>
+            <a:pPr lvl="2" algn="just"/>
+            <a:r>
+              <a:rPr lang="hu-HU" dirty="0" smtClean="0">
+                <a:sym typeface="Wingdings" panose="05000000000000000000" pitchFamily="2" charset="2"/>
+              </a:rPr>
+              <a:t>Felhasználónév / </a:t>
+            </a:r>
+            <a:r>
+              <a:rPr lang="hu-HU" dirty="0" smtClean="0">
+                <a:sym typeface="Wingdings" panose="05000000000000000000" pitchFamily="2" charset="2"/>
+              </a:rPr>
+              <a:t>jelszó</a:t>
+            </a:r>
+          </a:p>
+          <a:p>
+            <a:pPr lvl="1" algn="just"/>
+            <a:r>
+              <a:rPr lang="hu-HU" sz="2200" dirty="0" smtClean="0">
+                <a:sym typeface="Wingdings" panose="05000000000000000000" pitchFamily="2" charset="2"/>
+              </a:rPr>
+              <a:t>Jelenleg nagyon sok konfigurációt igényel: </a:t>
+            </a:r>
+          </a:p>
+          <a:p>
+            <a:pPr lvl="2" algn="just"/>
+            <a:r>
+              <a:rPr lang="hu-HU" dirty="0" err="1" smtClean="0">
+                <a:sym typeface="Wingdings" panose="05000000000000000000" pitchFamily="2" charset="2"/>
+              </a:rPr>
+              <a:t>Google</a:t>
+            </a:r>
+            <a:r>
+              <a:rPr lang="hu-HU" dirty="0" smtClean="0">
+                <a:sym typeface="Wingdings" panose="05000000000000000000" pitchFamily="2" charset="2"/>
+              </a:rPr>
+              <a:t> </a:t>
+            </a:r>
+            <a:r>
+              <a:rPr lang="hu-HU" dirty="0" err="1" smtClean="0">
+                <a:sym typeface="Wingdings" panose="05000000000000000000" pitchFamily="2" charset="2"/>
+              </a:rPr>
+              <a:t>Developer</a:t>
+            </a:r>
+            <a:r>
+              <a:rPr lang="hu-HU" dirty="0" smtClean="0">
+                <a:sym typeface="Wingdings" panose="05000000000000000000" pitchFamily="2" charset="2"/>
+              </a:rPr>
+              <a:t> </a:t>
+            </a:r>
+            <a:r>
+              <a:rPr lang="hu-HU" dirty="0" err="1" smtClean="0">
+                <a:sym typeface="Wingdings" panose="05000000000000000000" pitchFamily="2" charset="2"/>
+              </a:rPr>
+              <a:t>Console</a:t>
+            </a:r>
+            <a:endParaRPr lang="hu-HU" dirty="0">
+              <a:sym typeface="Wingdings" panose="05000000000000000000" pitchFamily="2" charset="2"/>
+            </a:endParaRPr>
+          </a:p>
+          <a:p>
+            <a:pPr lvl="2" algn="just"/>
+            <a:r>
+              <a:rPr lang="hu-HU" dirty="0" err="1" smtClean="0">
+                <a:sym typeface="Wingdings" panose="05000000000000000000" pitchFamily="2" charset="2"/>
+              </a:rPr>
+              <a:t>Google</a:t>
+            </a:r>
+            <a:r>
+              <a:rPr lang="hu-HU" dirty="0" smtClean="0">
+                <a:sym typeface="Wingdings" panose="05000000000000000000" pitchFamily="2" charset="2"/>
+              </a:rPr>
+              <a:t> </a:t>
+            </a:r>
+            <a:r>
+              <a:rPr lang="hu-HU" dirty="0" err="1" smtClean="0">
+                <a:sym typeface="Wingdings" panose="05000000000000000000" pitchFamily="2" charset="2"/>
+              </a:rPr>
+              <a:t>Webmasters</a:t>
+            </a:r>
+            <a:r>
+              <a:rPr lang="hu-HU" dirty="0" smtClean="0">
+                <a:sym typeface="Wingdings" panose="05000000000000000000" pitchFamily="2" charset="2"/>
+              </a:rPr>
+              <a:t>,</a:t>
+            </a:r>
+          </a:p>
+          <a:p>
+            <a:pPr lvl="2" algn="just"/>
+            <a:r>
+              <a:rPr lang="hu-HU" dirty="0">
+                <a:sym typeface="Wingdings" panose="05000000000000000000" pitchFamily="2" charset="2"/>
+              </a:rPr>
+              <a:t>T</a:t>
+            </a:r>
+            <a:r>
+              <a:rPr lang="hu-HU" dirty="0" smtClean="0">
+                <a:sym typeface="Wingdings" panose="05000000000000000000" pitchFamily="2" charset="2"/>
+              </a:rPr>
+              <a:t>ovábbi konfigurációs fájlok (</a:t>
+            </a:r>
+            <a:r>
+              <a:rPr lang="hu-HU" dirty="0" err="1" smtClean="0">
+                <a:sym typeface="Wingdings" panose="05000000000000000000" pitchFamily="2" charset="2"/>
+              </a:rPr>
+              <a:t>manifest</a:t>
+            </a:r>
+            <a:r>
+              <a:rPr lang="hu-HU" dirty="0" smtClean="0">
+                <a:sym typeface="Wingdings" panose="05000000000000000000" pitchFamily="2" charset="2"/>
+              </a:rPr>
+              <a:t>), </a:t>
+            </a:r>
+            <a:r>
+              <a:rPr lang="hu-HU" dirty="0" err="1" smtClean="0">
+                <a:sym typeface="Wingdings" panose="05000000000000000000" pitchFamily="2" charset="2"/>
+              </a:rPr>
+              <a:t>javascript-ben</a:t>
+            </a:r>
+            <a:r>
+              <a:rPr lang="hu-HU" dirty="0" smtClean="0">
+                <a:sym typeface="Wingdings" panose="05000000000000000000" pitchFamily="2" charset="2"/>
+              </a:rPr>
+              <a:t> egyéb konfigurációs beállításokat át kell adni </a:t>
+            </a:r>
+          </a:p>
+          <a:p>
+            <a:pPr lvl="1" algn="just"/>
+            <a:r>
+              <a:rPr lang="hu-HU" sz="2200" dirty="0" smtClean="0">
+                <a:sym typeface="Wingdings" panose="05000000000000000000" pitchFamily="2" charset="2"/>
+              </a:rPr>
+              <a:t>A </a:t>
+            </a:r>
+            <a:r>
+              <a:rPr lang="hu-HU" sz="2200" dirty="0" err="1" smtClean="0">
+                <a:sym typeface="Wingdings" panose="05000000000000000000" pitchFamily="2" charset="2"/>
+              </a:rPr>
+              <a:t>Google</a:t>
+            </a:r>
+            <a:r>
+              <a:rPr lang="hu-HU" sz="2200" dirty="0" smtClean="0">
+                <a:sym typeface="Wingdings" panose="05000000000000000000" pitchFamily="2" charset="2"/>
+              </a:rPr>
+              <a:t> </a:t>
+            </a:r>
+            <a:r>
+              <a:rPr lang="hu-HU" sz="2200" dirty="0" err="1" smtClean="0">
+                <a:sym typeface="Wingdings" panose="05000000000000000000" pitchFamily="2" charset="2"/>
+              </a:rPr>
+              <a:t>API-t</a:t>
+            </a:r>
+            <a:r>
+              <a:rPr lang="hu-HU" sz="2200" dirty="0" smtClean="0">
+                <a:sym typeface="Wingdings" panose="05000000000000000000" pitchFamily="2" charset="2"/>
+              </a:rPr>
+              <a:t> és konfigurációs felületet most alakították át, így nagyon kevés naprakész dokumentáció. Beállítani nehéz, felhasználói élmény viszont jó!</a:t>
+            </a:r>
+          </a:p>
+          <a:p>
+            <a:pPr lvl="1" algn="just"/>
+            <a:endParaRPr lang="hu-HU" dirty="0" smtClean="0">
+              <a:sym typeface="Wingdings" panose="05000000000000000000" pitchFamily="2" charset="2"/>
+            </a:endParaRPr>
+          </a:p>
+          <a:p>
+            <a:pPr algn="just"/>
+            <a:endParaRPr lang="hu-HU" dirty="0" smtClean="0">
+              <a:sym typeface="Wingdings" panose="05000000000000000000" pitchFamily="2" charset="2"/>
+            </a:endParaRPr>
+          </a:p>
+          <a:p>
+            <a:pPr algn="just">
+              <a:buNone/>
+            </a:pPr>
+            <a:endParaRPr lang="hu-HU" dirty="0" smtClean="0">
+              <a:sym typeface="Wingdings" panose="05000000000000000000" pitchFamily="2" charset="2"/>
+            </a:endParaRPr>
+          </a:p>
+        </p:txBody>
+      </p:sp>
+      <p:sp>
+        <p:nvSpPr>
+          <p:cNvPr id="3" name="Dia számának helye 2"/>
+          <p:cNvSpPr>
+            <a:spLocks noGrp="1"/>
+          </p:cNvSpPr>
+          <p:nvPr>
+            <p:ph type="sldNum" sz="quarter" idx="12"/>
+          </p:nvPr>
+        </p:nvSpPr>
+        <p:spPr/>
+        <p:txBody>
+          <a:bodyPr/>
+          <a:lstStyle/>
+          <a:p>
+            <a:fld id="{629637A9-119A-49DA-BD12-AAC58B377D80}" type="slidenum">
+              <a:rPr lang="en-US" smtClean="0"/>
+              <a:pPr/>
+              <a:t>7</a:t>
+            </a:fld>
+            <a:endParaRPr lang="en-US" dirty="0"/>
+          </a:p>
+        </p:txBody>
+      </p:sp>
     </p:spTree>
-    <p:extLst>
-      <p:ext uri="{BB962C8B-B14F-4D97-AF65-F5344CB8AC3E}">
-        <p14:creationId xmlns:p14="http://schemas.microsoft.com/office/powerpoint/2010/main" xmlns="" val="1535034961"/>
-      </p:ext>
-    </p:extLst>
   </p:cSld>
   <p:clrMapOvr>
     <a:masterClrMapping/>
@@ -5332,14 +6841,220 @@
           <a:lstStyle/>
           <a:p>
             <a:r>
+              <a:rPr lang="hu-HU" dirty="0" err="1" smtClean="0"/>
+              <a:t>Google</a:t>
+            </a:r>
+            <a:r>
               <a:rPr lang="hu-HU" dirty="0" smtClean="0"/>
-              <a:t>LIVE DEMO?</a:t>
+              <a:t> Drive Integráció</a:t>
             </a:r>
             <a:endParaRPr lang="hu-HU" dirty="0"/>
           </a:p>
         </p:txBody>
       </p:sp>
+      <p:sp>
+        <p:nvSpPr>
+          <p:cNvPr id="3" name="Tartalom helye 2"/>
+          <p:cNvSpPr>
+            <a:spLocks noGrp="1"/>
+          </p:cNvSpPr>
+          <p:nvPr>
+            <p:ph idx="1"/>
+          </p:nvPr>
+        </p:nvSpPr>
+        <p:spPr>
+          <a:xfrm>
+            <a:off x="1041400" y="1845734"/>
+            <a:ext cx="5930899" cy="4023360"/>
+          </a:xfrm>
+        </p:spPr>
+        <p:txBody>
+          <a:bodyPr>
+            <a:normAutofit/>
+          </a:bodyPr>
+          <a:lstStyle/>
+          <a:p>
+            <a:pPr lvl="1" algn="just"/>
+            <a:r>
+              <a:rPr lang="hu-HU" sz="2200" dirty="0" smtClean="0">
+                <a:sym typeface="Wingdings" panose="05000000000000000000" pitchFamily="2" charset="2"/>
+              </a:rPr>
+              <a:t>Külön beállítás az alkalmazás </a:t>
+            </a:r>
+            <a:r>
+              <a:rPr lang="hu-HU" sz="2200" dirty="0" err="1" smtClean="0">
+                <a:sym typeface="Wingdings" panose="05000000000000000000" pitchFamily="2" charset="2"/>
+              </a:rPr>
+              <a:t>manifest</a:t>
+            </a:r>
+            <a:r>
+              <a:rPr lang="hu-HU" sz="2200" dirty="0" smtClean="0">
+                <a:sym typeface="Wingdings" panose="05000000000000000000" pitchFamily="2" charset="2"/>
+              </a:rPr>
+              <a:t> </a:t>
+            </a:r>
+            <a:r>
+              <a:rPr lang="hu-HU" sz="2200" dirty="0" smtClean="0">
+                <a:sym typeface="Wingdings" panose="05000000000000000000" pitchFamily="2" charset="2"/>
+              </a:rPr>
+              <a:t>fájljában</a:t>
+            </a:r>
+          </a:p>
+          <a:p>
+            <a:pPr lvl="1" algn="just"/>
+            <a:r>
+              <a:rPr lang="hu-HU" sz="2200" dirty="0" err="1" smtClean="0">
+                <a:sym typeface="Wingdings" panose="05000000000000000000" pitchFamily="2" charset="2"/>
+              </a:rPr>
+              <a:t>Google</a:t>
+            </a:r>
+            <a:r>
+              <a:rPr lang="hu-HU" sz="2200" dirty="0" smtClean="0">
+                <a:sym typeface="Wingdings" panose="05000000000000000000" pitchFamily="2" charset="2"/>
+              </a:rPr>
+              <a:t> </a:t>
+            </a:r>
+            <a:r>
+              <a:rPr lang="hu-HU" sz="2200" dirty="0" err="1" smtClean="0">
+                <a:sym typeface="Wingdings" panose="05000000000000000000" pitchFamily="2" charset="2"/>
+              </a:rPr>
+              <a:t>Developer</a:t>
+            </a:r>
+            <a:r>
+              <a:rPr lang="hu-HU" sz="2200" dirty="0" smtClean="0">
+                <a:sym typeface="Wingdings" panose="05000000000000000000" pitchFamily="2" charset="2"/>
+              </a:rPr>
+              <a:t> </a:t>
+            </a:r>
+            <a:r>
+              <a:rPr lang="hu-HU" sz="2200" dirty="0" err="1" smtClean="0">
+                <a:sym typeface="Wingdings" panose="05000000000000000000" pitchFamily="2" charset="2"/>
+              </a:rPr>
+              <a:t>Console-on</a:t>
+            </a:r>
+            <a:r>
+              <a:rPr lang="hu-HU" sz="2200" dirty="0" smtClean="0">
+                <a:sym typeface="Wingdings" panose="05000000000000000000" pitchFamily="2" charset="2"/>
+              </a:rPr>
+              <a:t> sok kiegészítő beállítás a jogosultságokról</a:t>
+            </a:r>
+            <a:endParaRPr lang="hu-HU" sz="2200" dirty="0" smtClean="0">
+              <a:sym typeface="Wingdings" panose="05000000000000000000" pitchFamily="2" charset="2"/>
+            </a:endParaRPr>
+          </a:p>
+          <a:p>
+            <a:pPr lvl="1" algn="just"/>
+            <a:r>
+              <a:rPr lang="hu-HU" sz="2200" dirty="0" smtClean="0">
+                <a:sym typeface="Wingdings" panose="05000000000000000000" pitchFamily="2" charset="2"/>
+              </a:rPr>
+              <a:t>A projekt fájl társítható az alkalmazáshoz </a:t>
+            </a:r>
+            <a:r>
+              <a:rPr lang="hu-HU" sz="2200" dirty="0" err="1" smtClean="0">
+                <a:sym typeface="Wingdings" panose="05000000000000000000" pitchFamily="2" charset="2"/>
+              </a:rPr>
+              <a:t>Google</a:t>
+            </a:r>
+            <a:r>
+              <a:rPr lang="hu-HU" sz="2200" dirty="0" smtClean="0">
+                <a:sym typeface="Wingdings" panose="05000000000000000000" pitchFamily="2" charset="2"/>
+              </a:rPr>
+              <a:t> Drive-on</a:t>
+            </a:r>
+            <a:endParaRPr lang="hu-HU" dirty="0" smtClean="0">
+              <a:sym typeface="Wingdings" panose="05000000000000000000" pitchFamily="2" charset="2"/>
+            </a:endParaRPr>
+          </a:p>
+          <a:p>
+            <a:pPr lvl="1" algn="just"/>
+            <a:r>
+              <a:rPr lang="hu-HU" sz="2200" dirty="0" smtClean="0">
+                <a:sym typeface="Wingdings" panose="05000000000000000000" pitchFamily="2" charset="2"/>
+              </a:rPr>
+              <a:t>Alapértelmezetten az alkalmazás fogja </a:t>
+            </a:r>
+            <a:r>
+              <a:rPr lang="hu-HU" sz="2200" dirty="0" smtClean="0">
+                <a:sym typeface="Wingdings" panose="05000000000000000000" pitchFamily="2" charset="2"/>
+              </a:rPr>
+              <a:t>megnyitni</a:t>
+            </a:r>
+          </a:p>
+          <a:p>
+            <a:pPr lvl="1" algn="just"/>
+            <a:r>
+              <a:rPr lang="hu-HU" sz="2200" dirty="0" smtClean="0">
+                <a:sym typeface="Wingdings" panose="05000000000000000000" pitchFamily="2" charset="2"/>
+              </a:rPr>
+              <a:t>Az alkalmazás egy saját szerverről fut, ahova átirányít a Drive és GET paraméterként átadja a fájl azonosítót, amely alapján az alkalmazás letöltheti az adatokat Drive-ról</a:t>
+            </a:r>
+            <a:endParaRPr lang="hu-HU" sz="2200" dirty="0" smtClean="0">
+              <a:sym typeface="Wingdings" panose="05000000000000000000" pitchFamily="2" charset="2"/>
+            </a:endParaRPr>
+          </a:p>
+        </p:txBody>
+      </p:sp>
+      <p:pic>
+        <p:nvPicPr>
+          <p:cNvPr id="4" name="Kép 3"/>
+          <p:cNvPicPr>
+            <a:picLocks noChangeAspect="1"/>
+          </p:cNvPicPr>
+          <p:nvPr/>
+        </p:nvPicPr>
+        <p:blipFill>
+          <a:blip r:embed="rId3">
+            <a:extLst>
+              <a:ext uri="{28A0092B-C50C-407E-A947-70E740481C1C}">
+                <a14:useLocalDpi xmlns:a14="http://schemas.microsoft.com/office/drawing/2010/main" val="0"/>
+              </a:ext>
+            </a:extLst>
+          </a:blip>
+          <a:stretch>
+            <a:fillRect/>
+          </a:stretch>
+        </p:blipFill>
+        <p:spPr>
+          <a:xfrm>
+            <a:off x="7108114" y="1845735"/>
+            <a:ext cx="4047566" cy="3154634"/>
+          </a:xfrm>
+          <a:prstGeom prst="rect">
+            <a:avLst/>
+          </a:prstGeom>
+        </p:spPr>
+      </p:pic>
+      <p:sp>
+        <p:nvSpPr>
+          <p:cNvPr id="5" name="Dia számának helye 4"/>
+          <p:cNvSpPr>
+            <a:spLocks noGrp="1"/>
+          </p:cNvSpPr>
+          <p:nvPr>
+            <p:ph type="sldNum" sz="quarter" idx="12"/>
+          </p:nvPr>
+        </p:nvSpPr>
+        <p:spPr/>
+        <p:txBody>
+          <a:bodyPr/>
+          <a:lstStyle/>
+          <a:p>
+            <a:fld id="{629637A9-119A-49DA-BD12-AAC58B377D80}" type="slidenum">
+              <a:rPr lang="en-US" smtClean="0"/>
+              <a:pPr/>
+              <a:t>8</a:t>
+            </a:fld>
+            <a:endParaRPr lang="en-US" dirty="0"/>
+          </a:p>
+        </p:txBody>
+      </p:sp>
     </p:spTree>
+    <p:extLst>
+      <p:ext uri="{BB962C8B-B14F-4D97-AF65-F5344CB8AC3E}">
+        <p14:creationId xmlns:p14="http://schemas.microsoft.com/office/powerpoint/2010/main" val="1535034961"/>
+      </p:ext>
+    </p:extLst>
   </p:cSld>
   <p:clrMapOvr>
     <a:masterClrMapping/>
@@ -5402,7 +7117,89 @@
           <a:bodyPr/>
           <a:lstStyle/>
           <a:p>
+            <a:pPr lvl="1">
+              <a:lnSpc>
+                <a:spcPct val="150000"/>
+              </a:lnSpc>
+              <a:buFont typeface="Courier New" panose="02070309020205020404" pitchFamily="49" charset="0"/>
+              <a:buChar char="o"/>
+            </a:pPr>
+            <a:r>
+              <a:rPr lang="hu-HU" sz="2200" dirty="0" smtClean="0"/>
+              <a:t>További projekt költségvetés számítási lehetőségek hozzáadása</a:t>
+            </a:r>
+          </a:p>
+          <a:p>
+            <a:pPr lvl="1">
+              <a:lnSpc>
+                <a:spcPct val="150000"/>
+              </a:lnSpc>
+              <a:buFont typeface="Courier New" panose="02070309020205020404" pitchFamily="49" charset="0"/>
+              <a:buChar char="o"/>
+            </a:pPr>
+            <a:r>
+              <a:rPr lang="hu-HU" sz="2200" dirty="0" smtClean="0"/>
+              <a:t>Komplexebb becslések és kimutatások készítése</a:t>
+            </a:r>
+          </a:p>
+          <a:p>
+            <a:pPr lvl="1">
+              <a:lnSpc>
+                <a:spcPct val="150000"/>
+              </a:lnSpc>
+              <a:buFont typeface="Courier New" panose="02070309020205020404" pitchFamily="49" charset="0"/>
+              <a:buChar char="o"/>
+            </a:pPr>
+            <a:r>
+              <a:rPr lang="hu-HU" sz="2200" dirty="0" err="1" smtClean="0"/>
+              <a:t>Reszponzív</a:t>
+            </a:r>
+            <a:r>
+              <a:rPr lang="hu-HU" sz="2200" dirty="0" smtClean="0"/>
+              <a:t> mobil nézet: jelenleg csak közepes és nagy felbontásra (</a:t>
+            </a:r>
+            <a:r>
+              <a:rPr lang="hu-HU" sz="2200" dirty="0" err="1" smtClean="0"/>
+              <a:t>gant-chart</a:t>
+            </a:r>
+            <a:r>
+              <a:rPr lang="hu-HU" sz="2200" dirty="0" smtClean="0"/>
+              <a:t> átalakítását igényelné)</a:t>
+            </a:r>
+          </a:p>
+          <a:p>
+            <a:pPr lvl="1">
+              <a:buFont typeface="Courier New" panose="02070309020205020404" pitchFamily="49" charset="0"/>
+              <a:buChar char="o"/>
+            </a:pPr>
+            <a:endParaRPr lang="hu-HU" dirty="0" smtClean="0"/>
+          </a:p>
+          <a:p>
             <a:endParaRPr lang="hu-HU" dirty="0"/>
+          </a:p>
+        </p:txBody>
+      </p:sp>
+      <p:sp>
+        <p:nvSpPr>
+          <p:cNvPr id="4" name="Dia számának helye 3"/>
+          <p:cNvSpPr>
+            <a:spLocks noGrp="1"/>
+          </p:cNvSpPr>
+          <p:nvPr>
+            <p:ph type="sldNum" sz="quarter" idx="12"/>
+          </p:nvPr>
+        </p:nvSpPr>
+        <p:spPr/>
+        <p:txBody>
+          <a:bodyPr/>
+          <a:lstStyle/>
+          <a:p>
+            <a:fld id="{629637A9-119A-49DA-BD12-AAC58B377D80}" type="slidenum">
+              <a:rPr lang="en-US" smtClean="0"/>
+              <a:pPr/>
+              <a:t>9</a:t>
+            </a:fld>
+            <a:endParaRPr lang="en-US" dirty="0"/>
           </a:p>
         </p:txBody>
       </p:sp>
@@ -5691,7 +7488,7 @@
   <a:extraClrSchemeLst/>
   <a:extLst>
     <a:ext uri="{05A4C25C-085E-4340-85A3-A5531E510DB2}">
-      <thm15:themeFamily xmlns:thm15="http://schemas.microsoft.com/office/thememl/2012/main" xmlns="" name="Retrospect" id="{5F128B03-DCCA-4EEB-AB3B-CF2899314A46}" vid="{D26EA377-59BD-4C9C-9D94-EE8416EE4C79}"/>
+      <thm15:themeFamily xmlns:thm15="http://schemas.microsoft.com/office/thememl/2012/main" name="Retrospect" id="{5F128B03-DCCA-4EEB-AB3B-CF2899314A46}" vid="{D26EA377-59BD-4C9C-9D94-EE8416EE4C79}"/>
     </a:ext>
   </a:extLst>
 </a:theme>

--- a/specification/prezentacio_v01.pptx
+++ b/specification/prezentacio_v01.pptx
@@ -217,7 +217,7 @@
           <a:p>
             <a:fld id="{E30D8ADC-AE49-42B8-9769-B6B926F43AA5}" type="datetimeFigureOut">
               <a:rPr lang="hu-HU" smtClean="0"/>
-              <a:t>2015. 12. 02.</a:t>
+              <a:t>2015. 12. 03.</a:t>
             </a:fld>
             <a:endParaRPr lang="hu-HU"/>
           </a:p>
@@ -612,19 +612,9 @@
         </p:nvSpPr>
         <p:spPr/>
         <p:txBody>
-          <a:bodyPr>
-            <a:normAutofit/>
-          </a:bodyPr>
-          <a:lstStyle/>
-          <a:p>
-            <a:r>
-              <a:rPr lang="hu-HU" dirty="0" smtClean="0"/>
-              <a:t>Sorrendet megcseréltem : első</a:t>
-            </a:r>
-            <a:r>
-              <a:rPr lang="hu-HU" baseline="0" dirty="0" smtClean="0"/>
-              <a:t> kettő bekezdés a tied lesz kifejteni, második kettő az enyém</a:t>
-            </a:r>
+          <a:bodyPr/>
+          <a:lstStyle/>
+          <a:p>
             <a:endParaRPr lang="hu-HU" dirty="0"/>
           </a:p>
         </p:txBody>
@@ -646,7 +636,7 @@
           <a:p>
             <a:fld id="{03B91F55-2511-41A7-900B-A176D00A7461}" type="slidenum">
               <a:rPr lang="hu-HU" smtClean="0"/>
-              <a:t>3</a:t>
+              <a:t>2</a:t>
             </a:fld>
             <a:endParaRPr lang="hu-HU"/>
           </a:p>
@@ -655,7 +645,7 @@
     </p:spTree>
     <p:extLst>
       <p:ext uri="{BB962C8B-B14F-4D97-AF65-F5344CB8AC3E}">
-        <p14:creationId xmlns:p14="http://schemas.microsoft.com/office/powerpoint/2010/main" val="2363664888"/>
+        <p14:creationId xmlns:p14="http://schemas.microsoft.com/office/powerpoint/2010/main" val="3679939107"/>
       </p:ext>
     </p:extLst>
   </p:cSld>
@@ -740,7 +730,7 @@
           <a:p>
             <a:fld id="{03B91F55-2511-41A7-900B-A176D00A7461}" type="slidenum">
               <a:rPr lang="hu-HU" smtClean="0"/>
-              <a:t>4</a:t>
+              <a:t>3</a:t>
             </a:fld>
             <a:endParaRPr lang="hu-HU"/>
           </a:p>
@@ -749,7 +739,7 @@
     </p:spTree>
     <p:extLst>
       <p:ext uri="{BB962C8B-B14F-4D97-AF65-F5344CB8AC3E}">
-        <p14:creationId xmlns:p14="http://schemas.microsoft.com/office/powerpoint/2010/main" val="1516343418"/>
+        <p14:creationId xmlns:p14="http://schemas.microsoft.com/office/powerpoint/2010/main" val="2363664888"/>
       </p:ext>
     </p:extLst>
   </p:cSld>
@@ -800,9 +790,19 @@
         </p:nvSpPr>
         <p:spPr/>
         <p:txBody>
-          <a:bodyPr/>
-          <a:lstStyle/>
-          <a:p>
+          <a:bodyPr>
+            <a:normAutofit/>
+          </a:bodyPr>
+          <a:lstStyle/>
+          <a:p>
+            <a:r>
+              <a:rPr lang="hu-HU" dirty="0" smtClean="0"/>
+              <a:t>Sorrendet megcseréltem : első</a:t>
+            </a:r>
+            <a:r>
+              <a:rPr lang="hu-HU" baseline="0" dirty="0" smtClean="0"/>
+              <a:t> kettő bekezdés a tied lesz kifejteni, második kettő az enyém</a:t>
+            </a:r>
             <a:endParaRPr lang="hu-HU" dirty="0"/>
           </a:p>
         </p:txBody>
@@ -824,7 +824,7 @@
           <a:p>
             <a:fld id="{03B91F55-2511-41A7-900B-A176D00A7461}" type="slidenum">
               <a:rPr lang="hu-HU" smtClean="0"/>
-              <a:t>5</a:t>
+              <a:t>4</a:t>
             </a:fld>
             <a:endParaRPr lang="hu-HU"/>
           </a:p>
@@ -833,7 +833,7 @@
     </p:spTree>
     <p:extLst>
       <p:ext uri="{BB962C8B-B14F-4D97-AF65-F5344CB8AC3E}">
-        <p14:creationId xmlns:p14="http://schemas.microsoft.com/office/powerpoint/2010/main" val="3894552920"/>
+        <p14:creationId xmlns:p14="http://schemas.microsoft.com/office/powerpoint/2010/main" val="1516343418"/>
       </p:ext>
     </p:extLst>
   </p:cSld>
@@ -908,6 +908,90 @@
           <a:p>
             <a:fld id="{03B91F55-2511-41A7-900B-A176D00A7461}" type="slidenum">
               <a:rPr lang="hu-HU" smtClean="0"/>
+              <a:t>5</a:t>
+            </a:fld>
+            <a:endParaRPr lang="hu-HU"/>
+          </a:p>
+        </p:txBody>
+      </p:sp>
+    </p:spTree>
+    <p:extLst>
+      <p:ext uri="{BB962C8B-B14F-4D97-AF65-F5344CB8AC3E}">
+        <p14:creationId xmlns:p14="http://schemas.microsoft.com/office/powerpoint/2010/main" val="3894552920"/>
+      </p:ext>
+    </p:extLst>
+  </p:cSld>
+  <p:clrMapOvr>
+    <a:masterClrMapping/>
+  </p:clrMapOvr>
+</p:notes>
+</file>
+
+<file path=ppt/notesSlides/notesSlide6.xml><?xml version="1.0" encoding="utf-8"?>
+<p:notes xmlns:a="http://schemas.openxmlformats.org/drawingml/2006/main" xmlns:r="http://schemas.openxmlformats.org/officeDocument/2006/relationships" xmlns:p="http://schemas.openxmlformats.org/presentationml/2006/main">
+  <p:cSld>
+    <p:spTree>
+      <p:nvGrpSpPr>
+        <p:cNvPr id="1" name=""/>
+        <p:cNvGrpSpPr/>
+        <p:nvPr/>
+      </p:nvGrpSpPr>
+      <p:grpSpPr>
+        <a:xfrm>
+          <a:off x="0" y="0"/>
+          <a:ext cx="0" cy="0"/>
+          <a:chOff x="0" y="0"/>
+          <a:chExt cx="0" cy="0"/>
+        </a:xfrm>
+      </p:grpSpPr>
+      <p:sp>
+        <p:nvSpPr>
+          <p:cNvPr id="2" name="Diakép helye 1"/>
+          <p:cNvSpPr>
+            <a:spLocks noGrp="1" noRot="1" noChangeAspect="1"/>
+          </p:cNvSpPr>
+          <p:nvPr>
+            <p:ph type="sldImg"/>
+          </p:nvPr>
+        </p:nvSpPr>
+        <p:spPr/>
+      </p:sp>
+      <p:sp>
+        <p:nvSpPr>
+          <p:cNvPr id="3" name="Jegyzetek helye 2"/>
+          <p:cNvSpPr>
+            <a:spLocks noGrp="1"/>
+          </p:cNvSpPr>
+          <p:nvPr>
+            <p:ph type="body" idx="1"/>
+          </p:nvPr>
+        </p:nvSpPr>
+        <p:spPr/>
+        <p:txBody>
+          <a:bodyPr/>
+          <a:lstStyle/>
+          <a:p>
+            <a:endParaRPr lang="hu-HU" dirty="0"/>
+          </a:p>
+        </p:txBody>
+      </p:sp>
+      <p:sp>
+        <p:nvSpPr>
+          <p:cNvPr id="4" name="Dia számának helye 3"/>
+          <p:cNvSpPr>
+            <a:spLocks noGrp="1"/>
+          </p:cNvSpPr>
+          <p:nvPr>
+            <p:ph type="sldNum" sz="quarter" idx="10"/>
+          </p:nvPr>
+        </p:nvSpPr>
+        <p:spPr/>
+        <p:txBody>
+          <a:bodyPr/>
+          <a:lstStyle/>
+          <a:p>
+            <a:fld id="{03B91F55-2511-41A7-900B-A176D00A7461}" type="slidenum">
+              <a:rPr lang="hu-HU" smtClean="0"/>
               <a:t>6</a:t>
             </a:fld>
             <a:endParaRPr lang="hu-HU"/>
@@ -927,7 +1011,7 @@
 </p:notes>
 </file>
 
-<file path=ppt/notesSlides/notesSlide6.xml><?xml version="1.0" encoding="utf-8"?>
+<file path=ppt/notesSlides/notesSlide7.xml><?xml version="1.0" encoding="utf-8"?>
 <p:notes xmlns:a="http://schemas.openxmlformats.org/drawingml/2006/main" xmlns:r="http://schemas.openxmlformats.org/officeDocument/2006/relationships" xmlns:p="http://schemas.openxmlformats.org/presentationml/2006/main">
   <p:cSld>
     <p:spTree>
@@ -1235,9 +1319,9 @@
           <a:bodyPr/>
           <a:lstStyle/>
           <a:p>
-            <a:fld id="{ADFBBA80-E8A8-43A1-B002-89299E58D53F}" type="datetime1">
+            <a:fld id="{76104326-A15A-45D2-9085-89C07A191685}" type="datetime1">
               <a:rPr lang="en-US" smtClean="0"/>
-              <a:t>12/2/2015</a:t>
+              <a:t>12/3/2015</a:t>
             </a:fld>
             <a:endParaRPr lang="en-US" dirty="0"/>
           </a:p>
@@ -1258,6 +1342,10 @@
           <a:bodyPr/>
           <a:lstStyle/>
           <a:p>
+            <a:r>
+              <a:rPr lang="en-US" smtClean="0"/>
+              <a:t>Online Projekt Management - Turcsán Csaba, Valyon Balázs</a:t>
+            </a:r>
             <a:endParaRPr lang="en-US" dirty="0"/>
           </a:p>
         </p:txBody>
@@ -1439,9 +1527,9 @@
           <a:bodyPr/>
           <a:lstStyle/>
           <a:p>
-            <a:fld id="{D7F812C5-F871-4FA6-BD96-F10D5F197F77}" type="datetime1">
+            <a:fld id="{3C7BCA25-09B9-4F0A-9C24-198A934AFBC6}" type="datetime1">
               <a:rPr lang="en-US" smtClean="0"/>
-              <a:t>12/2/2015</a:t>
+              <a:t>12/3/2015</a:t>
             </a:fld>
             <a:endParaRPr lang="en-US" dirty="0"/>
           </a:p>
@@ -1462,6 +1550,10 @@
           <a:bodyPr/>
           <a:lstStyle/>
           <a:p>
+            <a:r>
+              <a:rPr lang="en-US" smtClean="0"/>
+              <a:t>Online Projekt Management - Turcsán Csaba, Valyon Balázs</a:t>
+            </a:r>
             <a:endParaRPr lang="en-US" dirty="0"/>
           </a:p>
         </p:txBody>
@@ -1691,9 +1783,9 @@
           <a:bodyPr/>
           <a:lstStyle/>
           <a:p>
-            <a:fld id="{1AABF92B-74F3-45A6-9539-A42777F4249E}" type="datetime1">
+            <a:fld id="{99943AB2-74ED-41E8-B025-91CECFDBFED3}" type="datetime1">
               <a:rPr lang="en-US" smtClean="0"/>
-              <a:t>12/2/2015</a:t>
+              <a:t>12/3/2015</a:t>
             </a:fld>
             <a:endParaRPr lang="en-US" dirty="0"/>
           </a:p>
@@ -1714,6 +1806,10 @@
           <a:bodyPr/>
           <a:lstStyle/>
           <a:p>
+            <a:r>
+              <a:rPr lang="en-US" smtClean="0"/>
+              <a:t>Online Projekt Management - Turcsán Csaba, Valyon Balázs</a:t>
+            </a:r>
             <a:endParaRPr lang="en-US" dirty="0"/>
           </a:p>
         </p:txBody>
@@ -1857,9 +1953,9 @@
           <a:bodyPr/>
           <a:lstStyle/>
           <a:p>
-            <a:fld id="{FE50CB6E-1EBE-4D0C-AE29-1D25E6148816}" type="datetime1">
+            <a:fld id="{C63272B5-BC31-496B-8D20-8E74245151B6}" type="datetime1">
               <a:rPr lang="en-US" smtClean="0"/>
-              <a:t>12/2/2015</a:t>
+              <a:t>12/3/2015</a:t>
             </a:fld>
             <a:endParaRPr lang="en-US" dirty="0"/>
           </a:p>
@@ -1880,6 +1976,10 @@
           <a:bodyPr/>
           <a:lstStyle/>
           <a:p>
+            <a:r>
+              <a:rPr lang="en-US" smtClean="0"/>
+              <a:t>Online Projekt Management - Turcsán Csaba, Valyon Balázs</a:t>
+            </a:r>
             <a:endParaRPr lang="en-US" dirty="0"/>
           </a:p>
         </p:txBody>
@@ -2196,9 +2296,9 @@
           <a:bodyPr/>
           <a:lstStyle/>
           <a:p>
-            <a:fld id="{9A0CAC44-A66E-4907-843A-9E3C6D2B6117}" type="datetime1">
+            <a:fld id="{D8E3F7FA-03BD-40D7-82E7-FF9D68E9F59A}" type="datetime1">
               <a:rPr lang="en-US" smtClean="0"/>
-              <a:t>12/2/2015</a:t>
+              <a:t>12/3/2015</a:t>
             </a:fld>
             <a:endParaRPr lang="en-US" dirty="0"/>
           </a:p>
@@ -2219,6 +2319,10 @@
           <a:bodyPr/>
           <a:lstStyle/>
           <a:p>
+            <a:r>
+              <a:rPr lang="en-US" smtClean="0"/>
+              <a:t>Online Projekt Management - Turcsán Csaba, Valyon Balázs</a:t>
+            </a:r>
             <a:endParaRPr lang="en-US" dirty="0"/>
           </a:p>
         </p:txBody>
@@ -2467,9 +2571,9 @@
           <a:bodyPr/>
           <a:lstStyle/>
           <a:p>
-            <a:fld id="{DEB6C946-3EED-48AA-823E-7C8641D1868F}" type="datetime1">
+            <a:fld id="{DDE72E62-3562-4F1D-B3C1-8AF7409F065F}" type="datetime1">
               <a:rPr lang="en-US" smtClean="0"/>
-              <a:t>12/2/2015</a:t>
+              <a:t>12/3/2015</a:t>
             </a:fld>
             <a:endParaRPr lang="en-US" dirty="0"/>
           </a:p>
@@ -2490,6 +2594,10 @@
           <a:bodyPr/>
           <a:lstStyle/>
           <a:p>
+            <a:r>
+              <a:rPr lang="en-US" smtClean="0"/>
+              <a:t>Online Projekt Management - Turcsán Csaba, Valyon Balázs</a:t>
+            </a:r>
             <a:endParaRPr lang="en-US" dirty="0"/>
           </a:p>
         </p:txBody>
@@ -2842,9 +2950,9 @@
           <a:bodyPr/>
           <a:lstStyle/>
           <a:p>
-            <a:fld id="{9A5A0BF5-9D2E-4DE0-817B-117AE3192D7F}" type="datetime1">
+            <a:fld id="{E76E6980-5A65-47C4-B3C0-241201D956ED}" type="datetime1">
               <a:rPr lang="en-US" smtClean="0"/>
-              <a:t>12/2/2015</a:t>
+              <a:t>12/3/2015</a:t>
             </a:fld>
             <a:endParaRPr lang="en-US" dirty="0"/>
           </a:p>
@@ -2865,6 +2973,10 @@
           <a:bodyPr/>
           <a:lstStyle/>
           <a:p>
+            <a:r>
+              <a:rPr lang="en-US" smtClean="0"/>
+              <a:t>Online Projekt Management - Turcsán Csaba, Valyon Balázs</a:t>
+            </a:r>
             <a:endParaRPr lang="en-US" dirty="0"/>
           </a:p>
         </p:txBody>
@@ -2956,9 +3068,9 @@
           <a:bodyPr/>
           <a:lstStyle/>
           <a:p>
-            <a:fld id="{9AA39F26-6F96-46AA-97C1-98FB4D7EE997}" type="datetime1">
+            <a:fld id="{F03923A5-3B7B-4561-8DB0-7889E66546BF}" type="datetime1">
               <a:rPr lang="en-US" smtClean="0"/>
-              <a:t>12/2/2015</a:t>
+              <a:t>12/3/2015</a:t>
             </a:fld>
             <a:endParaRPr lang="en-US" dirty="0"/>
           </a:p>
@@ -2979,6 +3091,10 @@
           <a:bodyPr/>
           <a:lstStyle/>
           <a:p>
+            <a:r>
+              <a:rPr lang="en-US" smtClean="0"/>
+              <a:t>Online Projekt Management - Turcsán Csaba, Valyon Balázs</a:t>
+            </a:r>
             <a:endParaRPr lang="en-US" dirty="0"/>
           </a:p>
         </p:txBody>
@@ -3123,9 +3239,9 @@
           <a:bodyPr/>
           <a:lstStyle/>
           <a:p>
-            <a:fld id="{5CFED75F-524E-4CD1-B3DA-2AF62468F007}" type="datetime1">
+            <a:fld id="{1528ED7A-9553-435C-82B4-826585E2C2BC}" type="datetime1">
               <a:rPr lang="en-US" smtClean="0"/>
-              <a:t>12/2/2015</a:t>
+              <a:t>12/3/2015</a:t>
             </a:fld>
             <a:endParaRPr lang="en-US" dirty="0"/>
           </a:p>
@@ -3154,6 +3270,10 @@
             </a:lvl1pPr>
           </a:lstStyle>
           <a:p>
+            <a:r>
+              <a:rPr lang="en-US" smtClean="0"/>
+              <a:t>Online Projekt Management - Turcsán Csaba, Valyon Balázs</a:t>
+            </a:r>
             <a:endParaRPr lang="en-US" dirty="0"/>
           </a:p>
         </p:txBody>
@@ -3473,9 +3593,9 @@
             </a:lvl1pPr>
           </a:lstStyle>
           <a:p>
-            <a:fld id="{4188E799-72BD-4036-8521-AB1422015E63}" type="datetime1">
+            <a:fld id="{13578ED8-9EF8-4FC4-823C-0D9CE8A9762A}" type="datetime1">
               <a:rPr lang="en-US" smtClean="0"/>
-              <a:t>12/2/2015</a:t>
+              <a:t>12/3/2015</a:t>
             </a:fld>
             <a:endParaRPr lang="en-US" dirty="0"/>
           </a:p>
@@ -3509,6 +3629,10 @@
             </a:lvl1pPr>
           </a:lstStyle>
           <a:p>
+            <a:r>
+              <a:rPr lang="en-US" smtClean="0"/>
+              <a:t>Online Projekt Management - Turcsán Csaba, Valyon Balázs</a:t>
+            </a:r>
             <a:endParaRPr lang="en-US" dirty="0"/>
           </a:p>
         </p:txBody>
@@ -3846,9 +3970,9 @@
           <a:bodyPr/>
           <a:lstStyle/>
           <a:p>
-            <a:fld id="{6E6DD26B-3C46-4D4A-8C55-D7B3E2A5A7AC}" type="datetime1">
+            <a:fld id="{3F35ADA6-96E4-4C79-891B-E2341617D898}" type="datetime1">
               <a:rPr lang="en-US" smtClean="0"/>
-              <a:t>12/2/2015</a:t>
+              <a:t>12/3/2015</a:t>
             </a:fld>
             <a:endParaRPr lang="en-US" dirty="0"/>
           </a:p>
@@ -3869,6 +3993,10 @@
           <a:bodyPr/>
           <a:lstStyle/>
           <a:p>
+            <a:r>
+              <a:rPr lang="en-US" smtClean="0"/>
+              <a:t>Online Projekt Management - Turcsán Csaba, Valyon Balázs</a:t>
+            </a:r>
             <a:endParaRPr lang="en-US" dirty="0"/>
           </a:p>
         </p:txBody>
@@ -4129,9 +4257,9 @@
             </a:lvl1pPr>
           </a:lstStyle>
           <a:p>
-            <a:fld id="{9D6625F0-C52F-4A0D-89B9-6AFCABAB72C7}" type="datetime1">
+            <a:fld id="{E4789971-A914-4738-8901-A785D4408FA3}" type="datetime1">
               <a:rPr lang="en-US" smtClean="0"/>
-              <a:t>12/2/2015</a:t>
+              <a:t>12/3/2015</a:t>
             </a:fld>
             <a:endParaRPr lang="en-US" dirty="0"/>
           </a:p>
@@ -4168,6 +4296,10 @@
             </a:lvl1pPr>
           </a:lstStyle>
           <a:p>
+            <a:r>
+              <a:rPr lang="en-US" smtClean="0"/>
+              <a:t>Online Projekt Management - Turcsán Csaba, Valyon Balázs</a:t>
+            </a:r>
             <a:endParaRPr lang="en-US" dirty="0"/>
           </a:p>
         </p:txBody>
@@ -4266,7 +4398,7 @@
     <p:sldLayoutId id="2147483658" r:id="rId10"/>
     <p:sldLayoutId id="2147483659" r:id="rId11"/>
   </p:sldLayoutIdLst>
-  <p:hf hdr="0" ftr="0" dt="0"/>
+  <p:hf hdr="0" dt="0"/>
   <p:txStyles>
     <p:titleStyle>
       <a:lvl1pPr algn="l" defTabSz="914400" rtl="0" eaLnBrk="1" latinLnBrk="0" hangingPunct="1">
@@ -4785,9 +4917,10 @@
           <a:bodyPr/>
           <a:lstStyle/>
           <a:p>
+            <a:pPr algn="ctr"/>
             <a:r>
               <a:rPr lang="hu-HU" dirty="0" smtClean="0"/>
-              <a:t>LIVE DEMO?</a:t>
+              <a:t>Kérdések?</a:t>
             </a:r>
             <a:endParaRPr lang="hu-HU" dirty="0"/>
           </a:p>
@@ -4795,7 +4928,67 @@
       </p:sp>
       <p:sp>
         <p:nvSpPr>
-          <p:cNvPr id="3" name="Dia számának helye 2"/>
+          <p:cNvPr id="4" name="Tartalom helye 2"/>
+          <p:cNvSpPr>
+            <a:spLocks noGrp="1"/>
+          </p:cNvSpPr>
+          <p:nvPr>
+            <p:ph idx="1"/>
+          </p:nvPr>
+        </p:nvSpPr>
+        <p:spPr>
+          <a:xfrm>
+            <a:off x="1097280" y="1845734"/>
+            <a:ext cx="10058400" cy="4023360"/>
+          </a:xfrm>
+        </p:spPr>
+        <p:txBody>
+          <a:bodyPr/>
+          <a:lstStyle/>
+          <a:p>
+            <a:pPr marL="201168" lvl="1" indent="0" algn="ctr">
+              <a:lnSpc>
+                <a:spcPct val="300000"/>
+              </a:lnSpc>
+              <a:buNone/>
+            </a:pPr>
+            <a:r>
+              <a:rPr lang="hu-HU" sz="2600" dirty="0" smtClean="0"/>
+              <a:t>Köszönjük a figyelmet!</a:t>
+            </a:r>
+            <a:endParaRPr lang="hu-HU" sz="2600" dirty="0" smtClean="0"/>
+          </a:p>
+          <a:p>
+            <a:endParaRPr lang="hu-HU" dirty="0"/>
+          </a:p>
+        </p:txBody>
+      </p:sp>
+      <p:sp>
+        <p:nvSpPr>
+          <p:cNvPr id="5" name="Élőláb helye 4"/>
+          <p:cNvSpPr>
+            <a:spLocks noGrp="1"/>
+          </p:cNvSpPr>
+          <p:nvPr>
+            <p:ph type="ftr" sz="quarter" idx="11"/>
+          </p:nvPr>
+        </p:nvSpPr>
+        <p:spPr/>
+        <p:txBody>
+          <a:bodyPr/>
+          <a:lstStyle/>
+          <a:p>
+            <a:r>
+              <a:rPr lang="en-US" smtClean="0"/>
+              <a:t>Online Projekt Management - Turcsán Csaba, Valyon Balázs</a:t>
+            </a:r>
+            <a:endParaRPr lang="en-US" dirty="0"/>
+          </a:p>
+        </p:txBody>
+      </p:sp>
+      <p:sp>
+        <p:nvSpPr>
+          <p:cNvPr id="6" name="Dia számának helye 5"/>
           <p:cNvSpPr>
             <a:spLocks noGrp="1"/>
           </p:cNvSpPr>
@@ -4859,7 +5052,7 @@
           <a:p>
             <a:r>
               <a:rPr lang="hu-HU" dirty="0" smtClean="0"/>
-              <a:t>Eredeti probléma</a:t>
+              <a:t>Eredeti kihívás</a:t>
             </a:r>
             <a:endParaRPr lang="hu-HU" dirty="0"/>
           </a:p>
@@ -4913,8 +5106,13 @@
             </a:pPr>
             <a:r>
               <a:rPr lang="hu-HU" sz="2400" dirty="0" smtClean="0"/>
-              <a:t>Lokálisan tárolt adatfájlok, manuálisan el kell küldeni mindig</a:t>
-            </a:r>
+              <a:t>Lokálisan tárolt adatfájlok, manuálisan el kell küldeni </a:t>
+            </a:r>
+            <a:r>
+              <a:rPr lang="hu-HU" sz="2400" dirty="0" smtClean="0"/>
+              <a:t>mindig, több lépéses megosztás</a:t>
+            </a:r>
+            <a:endParaRPr lang="hu-HU" sz="2400" dirty="0" smtClean="0"/>
           </a:p>
           <a:p>
             <a:pPr lvl="1" algn="just">
@@ -4941,8 +5139,17 @@
               <a:rPr lang="hu-HU" sz="2400" dirty="0" smtClean="0">
                 <a:sym typeface="Wingdings" panose="05000000000000000000" pitchFamily="2" charset="2"/>
               </a:rPr>
-              <a:t>Microsoft Excel vagy Open Office szükséges kliens gépen, minden platformon</a:t>
-            </a:r>
+              <a:t>Microsoft Excel vagy Open Office szükséges kliens gépen, minden </a:t>
+            </a:r>
+            <a:r>
+              <a:rPr lang="hu-HU" sz="2400" dirty="0" smtClean="0">
+                <a:sym typeface="Wingdings" panose="05000000000000000000" pitchFamily="2" charset="2"/>
+              </a:rPr>
+              <a:t>platformon, külön kell telepíteni</a:t>
+            </a:r>
+            <a:endParaRPr lang="hu-HU" sz="2400" dirty="0" smtClean="0">
+              <a:sym typeface="Wingdings" panose="05000000000000000000" pitchFamily="2" charset="2"/>
+            </a:endParaRPr>
           </a:p>
           <a:p>
             <a:pPr lvl="1"/>
@@ -4961,7 +5168,7 @@
           <p:nvPr/>
         </p:nvPicPr>
         <p:blipFill>
-          <a:blip r:embed="rId2">
+          <a:blip r:embed="rId3">
             <a:extLst>
               <a:ext uri="{28A0092B-C50C-407E-A947-70E740481C1C}">
                 <a14:useLocalDpi xmlns:a14="http://schemas.microsoft.com/office/drawing/2010/main" val="0"/>
@@ -4984,7 +5191,30 @@
       </p:pic>
       <p:sp>
         <p:nvSpPr>
-          <p:cNvPr id="5" name="Dia számának helye 4"/>
+          <p:cNvPr id="6" name="Élőláb helye 5"/>
+          <p:cNvSpPr>
+            <a:spLocks noGrp="1"/>
+          </p:cNvSpPr>
+          <p:nvPr>
+            <p:ph type="ftr" sz="quarter" idx="11"/>
+          </p:nvPr>
+        </p:nvSpPr>
+        <p:spPr/>
+        <p:txBody>
+          <a:bodyPr/>
+          <a:lstStyle/>
+          <a:p>
+            <a:r>
+              <a:rPr lang="en-US" smtClean="0"/>
+              <a:t>Online Projekt Management - Turcsán Csaba, Valyon Balázs</a:t>
+            </a:r>
+            <a:endParaRPr lang="en-US" dirty="0"/>
+          </a:p>
+        </p:txBody>
+      </p:sp>
+      <p:sp>
+        <p:nvSpPr>
+          <p:cNvPr id="7" name="Dia számának helye 6"/>
           <p:cNvSpPr>
             <a:spLocks noGrp="1"/>
           </p:cNvSpPr>
@@ -5055,7 +5285,11 @@
               <a:rPr lang="hu-HU" dirty="0" smtClean="0"/>
               <a:t>Megoldás</a:t>
             </a:r>
-            <a:endParaRPr lang="hu-HU" dirty="0"/>
+            <a:r>
+              <a:rPr lang="hu-HU" baseline="-25000" dirty="0" smtClean="0"/>
+              <a:t>1</a:t>
+            </a:r>
+            <a:endParaRPr lang="hu-HU" baseline="-25000" dirty="0"/>
           </a:p>
         </p:txBody>
       </p:sp>
@@ -5109,13 +5343,13 @@
               <a:rPr lang="hu-HU" sz="2200" dirty="0" smtClean="0">
                 <a:sym typeface="Wingdings" panose="05000000000000000000" pitchFamily="2" charset="2"/>
               </a:rPr>
-              <a:t>Saját fájlformátum, JSON </a:t>
+              <a:t>Saját fájlformátum, JSON alapon (könnyű </a:t>
             </a:r>
             <a:r>
               <a:rPr lang="hu-HU" sz="2200" dirty="0" smtClean="0">
                 <a:sym typeface="Wingdings" panose="05000000000000000000" pitchFamily="2" charset="2"/>
               </a:rPr>
-              <a:t>alapon (könnyű feldolgozás miatt, </a:t>
+              <a:t>feldolgozás, </a:t>
             </a:r>
             <a:r>
               <a:rPr lang="hu-HU" sz="2200" dirty="0" err="1" smtClean="0">
@@ -5129,9 +5363,6 @@
               </a:rPr>
               <a:t>)</a:t>
             </a:r>
-            <a:endParaRPr lang="hu-HU" sz="2200" dirty="0" smtClean="0">
-              <a:sym typeface="Wingdings" panose="05000000000000000000" pitchFamily="2" charset="2"/>
-            </a:endParaRPr>
           </a:p>
           <a:p>
             <a:pPr lvl="1" algn="just">
@@ -5149,19 +5380,19 @@
               <a:rPr lang="hu-HU" sz="2200" dirty="0" smtClean="0">
                 <a:sym typeface="Wingdings" panose="05000000000000000000" pitchFamily="2" charset="2"/>
               </a:rPr>
-              <a:t> Drive alapú fájl tárolás, könnyű </a:t>
+              <a:t> Drive alapú fájl tárolás, könnyű megosztás, automatikus </a:t>
+            </a:r>
+            <a:r>
+              <a:rPr lang="hu-HU" sz="2200" dirty="0" err="1" smtClean="0">
+                <a:sym typeface="Wingdings" panose="05000000000000000000" pitchFamily="2" charset="2"/>
+              </a:rPr>
+              <a:t>replikáció</a:t>
             </a:r>
             <a:r>
               <a:rPr lang="hu-HU" sz="2200" dirty="0" smtClean="0">
                 <a:sym typeface="Wingdings" panose="05000000000000000000" pitchFamily="2" charset="2"/>
               </a:rPr>
-              <a:t>megosztás, automatikus </a:t>
-            </a:r>
-            <a:r>
-              <a:rPr lang="hu-HU" sz="2200" dirty="0" err="1" smtClean="0">
-                <a:sym typeface="Wingdings" panose="05000000000000000000" pitchFamily="2" charset="2"/>
-              </a:rPr>
-              <a:t>replikáció</a:t>
+              <a:t> (backup)</a:t>
             </a:r>
             <a:endParaRPr lang="hu-HU" sz="2200" dirty="0" smtClean="0">
               <a:sym typeface="Wingdings" panose="05000000000000000000" pitchFamily="2" charset="2"/>
@@ -5195,13 +5426,7 @@
               <a:rPr lang="hu-HU" sz="2200" dirty="0" smtClean="0">
                 <a:sym typeface="Wingdings" panose="05000000000000000000" pitchFamily="2" charset="2"/>
               </a:rPr>
-              <a:t> drive integrációval  nincs szükség lokálisan telepített alkalmazásra, csak egy </a:t>
-            </a:r>
-            <a:r>
-              <a:rPr lang="hu-HU" sz="2200" dirty="0" smtClean="0">
-                <a:sym typeface="Wingdings" panose="05000000000000000000" pitchFamily="2" charset="2"/>
-              </a:rPr>
-              <a:t>böngészőre</a:t>
+              <a:t> drive integrációval  nincs szükség lokálisan telepített alkalmazásra, csak egy böngészőre</a:t>
             </a:r>
           </a:p>
           <a:p>
@@ -5229,15 +5454,35 @@
               </a:rPr>
               <a:t>Ingyenes</a:t>
             </a:r>
-            <a:endParaRPr lang="hu-HU" sz="2200" dirty="0" smtClean="0">
-              <a:sym typeface="Wingdings" panose="05000000000000000000" pitchFamily="2" charset="2"/>
-            </a:endParaRPr>
-          </a:p>
-        </p:txBody>
-      </p:sp>
-      <p:sp>
-        <p:nvSpPr>
-          <p:cNvPr id="4" name="Dia számának helye 3"/>
+          </a:p>
+        </p:txBody>
+      </p:sp>
+      <p:sp>
+        <p:nvSpPr>
+          <p:cNvPr id="5" name="Élőláb helye 4"/>
+          <p:cNvSpPr>
+            <a:spLocks noGrp="1"/>
+          </p:cNvSpPr>
+          <p:nvPr>
+            <p:ph type="ftr" sz="quarter" idx="11"/>
+          </p:nvPr>
+        </p:nvSpPr>
+        <p:spPr/>
+        <p:txBody>
+          <a:bodyPr/>
+          <a:lstStyle/>
+          <a:p>
+            <a:r>
+              <a:rPr lang="en-US" smtClean="0"/>
+              <a:t>Online Projekt Management - Turcsán Csaba, Valyon Balázs</a:t>
+            </a:r>
+            <a:endParaRPr lang="en-US" dirty="0"/>
+          </a:p>
+        </p:txBody>
+      </p:sp>
+      <p:sp>
+        <p:nvSpPr>
+          <p:cNvPr id="6" name="Dia számának helye 5"/>
           <p:cNvSpPr>
             <a:spLocks noGrp="1"/>
           </p:cNvSpPr>
@@ -5308,7 +5553,11 @@
               <a:rPr lang="hu-HU" dirty="0" smtClean="0"/>
               <a:t>Megoldás</a:t>
             </a:r>
-            <a:endParaRPr lang="hu-HU" dirty="0"/>
+            <a:r>
+              <a:rPr lang="hu-HU" baseline="-25000" dirty="0" smtClean="0"/>
+              <a:t>2</a:t>
+            </a:r>
+            <a:endParaRPr lang="hu-HU" baseline="-25000" dirty="0"/>
           </a:p>
         </p:txBody>
       </p:sp>
@@ -5344,7 +5593,30 @@
       </p:pic>
       <p:sp>
         <p:nvSpPr>
-          <p:cNvPr id="5" name="Dia számának helye 4"/>
+          <p:cNvPr id="3" name="Élőláb helye 2"/>
+          <p:cNvSpPr>
+            <a:spLocks noGrp="1"/>
+          </p:cNvSpPr>
+          <p:nvPr>
+            <p:ph type="ftr" sz="quarter" idx="11"/>
+          </p:nvPr>
+        </p:nvSpPr>
+        <p:spPr/>
+        <p:txBody>
+          <a:bodyPr/>
+          <a:lstStyle/>
+          <a:p>
+            <a:r>
+              <a:rPr lang="en-US" smtClean="0"/>
+              <a:t>Online Projekt Management - Turcsán Csaba, Valyon Balázs</a:t>
+            </a:r>
+            <a:endParaRPr lang="en-US" dirty="0"/>
+          </a:p>
+        </p:txBody>
+      </p:sp>
+      <p:sp>
+        <p:nvSpPr>
+          <p:cNvPr id="6" name="Dia számának helye 5"/>
           <p:cNvSpPr>
             <a:spLocks noGrp="1"/>
           </p:cNvSpPr>
@@ -5435,6 +5707,567 @@
           <a:xfrm>
             <a:off x="1097280" y="1845734"/>
             <a:ext cx="10058399" cy="2661030"/>
+          </a:xfrm>
+          <a:prstGeom prst="rect">
+            <a:avLst/>
+          </a:prstGeom>
+        </p:spPr>
+        <p:txBody>
+          <a:bodyPr vert="horz" lIns="0" tIns="45720" rIns="0" bIns="45720" rtlCol="0">
+            <a:normAutofit fontScale="92500" lnSpcReduction="10000"/>
+          </a:bodyPr>
+          <a:lstStyle>
+            <a:lvl1pPr marL="91440" indent="-91440" algn="l" defTabSz="914400" rtl="0" eaLnBrk="1" latinLnBrk="0" hangingPunct="1">
+              <a:lnSpc>
+                <a:spcPct val="90000"/>
+              </a:lnSpc>
+              <a:spcBef>
+                <a:spcPts val="1200"/>
+              </a:spcBef>
+              <a:spcAft>
+                <a:spcPts val="200"/>
+              </a:spcAft>
+              <a:buClr>
+                <a:schemeClr val="accent1"/>
+              </a:buClr>
+              <a:buSzPct val="100000"/>
+              <a:buFont typeface="Calibri" panose="020F0502020204030204" pitchFamily="34" charset="0"/>
+              <a:buChar char=" "/>
+              <a:defRPr sz="2000" kern="1200">
+                <a:solidFill>
+                  <a:schemeClr val="tx1">
+                    <a:lumMod val="75000"/>
+                    <a:lumOff val="25000"/>
+                  </a:schemeClr>
+                </a:solidFill>
+                <a:latin typeface="+mn-lt"/>
+                <a:ea typeface="+mn-ea"/>
+                <a:cs typeface="+mn-cs"/>
+              </a:defRPr>
+            </a:lvl1pPr>
+            <a:lvl2pPr marL="384048" indent="-182880" algn="l" defTabSz="914400" rtl="0" eaLnBrk="1" latinLnBrk="0" hangingPunct="1">
+              <a:lnSpc>
+                <a:spcPct val="90000"/>
+              </a:lnSpc>
+              <a:spcBef>
+                <a:spcPts val="200"/>
+              </a:spcBef>
+              <a:spcAft>
+                <a:spcPts val="400"/>
+              </a:spcAft>
+              <a:buClr>
+                <a:schemeClr val="accent1"/>
+              </a:buClr>
+              <a:buFont typeface="Calibri" pitchFamily="34" charset="0"/>
+              <a:buChar char="◦"/>
+              <a:defRPr sz="1800" kern="1200">
+                <a:solidFill>
+                  <a:schemeClr val="tx1">
+                    <a:lumMod val="75000"/>
+                    <a:lumOff val="25000"/>
+                  </a:schemeClr>
+                </a:solidFill>
+                <a:latin typeface="+mn-lt"/>
+                <a:ea typeface="+mn-ea"/>
+                <a:cs typeface="+mn-cs"/>
+              </a:defRPr>
+            </a:lvl2pPr>
+            <a:lvl3pPr marL="566928" indent="-182880" algn="l" defTabSz="914400" rtl="0" eaLnBrk="1" latinLnBrk="0" hangingPunct="1">
+              <a:lnSpc>
+                <a:spcPct val="90000"/>
+              </a:lnSpc>
+              <a:spcBef>
+                <a:spcPts val="200"/>
+              </a:spcBef>
+              <a:spcAft>
+                <a:spcPts val="400"/>
+              </a:spcAft>
+              <a:buClr>
+                <a:schemeClr val="accent1"/>
+              </a:buClr>
+              <a:buFont typeface="Calibri" pitchFamily="34" charset="0"/>
+              <a:buChar char="◦"/>
+              <a:defRPr sz="1400" kern="1200">
+                <a:solidFill>
+                  <a:schemeClr val="tx1">
+                    <a:lumMod val="75000"/>
+                    <a:lumOff val="25000"/>
+                  </a:schemeClr>
+                </a:solidFill>
+                <a:latin typeface="+mn-lt"/>
+                <a:ea typeface="+mn-ea"/>
+                <a:cs typeface="+mn-cs"/>
+              </a:defRPr>
+            </a:lvl3pPr>
+            <a:lvl4pPr marL="749808" indent="-182880" algn="l" defTabSz="914400" rtl="0" eaLnBrk="1" latinLnBrk="0" hangingPunct="1">
+              <a:lnSpc>
+                <a:spcPct val="90000"/>
+              </a:lnSpc>
+              <a:spcBef>
+                <a:spcPts val="200"/>
+              </a:spcBef>
+              <a:spcAft>
+                <a:spcPts val="400"/>
+              </a:spcAft>
+              <a:buClr>
+                <a:schemeClr val="accent1"/>
+              </a:buClr>
+              <a:buFont typeface="Calibri" pitchFamily="34" charset="0"/>
+              <a:buChar char="◦"/>
+              <a:defRPr sz="1400" kern="1200">
+                <a:solidFill>
+                  <a:schemeClr val="tx1">
+                    <a:lumMod val="75000"/>
+                    <a:lumOff val="25000"/>
+                  </a:schemeClr>
+                </a:solidFill>
+                <a:latin typeface="+mn-lt"/>
+                <a:ea typeface="+mn-ea"/>
+                <a:cs typeface="+mn-cs"/>
+              </a:defRPr>
+            </a:lvl4pPr>
+            <a:lvl5pPr marL="932688" indent="-182880" algn="l" defTabSz="914400" rtl="0" eaLnBrk="1" latinLnBrk="0" hangingPunct="1">
+              <a:lnSpc>
+                <a:spcPct val="90000"/>
+              </a:lnSpc>
+              <a:spcBef>
+                <a:spcPts val="200"/>
+              </a:spcBef>
+              <a:spcAft>
+                <a:spcPts val="400"/>
+              </a:spcAft>
+              <a:buClr>
+                <a:schemeClr val="accent1"/>
+              </a:buClr>
+              <a:buFont typeface="Calibri" pitchFamily="34" charset="0"/>
+              <a:buChar char="◦"/>
+              <a:defRPr sz="1400" kern="1200">
+                <a:solidFill>
+                  <a:schemeClr val="tx1">
+                    <a:lumMod val="75000"/>
+                    <a:lumOff val="25000"/>
+                  </a:schemeClr>
+                </a:solidFill>
+                <a:latin typeface="+mn-lt"/>
+                <a:ea typeface="+mn-ea"/>
+                <a:cs typeface="+mn-cs"/>
+              </a:defRPr>
+            </a:lvl5pPr>
+            <a:lvl6pPr marL="1100000" indent="-228600" algn="l" defTabSz="914400" rtl="0" eaLnBrk="1" latinLnBrk="0" hangingPunct="1">
+              <a:lnSpc>
+                <a:spcPct val="90000"/>
+              </a:lnSpc>
+              <a:spcBef>
+                <a:spcPts val="200"/>
+              </a:spcBef>
+              <a:spcAft>
+                <a:spcPts val="400"/>
+              </a:spcAft>
+              <a:buClr>
+                <a:schemeClr val="accent1"/>
+              </a:buClr>
+              <a:buFont typeface="Calibri" pitchFamily="34" charset="0"/>
+              <a:buChar char="◦"/>
+              <a:defRPr sz="1400" kern="1200">
+                <a:solidFill>
+                  <a:schemeClr val="tx1">
+                    <a:lumMod val="75000"/>
+                    <a:lumOff val="25000"/>
+                  </a:schemeClr>
+                </a:solidFill>
+                <a:latin typeface="+mn-lt"/>
+                <a:ea typeface="+mn-ea"/>
+                <a:cs typeface="+mn-cs"/>
+              </a:defRPr>
+            </a:lvl6pPr>
+            <a:lvl7pPr marL="1300000" indent="-228600" algn="l" defTabSz="914400" rtl="0" eaLnBrk="1" latinLnBrk="0" hangingPunct="1">
+              <a:lnSpc>
+                <a:spcPct val="90000"/>
+              </a:lnSpc>
+              <a:spcBef>
+                <a:spcPts val="200"/>
+              </a:spcBef>
+              <a:spcAft>
+                <a:spcPts val="400"/>
+              </a:spcAft>
+              <a:buClr>
+                <a:schemeClr val="accent1"/>
+              </a:buClr>
+              <a:buFont typeface="Calibri" pitchFamily="34" charset="0"/>
+              <a:buChar char="◦"/>
+              <a:defRPr sz="1400" kern="1200">
+                <a:solidFill>
+                  <a:schemeClr val="tx1">
+                    <a:lumMod val="75000"/>
+                    <a:lumOff val="25000"/>
+                  </a:schemeClr>
+                </a:solidFill>
+                <a:latin typeface="+mn-lt"/>
+                <a:ea typeface="+mn-ea"/>
+                <a:cs typeface="+mn-cs"/>
+              </a:defRPr>
+            </a:lvl7pPr>
+            <a:lvl8pPr marL="1500000" indent="-228600" algn="l" defTabSz="914400" rtl="0" eaLnBrk="1" latinLnBrk="0" hangingPunct="1">
+              <a:lnSpc>
+                <a:spcPct val="90000"/>
+              </a:lnSpc>
+              <a:spcBef>
+                <a:spcPts val="200"/>
+              </a:spcBef>
+              <a:spcAft>
+                <a:spcPts val="400"/>
+              </a:spcAft>
+              <a:buClr>
+                <a:schemeClr val="accent1"/>
+              </a:buClr>
+              <a:buFont typeface="Calibri" pitchFamily="34" charset="0"/>
+              <a:buChar char="◦"/>
+              <a:defRPr sz="1400" kern="1200">
+                <a:solidFill>
+                  <a:schemeClr val="tx1">
+                    <a:lumMod val="75000"/>
+                    <a:lumOff val="25000"/>
+                  </a:schemeClr>
+                </a:solidFill>
+                <a:latin typeface="+mn-lt"/>
+                <a:ea typeface="+mn-ea"/>
+                <a:cs typeface="+mn-cs"/>
+              </a:defRPr>
+            </a:lvl8pPr>
+            <a:lvl9pPr marL="1700000" indent="-228600" algn="l" defTabSz="914400" rtl="0" eaLnBrk="1" latinLnBrk="0" hangingPunct="1">
+              <a:lnSpc>
+                <a:spcPct val="90000"/>
+              </a:lnSpc>
+              <a:spcBef>
+                <a:spcPts val="200"/>
+              </a:spcBef>
+              <a:spcAft>
+                <a:spcPts val="400"/>
+              </a:spcAft>
+              <a:buClr>
+                <a:schemeClr val="accent1"/>
+              </a:buClr>
+              <a:buFont typeface="Calibri" pitchFamily="34" charset="0"/>
+              <a:buChar char="◦"/>
+              <a:defRPr sz="1400" kern="1200">
+                <a:solidFill>
+                  <a:schemeClr val="tx1">
+                    <a:lumMod val="75000"/>
+                    <a:lumOff val="25000"/>
+                  </a:schemeClr>
+                </a:solidFill>
+                <a:latin typeface="+mn-lt"/>
+                <a:ea typeface="+mn-ea"/>
+                <a:cs typeface="+mn-cs"/>
+              </a:defRPr>
+            </a:lvl9pPr>
+          </a:lstStyle>
+          <a:p>
+            <a:pPr lvl="1" algn="just"/>
+            <a:r>
+              <a:rPr lang="hu-HU" sz="2200" dirty="0" err="1" smtClean="0">
+                <a:sym typeface="Wingdings" panose="05000000000000000000" pitchFamily="2" charset="2"/>
+              </a:rPr>
+              <a:t>Google</a:t>
+            </a:r>
+            <a:r>
+              <a:rPr lang="hu-HU" sz="2200" dirty="0" smtClean="0">
+                <a:sym typeface="Wingdings" panose="05000000000000000000" pitchFamily="2" charset="2"/>
+              </a:rPr>
+              <a:t> </a:t>
+            </a:r>
+            <a:r>
+              <a:rPr lang="hu-HU" sz="2200" dirty="0" err="1" smtClean="0">
+                <a:sym typeface="Wingdings" panose="05000000000000000000" pitchFamily="2" charset="2"/>
+              </a:rPr>
+              <a:t>autentikáció</a:t>
+            </a:r>
+            <a:r>
+              <a:rPr lang="hu-HU" sz="2200" dirty="0" smtClean="0">
+                <a:sym typeface="Wingdings" panose="05000000000000000000" pitchFamily="2" charset="2"/>
+              </a:rPr>
+              <a:t> biztosítja a bejelentkezést és adatfolyam </a:t>
+            </a:r>
+            <a:r>
+              <a:rPr lang="hu-HU" sz="2200" dirty="0" smtClean="0">
+                <a:sym typeface="Wingdings" panose="05000000000000000000" pitchFamily="2" charset="2"/>
+              </a:rPr>
+              <a:t>titkosítást</a:t>
+            </a:r>
+          </a:p>
+          <a:p>
+            <a:pPr lvl="2" algn="just"/>
+            <a:r>
+              <a:rPr lang="hu-HU" dirty="0" err="1" smtClean="0">
+                <a:sym typeface="Wingdings" panose="05000000000000000000" pitchFamily="2" charset="2"/>
+              </a:rPr>
+              <a:t>OAuth</a:t>
+            </a:r>
+            <a:r>
+              <a:rPr lang="hu-HU" dirty="0" smtClean="0">
+                <a:sym typeface="Wingdings" panose="05000000000000000000" pitchFamily="2" charset="2"/>
+              </a:rPr>
+              <a:t>, </a:t>
+            </a:r>
+            <a:r>
+              <a:rPr lang="hu-HU" dirty="0" err="1" smtClean="0">
+                <a:sym typeface="Wingdings" panose="05000000000000000000" pitchFamily="2" charset="2"/>
+              </a:rPr>
+              <a:t>token</a:t>
+            </a:r>
+            <a:r>
+              <a:rPr lang="hu-HU" dirty="0" smtClean="0">
+                <a:sym typeface="Wingdings" panose="05000000000000000000" pitchFamily="2" charset="2"/>
+              </a:rPr>
+              <a:t>, SSL</a:t>
+            </a:r>
+            <a:endParaRPr lang="hu-HU" dirty="0" smtClean="0">
+              <a:sym typeface="Wingdings" panose="05000000000000000000" pitchFamily="2" charset="2"/>
+            </a:endParaRPr>
+          </a:p>
+          <a:p>
+            <a:pPr lvl="1" algn="just"/>
+            <a:r>
+              <a:rPr lang="hu-HU" sz="2200" dirty="0" err="1" smtClean="0">
+                <a:sym typeface="Wingdings" panose="05000000000000000000" pitchFamily="2" charset="2"/>
+              </a:rPr>
+              <a:t>Angularjs-alapú</a:t>
+            </a:r>
+            <a:r>
+              <a:rPr lang="hu-HU" sz="2200" dirty="0" smtClean="0">
+                <a:sym typeface="Wingdings" panose="05000000000000000000" pitchFamily="2" charset="2"/>
+              </a:rPr>
+              <a:t> valós idejű, kétirányú adatkötés</a:t>
+            </a:r>
+          </a:p>
+          <a:p>
+            <a:pPr lvl="1" algn="just"/>
+            <a:r>
+              <a:rPr lang="hu-HU" sz="2200" dirty="0" smtClean="0">
+                <a:sym typeface="Wingdings" panose="05000000000000000000" pitchFamily="2" charset="2"/>
+              </a:rPr>
+              <a:t>Tárolt adatok: projekt tulajdonságok, elvégzendő feladatok, kockázatok</a:t>
+            </a:r>
+          </a:p>
+          <a:p>
+            <a:pPr lvl="1" algn="just"/>
+            <a:r>
+              <a:rPr lang="hu-HU" sz="2200" dirty="0" err="1" smtClean="0">
+                <a:sym typeface="Wingdings" panose="05000000000000000000" pitchFamily="2" charset="2"/>
+              </a:rPr>
+              <a:t>Gant-chart</a:t>
+            </a:r>
+            <a:r>
+              <a:rPr lang="hu-HU" sz="2200" dirty="0" smtClean="0">
+                <a:sym typeface="Wingdings" panose="05000000000000000000" pitchFamily="2" charset="2"/>
+              </a:rPr>
+              <a:t> megjelenítésben a feladatok (</a:t>
+            </a:r>
+            <a:r>
+              <a:rPr lang="hu-HU" sz="2200" dirty="0" err="1" smtClean="0">
+                <a:sym typeface="Wingdings" panose="05000000000000000000" pitchFamily="2" charset="2"/>
+              </a:rPr>
+              <a:t>tasks</a:t>
+            </a:r>
+            <a:r>
+              <a:rPr lang="hu-HU" sz="2200" dirty="0" smtClean="0">
+                <a:sym typeface="Wingdings" panose="05000000000000000000" pitchFamily="2" charset="2"/>
+              </a:rPr>
+              <a:t>)</a:t>
+            </a:r>
+          </a:p>
+          <a:p>
+            <a:pPr lvl="1" algn="just"/>
+            <a:r>
+              <a:rPr lang="hu-HU" sz="2200" dirty="0" smtClean="0">
+                <a:sym typeface="Wingdings" panose="05000000000000000000" pitchFamily="2" charset="2"/>
+              </a:rPr>
+              <a:t>Kockázatok felvétele prioritás szintekkel (</a:t>
+            </a:r>
+            <a:r>
+              <a:rPr lang="hu-HU" sz="2200" dirty="0" err="1" smtClean="0">
+                <a:sym typeface="Wingdings" panose="05000000000000000000" pitchFamily="2" charset="2"/>
+              </a:rPr>
+              <a:t>risks</a:t>
+            </a:r>
+            <a:r>
+              <a:rPr lang="hu-HU" sz="2200" dirty="0" smtClean="0">
+                <a:sym typeface="Wingdings" panose="05000000000000000000" pitchFamily="2" charset="2"/>
+              </a:rPr>
+              <a:t>)</a:t>
+            </a:r>
+          </a:p>
+          <a:p>
+            <a:pPr lvl="1" algn="just"/>
+            <a:r>
+              <a:rPr lang="hu-HU" sz="2200" dirty="0" smtClean="0">
+                <a:sym typeface="Wingdings" panose="05000000000000000000" pitchFamily="2" charset="2"/>
+              </a:rPr>
+              <a:t>Költségbecslés számítás órabér </a:t>
+            </a:r>
+            <a:r>
+              <a:rPr lang="hu-HU" sz="2200" dirty="0" smtClean="0">
+                <a:sym typeface="Wingdings" panose="05000000000000000000" pitchFamily="2" charset="2"/>
+              </a:rPr>
+              <a:t>alapján, kliens oldali üzleti logika taszkok alapján</a:t>
+            </a:r>
+            <a:endParaRPr lang="hu-HU" sz="2200" dirty="0" smtClean="0">
+              <a:sym typeface="Wingdings" panose="05000000000000000000" pitchFamily="2" charset="2"/>
+            </a:endParaRPr>
+          </a:p>
+          <a:p>
+            <a:pPr lvl="2" algn="just"/>
+            <a:r>
+              <a:rPr lang="hu-HU" dirty="0" smtClean="0">
+                <a:sym typeface="Wingdings" panose="05000000000000000000" pitchFamily="2" charset="2"/>
+              </a:rPr>
+              <a:t>Minimálisan szükséges idő, Legkorábbi kezdési idő (EST), legkésőbbi befejezési idő (LCT) és tartalékidő alapján is</a:t>
+            </a:r>
+          </a:p>
+          <a:p>
+            <a:pPr lvl="1" algn="just"/>
+            <a:endParaRPr lang="hu-HU" sz="2200" dirty="0" smtClean="0">
+              <a:sym typeface="Wingdings" panose="05000000000000000000" pitchFamily="2" charset="2"/>
+            </a:endParaRPr>
+          </a:p>
+        </p:txBody>
+      </p:sp>
+      <p:pic>
+        <p:nvPicPr>
+          <p:cNvPr id="6" name="Kép 5"/>
+          <p:cNvPicPr>
+            <a:picLocks noChangeAspect="1"/>
+          </p:cNvPicPr>
+          <p:nvPr/>
+        </p:nvPicPr>
+        <p:blipFill rotWithShape="1">
+          <a:blip r:embed="rId3">
+            <a:extLst>
+              <a:ext uri="{28A0092B-C50C-407E-A947-70E740481C1C}">
+                <a14:useLocalDpi xmlns:a14="http://schemas.microsoft.com/office/drawing/2010/main" val="0"/>
+              </a:ext>
+            </a:extLst>
+          </a:blip>
+          <a:srcRect t="45304" b="27169"/>
+          <a:stretch/>
+        </p:blipFill>
+        <p:spPr>
+          <a:xfrm>
+            <a:off x="609599" y="4506764"/>
+            <a:ext cx="10894143" cy="1795709"/>
+          </a:xfrm>
+          <a:prstGeom prst="rect">
+            <a:avLst/>
+          </a:prstGeom>
+        </p:spPr>
+      </p:pic>
+      <p:sp>
+        <p:nvSpPr>
+          <p:cNvPr id="3" name="Élőláb helye 2"/>
+          <p:cNvSpPr>
+            <a:spLocks noGrp="1"/>
+          </p:cNvSpPr>
+          <p:nvPr>
+            <p:ph type="ftr" sz="quarter" idx="11"/>
+          </p:nvPr>
+        </p:nvSpPr>
+        <p:spPr/>
+        <p:txBody>
+          <a:bodyPr/>
+          <a:lstStyle/>
+          <a:p>
+            <a:r>
+              <a:rPr lang="en-US" smtClean="0"/>
+              <a:t>Online Projekt Management - Turcsán Csaba, Valyon Balázs</a:t>
+            </a:r>
+            <a:endParaRPr lang="en-US" dirty="0"/>
+          </a:p>
+        </p:txBody>
+      </p:sp>
+      <p:sp>
+        <p:nvSpPr>
+          <p:cNvPr id="4" name="Dia számának helye 3"/>
+          <p:cNvSpPr>
+            <a:spLocks noGrp="1"/>
+          </p:cNvSpPr>
+          <p:nvPr>
+            <p:ph type="sldNum" sz="quarter" idx="12"/>
+          </p:nvPr>
+        </p:nvSpPr>
+        <p:spPr/>
+        <p:txBody>
+          <a:bodyPr/>
+          <a:lstStyle/>
+          <a:p>
+            <a:fld id="{629637A9-119A-49DA-BD12-AAC58B377D80}" type="slidenum">
+              <a:rPr lang="en-US" smtClean="0"/>
+              <a:pPr/>
+              <a:t>5</a:t>
+            </a:fld>
+            <a:endParaRPr lang="en-US" dirty="0"/>
+          </a:p>
+        </p:txBody>
+      </p:sp>
+    </p:spTree>
+  </p:cSld>
+  <p:clrMapOvr>
+    <a:masterClrMapping/>
+  </p:clrMapOvr>
+</p:sld>
+</file>
+
+<file path=ppt/slides/slide6.xml><?xml version="1.0" encoding="utf-8"?>
+<p:sld xmlns:a="http://schemas.openxmlformats.org/drawingml/2006/main" xmlns:r="http://schemas.openxmlformats.org/officeDocument/2006/relationships" xmlns:p="http://schemas.openxmlformats.org/presentationml/2006/main">
+  <p:cSld>
+    <p:spTree>
+      <p:nvGrpSpPr>
+        <p:cNvPr id="1" name=""/>
+        <p:cNvGrpSpPr/>
+        <p:nvPr/>
+      </p:nvGrpSpPr>
+      <p:grpSpPr>
+        <a:xfrm>
+          <a:off x="0" y="0"/>
+          <a:ext cx="0" cy="0"/>
+          <a:chOff x="0" y="0"/>
+          <a:chExt cx="0" cy="0"/>
+        </a:xfrm>
+      </p:grpSpPr>
+      <p:sp>
+        <p:nvSpPr>
+          <p:cNvPr id="2" name="Cím 1"/>
+          <p:cNvSpPr>
+            <a:spLocks noGrp="1"/>
+          </p:cNvSpPr>
+          <p:nvPr>
+            <p:ph type="title"/>
+          </p:nvPr>
+        </p:nvSpPr>
+        <p:spPr/>
+        <p:txBody>
+          <a:bodyPr/>
+          <a:lstStyle/>
+          <a:p>
+            <a:r>
+              <a:rPr lang="hu-HU" dirty="0" smtClean="0"/>
+              <a:t>Költségbecslés</a:t>
+            </a:r>
+            <a:endParaRPr lang="hu-HU" dirty="0"/>
+          </a:p>
+        </p:txBody>
+      </p:sp>
+      <p:sp>
+        <p:nvSpPr>
+          <p:cNvPr id="5" name="Tartalom helye 2"/>
+          <p:cNvSpPr txBox="1">
+            <a:spLocks/>
+          </p:cNvSpPr>
+          <p:nvPr/>
+        </p:nvSpPr>
+        <p:spPr>
+          <a:xfrm>
+            <a:off x="1097281" y="1845734"/>
+            <a:ext cx="6291492" cy="3209742"/>
           </a:xfrm>
           <a:prstGeom prst="rect">
             <a:avLst/>
@@ -5693,503 +6526,67 @@
           <a:p>
             <a:pPr lvl="1" algn="just"/>
             <a:r>
+              <a:rPr lang="hu-HU" sz="2200" dirty="0" smtClean="0">
+                <a:sym typeface="Wingdings" panose="05000000000000000000" pitchFamily="2" charset="2"/>
+              </a:rPr>
+              <a:t>A projekt feladatainak adataiból diagramok generálódnak az átláthatóság növelése érdekében</a:t>
+            </a:r>
+          </a:p>
+          <a:p>
+            <a:pPr lvl="1" algn="just"/>
+            <a:r>
+              <a:rPr lang="hu-HU" sz="2200" dirty="0" smtClean="0">
+                <a:sym typeface="Wingdings" panose="05000000000000000000" pitchFamily="2" charset="2"/>
+              </a:rPr>
+              <a:t>Órabér megadásával az egyes projektek hossza alapján összesített becsléseket számol</a:t>
+            </a:r>
+          </a:p>
+          <a:p>
+            <a:pPr lvl="1" algn="just"/>
+            <a:r>
+              <a:rPr lang="hu-HU" sz="2200" dirty="0" smtClean="0">
+                <a:sym typeface="Wingdings" panose="05000000000000000000" pitchFamily="2" charset="2"/>
+              </a:rPr>
+              <a:t>Napi 8 óra munkaórával készül az idő becslés</a:t>
+            </a:r>
+          </a:p>
+          <a:p>
+            <a:pPr lvl="1" algn="just"/>
+            <a:r>
+              <a:rPr lang="hu-HU" sz="2200" dirty="0" smtClean="0">
+                <a:sym typeface="Wingdings" panose="05000000000000000000" pitchFamily="2" charset="2"/>
+              </a:rPr>
+              <a:t>Minimálisan szükséges idő </a:t>
+            </a:r>
+            <a:r>
+              <a:rPr lang="hu-HU" sz="2200" dirty="0" smtClean="0">
+                <a:sym typeface="Wingdings" panose="05000000000000000000" pitchFamily="2" charset="2"/>
+              </a:rPr>
+              <a:t>alapján (</a:t>
+            </a:r>
+            <a:r>
               <a:rPr lang="hu-HU" sz="2200" dirty="0" err="1" smtClean="0">
                 <a:sym typeface="Wingdings" panose="05000000000000000000" pitchFamily="2" charset="2"/>
               </a:rPr>
-              <a:t>Google</a:t>
+              <a:t>required</a:t>
             </a:r>
             <a:r>
               <a:rPr lang="hu-HU" sz="2200" dirty="0" smtClean="0">
                 <a:sym typeface="Wingdings" panose="05000000000000000000" pitchFamily="2" charset="2"/>
               </a:rPr>
-              <a:t> </a:t>
-            </a:r>
-            <a:r>
-              <a:rPr lang="hu-HU" sz="2200" dirty="0" err="1" smtClean="0">
-                <a:sym typeface="Wingdings" panose="05000000000000000000" pitchFamily="2" charset="2"/>
-              </a:rPr>
-              <a:t>autentikáció</a:t>
-            </a:r>
-            <a:r>
-              <a:rPr lang="hu-HU" sz="2200" dirty="0" smtClean="0">
-                <a:sym typeface="Wingdings" panose="05000000000000000000" pitchFamily="2" charset="2"/>
-              </a:rPr>
-              <a:t> biztosítja a bejelentkezést és adatfolyam titkosítást</a:t>
-            </a:r>
-          </a:p>
-          <a:p>
-            <a:pPr lvl="1" algn="just"/>
-            <a:r>
-              <a:rPr lang="hu-HU" sz="2200" dirty="0" err="1" smtClean="0">
-                <a:sym typeface="Wingdings" panose="05000000000000000000" pitchFamily="2" charset="2"/>
-              </a:rPr>
-              <a:t>Angularjs-alapú</a:t>
-            </a:r>
-            <a:r>
-              <a:rPr lang="hu-HU" sz="2200" dirty="0" smtClean="0">
-                <a:sym typeface="Wingdings" panose="05000000000000000000" pitchFamily="2" charset="2"/>
-              </a:rPr>
-              <a:t> valós idejű, kétirányú adatkötés</a:t>
-            </a:r>
-          </a:p>
-          <a:p>
-            <a:pPr lvl="1" algn="just"/>
-            <a:r>
-              <a:rPr lang="hu-HU" sz="2200" dirty="0" smtClean="0">
-                <a:sym typeface="Wingdings" panose="05000000000000000000" pitchFamily="2" charset="2"/>
-              </a:rPr>
-              <a:t>Tárolt adatok: projekt tulajdonságok, elvégzendő feladatok, kockázatok</a:t>
-            </a:r>
-          </a:p>
-          <a:p>
-            <a:pPr lvl="1" algn="just"/>
-            <a:r>
-              <a:rPr lang="hu-HU" sz="2200" dirty="0" err="1" smtClean="0">
-                <a:sym typeface="Wingdings" panose="05000000000000000000" pitchFamily="2" charset="2"/>
-              </a:rPr>
-              <a:t>Gant-chart</a:t>
-            </a:r>
-            <a:r>
-              <a:rPr lang="hu-HU" sz="2200" dirty="0" smtClean="0">
-                <a:sym typeface="Wingdings" panose="05000000000000000000" pitchFamily="2" charset="2"/>
-              </a:rPr>
-              <a:t> megjelenítésben a feladatok (</a:t>
-            </a:r>
-            <a:r>
-              <a:rPr lang="hu-HU" sz="2200" dirty="0" err="1" smtClean="0">
-                <a:sym typeface="Wingdings" panose="05000000000000000000" pitchFamily="2" charset="2"/>
-              </a:rPr>
-              <a:t>tasks</a:t>
-            </a:r>
-            <a:r>
-              <a:rPr lang="hu-HU" sz="2200" dirty="0" smtClean="0">
-                <a:sym typeface="Wingdings" panose="05000000000000000000" pitchFamily="2" charset="2"/>
-              </a:rPr>
               <a:t>)</a:t>
             </a:r>
-          </a:p>
-          <a:p>
-            <a:pPr lvl="1" algn="just"/>
-            <a:r>
-              <a:rPr lang="hu-HU" sz="2200" dirty="0" smtClean="0">
-                <a:sym typeface="Wingdings" panose="05000000000000000000" pitchFamily="2" charset="2"/>
-              </a:rPr>
-              <a:t>Kockázatok felvétele prioritás szintekkel (</a:t>
-            </a:r>
-            <a:r>
-              <a:rPr lang="hu-HU" sz="2200" dirty="0" err="1" smtClean="0">
-                <a:sym typeface="Wingdings" panose="05000000000000000000" pitchFamily="2" charset="2"/>
-              </a:rPr>
-              <a:t>risks</a:t>
-            </a:r>
-            <a:r>
-              <a:rPr lang="hu-HU" sz="2200" dirty="0" smtClean="0">
-                <a:sym typeface="Wingdings" panose="05000000000000000000" pitchFamily="2" charset="2"/>
-              </a:rPr>
-              <a:t>)</a:t>
-            </a:r>
-          </a:p>
-          <a:p>
-            <a:pPr lvl="1" algn="just"/>
-            <a:r>
-              <a:rPr lang="hu-HU" sz="2200" dirty="0" smtClean="0">
-                <a:sym typeface="Wingdings" panose="05000000000000000000" pitchFamily="2" charset="2"/>
-              </a:rPr>
-              <a:t>Költségbecslés számítás órabér alapján</a:t>
-            </a:r>
-          </a:p>
-          <a:p>
-            <a:pPr lvl="2" algn="just"/>
-            <a:r>
-              <a:rPr lang="hu-HU" dirty="0" smtClean="0">
-                <a:sym typeface="Wingdings" panose="05000000000000000000" pitchFamily="2" charset="2"/>
-              </a:rPr>
-              <a:t>Minimálisan szükséges idő, Legkorábbi kezdési idő (EST), legkésőbbi befejezési idő (LCT) és tartalékidő alapján is</a:t>
-            </a:r>
-          </a:p>
-          <a:p>
-            <a:pPr lvl="1" algn="just"/>
             <a:endParaRPr lang="hu-HU" sz="2200" dirty="0" smtClean="0">
               <a:sym typeface="Wingdings" panose="05000000000000000000" pitchFamily="2" charset="2"/>
             </a:endParaRPr>
           </a:p>
-        </p:txBody>
-      </p:sp>
-      <p:pic>
-        <p:nvPicPr>
-          <p:cNvPr id="6" name="Kép 5"/>
-          <p:cNvPicPr>
-            <a:picLocks noChangeAspect="1"/>
-          </p:cNvPicPr>
-          <p:nvPr/>
-        </p:nvPicPr>
-        <p:blipFill rotWithShape="1">
-          <a:blip r:embed="rId3">
-            <a:extLst>
-              <a:ext uri="{28A0092B-C50C-407E-A947-70E740481C1C}">
-                <a14:useLocalDpi xmlns:a14="http://schemas.microsoft.com/office/drawing/2010/main" val="0"/>
-              </a:ext>
-            </a:extLst>
-          </a:blip>
-          <a:srcRect t="45304" b="27169"/>
-          <a:stretch/>
-        </p:blipFill>
-        <p:spPr>
-          <a:xfrm>
-            <a:off x="609599" y="4506764"/>
-            <a:ext cx="10894143" cy="1795709"/>
-          </a:xfrm>
-          <a:prstGeom prst="rect">
-            <a:avLst/>
-          </a:prstGeom>
-        </p:spPr>
-      </p:pic>
-      <p:sp>
-        <p:nvSpPr>
-          <p:cNvPr id="7" name="Dia számának helye 6"/>
-          <p:cNvSpPr>
-            <a:spLocks noGrp="1"/>
-          </p:cNvSpPr>
-          <p:nvPr>
-            <p:ph type="sldNum" sz="quarter" idx="12"/>
-          </p:nvPr>
-        </p:nvSpPr>
-        <p:spPr/>
-        <p:txBody>
-          <a:bodyPr/>
-          <a:lstStyle/>
-          <a:p>
-            <a:fld id="{629637A9-119A-49DA-BD12-AAC58B377D80}" type="slidenum">
-              <a:rPr lang="en-US" smtClean="0"/>
-              <a:pPr/>
-              <a:t>5</a:t>
-            </a:fld>
-            <a:endParaRPr lang="en-US" dirty="0"/>
-          </a:p>
-        </p:txBody>
-      </p:sp>
-    </p:spTree>
-  </p:cSld>
-  <p:clrMapOvr>
-    <a:masterClrMapping/>
-  </p:clrMapOvr>
-</p:sld>
-</file>
-
-<file path=ppt/slides/slide6.xml><?xml version="1.0" encoding="utf-8"?>
-<p:sld xmlns:a="http://schemas.openxmlformats.org/drawingml/2006/main" xmlns:r="http://schemas.openxmlformats.org/officeDocument/2006/relationships" xmlns:p="http://schemas.openxmlformats.org/presentationml/2006/main">
-  <p:cSld>
-    <p:spTree>
-      <p:nvGrpSpPr>
-        <p:cNvPr id="1" name=""/>
-        <p:cNvGrpSpPr/>
-        <p:nvPr/>
-      </p:nvGrpSpPr>
-      <p:grpSpPr>
-        <a:xfrm>
-          <a:off x="0" y="0"/>
-          <a:ext cx="0" cy="0"/>
-          <a:chOff x="0" y="0"/>
-          <a:chExt cx="0" cy="0"/>
-        </a:xfrm>
-      </p:grpSpPr>
-      <p:sp>
-        <p:nvSpPr>
-          <p:cNvPr id="2" name="Cím 1"/>
-          <p:cNvSpPr>
-            <a:spLocks noGrp="1"/>
-          </p:cNvSpPr>
-          <p:nvPr>
-            <p:ph type="title"/>
-          </p:nvPr>
-        </p:nvSpPr>
-        <p:spPr/>
-        <p:txBody>
-          <a:bodyPr/>
-          <a:lstStyle/>
-          <a:p>
-            <a:r>
-              <a:rPr lang="hu-HU" dirty="0" smtClean="0"/>
-              <a:t>Költségbecslés</a:t>
-            </a:r>
-            <a:endParaRPr lang="hu-HU" dirty="0"/>
-          </a:p>
-        </p:txBody>
-      </p:sp>
-      <p:sp>
-        <p:nvSpPr>
-          <p:cNvPr id="5" name="Tartalom helye 2"/>
-          <p:cNvSpPr txBox="1">
-            <a:spLocks/>
-          </p:cNvSpPr>
-          <p:nvPr/>
-        </p:nvSpPr>
-        <p:spPr>
-          <a:xfrm>
-            <a:off x="1097281" y="1845734"/>
-            <a:ext cx="6291492" cy="3209742"/>
-          </a:xfrm>
-          <a:prstGeom prst="rect">
-            <a:avLst/>
-          </a:prstGeom>
-        </p:spPr>
-        <p:txBody>
-          <a:bodyPr vert="horz" lIns="0" tIns="45720" rIns="0" bIns="45720" rtlCol="0">
-            <a:normAutofit/>
-          </a:bodyPr>
-          <a:lstStyle>
-            <a:lvl1pPr marL="91440" indent="-91440" algn="l" defTabSz="914400" rtl="0" eaLnBrk="1" latinLnBrk="0" hangingPunct="1">
-              <a:lnSpc>
-                <a:spcPct val="90000"/>
-              </a:lnSpc>
-              <a:spcBef>
-                <a:spcPts val="1200"/>
-              </a:spcBef>
-              <a:spcAft>
-                <a:spcPts val="200"/>
-              </a:spcAft>
-              <a:buClr>
-                <a:schemeClr val="accent1"/>
-              </a:buClr>
-              <a:buSzPct val="100000"/>
-              <a:buFont typeface="Calibri" panose="020F0502020204030204" pitchFamily="34" charset="0"/>
-              <a:buChar char=" "/>
-              <a:defRPr sz="2000" kern="1200">
-                <a:solidFill>
-                  <a:schemeClr val="tx1">
-                    <a:lumMod val="75000"/>
-                    <a:lumOff val="25000"/>
-                  </a:schemeClr>
-                </a:solidFill>
-                <a:latin typeface="+mn-lt"/>
-                <a:ea typeface="+mn-ea"/>
-                <a:cs typeface="+mn-cs"/>
-              </a:defRPr>
-            </a:lvl1pPr>
-            <a:lvl2pPr marL="384048" indent="-182880" algn="l" defTabSz="914400" rtl="0" eaLnBrk="1" latinLnBrk="0" hangingPunct="1">
-              <a:lnSpc>
-                <a:spcPct val="90000"/>
-              </a:lnSpc>
-              <a:spcBef>
-                <a:spcPts val="200"/>
-              </a:spcBef>
-              <a:spcAft>
-                <a:spcPts val="400"/>
-              </a:spcAft>
-              <a:buClr>
-                <a:schemeClr val="accent1"/>
-              </a:buClr>
-              <a:buFont typeface="Calibri" pitchFamily="34" charset="0"/>
-              <a:buChar char="◦"/>
-              <a:defRPr sz="1800" kern="1200">
-                <a:solidFill>
-                  <a:schemeClr val="tx1">
-                    <a:lumMod val="75000"/>
-                    <a:lumOff val="25000"/>
-                  </a:schemeClr>
-                </a:solidFill>
-                <a:latin typeface="+mn-lt"/>
-                <a:ea typeface="+mn-ea"/>
-                <a:cs typeface="+mn-cs"/>
-              </a:defRPr>
-            </a:lvl2pPr>
-            <a:lvl3pPr marL="566928" indent="-182880" algn="l" defTabSz="914400" rtl="0" eaLnBrk="1" latinLnBrk="0" hangingPunct="1">
-              <a:lnSpc>
-                <a:spcPct val="90000"/>
-              </a:lnSpc>
-              <a:spcBef>
-                <a:spcPts val="200"/>
-              </a:spcBef>
-              <a:spcAft>
-                <a:spcPts val="400"/>
-              </a:spcAft>
-              <a:buClr>
-                <a:schemeClr val="accent1"/>
-              </a:buClr>
-              <a:buFont typeface="Calibri" pitchFamily="34" charset="0"/>
-              <a:buChar char="◦"/>
-              <a:defRPr sz="1400" kern="1200">
-                <a:solidFill>
-                  <a:schemeClr val="tx1">
-                    <a:lumMod val="75000"/>
-                    <a:lumOff val="25000"/>
-                  </a:schemeClr>
-                </a:solidFill>
-                <a:latin typeface="+mn-lt"/>
-                <a:ea typeface="+mn-ea"/>
-                <a:cs typeface="+mn-cs"/>
-              </a:defRPr>
-            </a:lvl3pPr>
-            <a:lvl4pPr marL="749808" indent="-182880" algn="l" defTabSz="914400" rtl="0" eaLnBrk="1" latinLnBrk="0" hangingPunct="1">
-              <a:lnSpc>
-                <a:spcPct val="90000"/>
-              </a:lnSpc>
-              <a:spcBef>
-                <a:spcPts val="200"/>
-              </a:spcBef>
-              <a:spcAft>
-                <a:spcPts val="400"/>
-              </a:spcAft>
-              <a:buClr>
-                <a:schemeClr val="accent1"/>
-              </a:buClr>
-              <a:buFont typeface="Calibri" pitchFamily="34" charset="0"/>
-              <a:buChar char="◦"/>
-              <a:defRPr sz="1400" kern="1200">
-                <a:solidFill>
-                  <a:schemeClr val="tx1">
-                    <a:lumMod val="75000"/>
-                    <a:lumOff val="25000"/>
-                  </a:schemeClr>
-                </a:solidFill>
-                <a:latin typeface="+mn-lt"/>
-                <a:ea typeface="+mn-ea"/>
-                <a:cs typeface="+mn-cs"/>
-              </a:defRPr>
-            </a:lvl4pPr>
-            <a:lvl5pPr marL="932688" indent="-182880" algn="l" defTabSz="914400" rtl="0" eaLnBrk="1" latinLnBrk="0" hangingPunct="1">
-              <a:lnSpc>
-                <a:spcPct val="90000"/>
-              </a:lnSpc>
-              <a:spcBef>
-                <a:spcPts val="200"/>
-              </a:spcBef>
-              <a:spcAft>
-                <a:spcPts val="400"/>
-              </a:spcAft>
-              <a:buClr>
-                <a:schemeClr val="accent1"/>
-              </a:buClr>
-              <a:buFont typeface="Calibri" pitchFamily="34" charset="0"/>
-              <a:buChar char="◦"/>
-              <a:defRPr sz="1400" kern="1200">
-                <a:solidFill>
-                  <a:schemeClr val="tx1">
-                    <a:lumMod val="75000"/>
-                    <a:lumOff val="25000"/>
-                  </a:schemeClr>
-                </a:solidFill>
-                <a:latin typeface="+mn-lt"/>
-                <a:ea typeface="+mn-ea"/>
-                <a:cs typeface="+mn-cs"/>
-              </a:defRPr>
-            </a:lvl5pPr>
-            <a:lvl6pPr marL="1100000" indent="-228600" algn="l" defTabSz="914400" rtl="0" eaLnBrk="1" latinLnBrk="0" hangingPunct="1">
-              <a:lnSpc>
-                <a:spcPct val="90000"/>
-              </a:lnSpc>
-              <a:spcBef>
-                <a:spcPts val="200"/>
-              </a:spcBef>
-              <a:spcAft>
-                <a:spcPts val="400"/>
-              </a:spcAft>
-              <a:buClr>
-                <a:schemeClr val="accent1"/>
-              </a:buClr>
-              <a:buFont typeface="Calibri" pitchFamily="34" charset="0"/>
-              <a:buChar char="◦"/>
-              <a:defRPr sz="1400" kern="1200">
-                <a:solidFill>
-                  <a:schemeClr val="tx1">
-                    <a:lumMod val="75000"/>
-                    <a:lumOff val="25000"/>
-                  </a:schemeClr>
-                </a:solidFill>
-                <a:latin typeface="+mn-lt"/>
-                <a:ea typeface="+mn-ea"/>
-                <a:cs typeface="+mn-cs"/>
-              </a:defRPr>
-            </a:lvl6pPr>
-            <a:lvl7pPr marL="1300000" indent="-228600" algn="l" defTabSz="914400" rtl="0" eaLnBrk="1" latinLnBrk="0" hangingPunct="1">
-              <a:lnSpc>
-                <a:spcPct val="90000"/>
-              </a:lnSpc>
-              <a:spcBef>
-                <a:spcPts val="200"/>
-              </a:spcBef>
-              <a:spcAft>
-                <a:spcPts val="400"/>
-              </a:spcAft>
-              <a:buClr>
-                <a:schemeClr val="accent1"/>
-              </a:buClr>
-              <a:buFont typeface="Calibri" pitchFamily="34" charset="0"/>
-              <a:buChar char="◦"/>
-              <a:defRPr sz="1400" kern="1200">
-                <a:solidFill>
-                  <a:schemeClr val="tx1">
-                    <a:lumMod val="75000"/>
-                    <a:lumOff val="25000"/>
-                  </a:schemeClr>
-                </a:solidFill>
-                <a:latin typeface="+mn-lt"/>
-                <a:ea typeface="+mn-ea"/>
-                <a:cs typeface="+mn-cs"/>
-              </a:defRPr>
-            </a:lvl7pPr>
-            <a:lvl8pPr marL="1500000" indent="-228600" algn="l" defTabSz="914400" rtl="0" eaLnBrk="1" latinLnBrk="0" hangingPunct="1">
-              <a:lnSpc>
-                <a:spcPct val="90000"/>
-              </a:lnSpc>
-              <a:spcBef>
-                <a:spcPts val="200"/>
-              </a:spcBef>
-              <a:spcAft>
-                <a:spcPts val="400"/>
-              </a:spcAft>
-              <a:buClr>
-                <a:schemeClr val="accent1"/>
-              </a:buClr>
-              <a:buFont typeface="Calibri" pitchFamily="34" charset="0"/>
-              <a:buChar char="◦"/>
-              <a:defRPr sz="1400" kern="1200">
-                <a:solidFill>
-                  <a:schemeClr val="tx1">
-                    <a:lumMod val="75000"/>
-                    <a:lumOff val="25000"/>
-                  </a:schemeClr>
-                </a:solidFill>
-                <a:latin typeface="+mn-lt"/>
-                <a:ea typeface="+mn-ea"/>
-                <a:cs typeface="+mn-cs"/>
-              </a:defRPr>
-            </a:lvl8pPr>
-            <a:lvl9pPr marL="1700000" indent="-228600" algn="l" defTabSz="914400" rtl="0" eaLnBrk="1" latinLnBrk="0" hangingPunct="1">
-              <a:lnSpc>
-                <a:spcPct val="90000"/>
-              </a:lnSpc>
-              <a:spcBef>
-                <a:spcPts val="200"/>
-              </a:spcBef>
-              <a:spcAft>
-                <a:spcPts val="400"/>
-              </a:spcAft>
-              <a:buClr>
-                <a:schemeClr val="accent1"/>
-              </a:buClr>
-              <a:buFont typeface="Calibri" pitchFamily="34" charset="0"/>
-              <a:buChar char="◦"/>
-              <a:defRPr sz="1400" kern="1200">
-                <a:solidFill>
-                  <a:schemeClr val="tx1">
-                    <a:lumMod val="75000"/>
-                    <a:lumOff val="25000"/>
-                  </a:schemeClr>
-                </a:solidFill>
-                <a:latin typeface="+mn-lt"/>
-                <a:ea typeface="+mn-ea"/>
-                <a:cs typeface="+mn-cs"/>
-              </a:defRPr>
-            </a:lvl9pPr>
-          </a:lstStyle>
           <a:p>
             <a:pPr lvl="1" algn="just"/>
             <a:r>
               <a:rPr lang="hu-HU" sz="2200" dirty="0" smtClean="0">
                 <a:sym typeface="Wingdings" panose="05000000000000000000" pitchFamily="2" charset="2"/>
               </a:rPr>
-              <a:t>A projekt feladatainak adataiból diagramok generálódnak az átláthatóság növelése érdekében</a:t>
+              <a:t>Maximálisan szükséges idő alapján (EST-LCT)</a:t>
             </a:r>
           </a:p>
           <a:p>
@@ -6198,71 +6595,20 @@
               <a:rPr lang="hu-HU" sz="2200" dirty="0" smtClean="0">
                 <a:sym typeface="Wingdings" panose="05000000000000000000" pitchFamily="2" charset="2"/>
               </a:rPr>
-              <a:t>Órabér megadásával az egyes projektek hossza alapján összesített becsléseket számol</a:t>
-            </a:r>
-          </a:p>
-          <a:p>
-            <a:pPr lvl="1" algn="just"/>
+              <a:t>A lehetséges problémákból, csúszásokból adódó </a:t>
+            </a:r>
+            <a:r>
+              <a:rPr lang="hu-HU" sz="2200" i="1" dirty="0" smtClean="0">
+                <a:sym typeface="Wingdings" panose="05000000000000000000" pitchFamily="2" charset="2"/>
+              </a:rPr>
+              <a:t>tartalékidő</a:t>
+            </a:r>
             <a:r>
               <a:rPr lang="hu-HU" sz="2200" dirty="0" smtClean="0">
                 <a:sym typeface="Wingdings" panose="05000000000000000000" pitchFamily="2" charset="2"/>
               </a:rPr>
-              <a:t>Napi 8 óra munkaórával készül az idő becslés</a:t>
-            </a:r>
-          </a:p>
-          <a:p>
-            <a:pPr lvl="1" algn="just"/>
-            <a:r>
-              <a:rPr lang="hu-HU" sz="2200" dirty="0" smtClean="0">
-                <a:sym typeface="Wingdings" panose="05000000000000000000" pitchFamily="2" charset="2"/>
-              </a:rPr>
-              <a:t>Minimálisan szükséges idő alapján</a:t>
-            </a:r>
-          </a:p>
-          <a:p>
-            <a:pPr lvl="1" algn="just"/>
-            <a:r>
-              <a:rPr lang="hu-HU" sz="2200" dirty="0" smtClean="0">
-                <a:sym typeface="Wingdings" panose="05000000000000000000" pitchFamily="2" charset="2"/>
-              </a:rPr>
-              <a:t>Maximálisan szükséges idő alapján (EST-LCT)</a:t>
-            </a:r>
-          </a:p>
-          <a:p>
-            <a:pPr lvl="1" algn="just"/>
-            <a:r>
-              <a:rPr lang="hu-HU" sz="2200" dirty="0" smtClean="0">
-                <a:sym typeface="Wingdings" panose="05000000000000000000" pitchFamily="2" charset="2"/>
-              </a:rPr>
-              <a:t>A lehetséges problémákból, csúszásokból adódó tartalékidő mekkora költségtöbbletet jelent</a:t>
-            </a:r>
-            <a:endParaRPr lang="hu-HU" sz="2200" dirty="0" smtClean="0">
-              <a:sym typeface="Wingdings" panose="05000000000000000000" pitchFamily="2" charset="2"/>
-            </a:endParaRPr>
-          </a:p>
-        </p:txBody>
-      </p:sp>
-      <p:sp>
-        <p:nvSpPr>
-          <p:cNvPr id="7" name="Dia számának helye 6"/>
-          <p:cNvSpPr>
-            <a:spLocks noGrp="1"/>
-          </p:cNvSpPr>
-          <p:nvPr>
-            <p:ph type="sldNum" sz="quarter" idx="12"/>
-          </p:nvPr>
-        </p:nvSpPr>
-        <p:spPr/>
-        <p:txBody>
-          <a:bodyPr/>
-          <a:lstStyle/>
-          <a:p>
-            <a:fld id="{629637A9-119A-49DA-BD12-AAC58B377D80}" type="slidenum">
-              <a:rPr lang="en-US" smtClean="0"/>
-              <a:pPr/>
-              <a:t>6</a:t>
-            </a:fld>
-            <a:endParaRPr lang="en-US" dirty="0"/>
+              <a:t> mekkora költségtöbbletet jelent</a:t>
+            </a:r>
           </a:p>
         </p:txBody>
       </p:sp>
@@ -6399,6 +6745,53 @@
           </a:p>
         </p:txBody>
       </p:sp>
+      <p:sp>
+        <p:nvSpPr>
+          <p:cNvPr id="6" name="Élőláb helye 5"/>
+          <p:cNvSpPr>
+            <a:spLocks noGrp="1"/>
+          </p:cNvSpPr>
+          <p:nvPr>
+            <p:ph type="ftr" sz="quarter" idx="11"/>
+          </p:nvPr>
+        </p:nvSpPr>
+        <p:spPr/>
+        <p:txBody>
+          <a:bodyPr/>
+          <a:lstStyle/>
+          <a:p>
+            <a:r>
+              <a:rPr lang="en-US" smtClean="0"/>
+              <a:t>Online Projekt Management - Turcsán Csaba, Valyon Balázs</a:t>
+            </a:r>
+            <a:endParaRPr lang="en-US" dirty="0"/>
+          </a:p>
+        </p:txBody>
+      </p:sp>
+      <p:sp>
+        <p:nvSpPr>
+          <p:cNvPr id="10" name="Dia számának helye 9"/>
+          <p:cNvSpPr>
+            <a:spLocks noGrp="1"/>
+          </p:cNvSpPr>
+          <p:nvPr>
+            <p:ph type="sldNum" sz="quarter" idx="12"/>
+          </p:nvPr>
+        </p:nvSpPr>
+        <p:spPr/>
+        <p:txBody>
+          <a:bodyPr/>
+          <a:lstStyle/>
+          <a:p>
+            <a:fld id="{629637A9-119A-49DA-BD12-AAC58B377D80}" type="slidenum">
+              <a:rPr lang="en-US" smtClean="0"/>
+              <a:pPr/>
+              <a:t>6</a:t>
+            </a:fld>
+            <a:endParaRPr lang="en-US" dirty="0"/>
+          </a:p>
+        </p:txBody>
+      </p:sp>
     </p:spTree>
     <p:extLst>
       <p:ext uri="{BB962C8B-B14F-4D97-AF65-F5344CB8AC3E}">
@@ -6499,13 +6892,25 @@
               <a:rPr lang="hu-HU" sz="2200" dirty="0" smtClean="0">
                 <a:sym typeface="Wingdings" panose="05000000000000000000" pitchFamily="2" charset="2"/>
               </a:rPr>
-              <a:t> </a:t>
+              <a:t> szolgáltatásokhoz (drive </a:t>
             </a:r>
             <a:r>
               <a:rPr lang="hu-HU" sz="2200" dirty="0" smtClean="0">
                 <a:sym typeface="Wingdings" panose="05000000000000000000" pitchFamily="2" charset="2"/>
               </a:rPr>
-              <a:t>szolgáltatásokhoz (drive v2)</a:t>
+              <a:t>v2, </a:t>
+            </a:r>
+            <a:r>
+              <a:rPr lang="hu-HU" sz="2200" dirty="0" err="1" smtClean="0">
+                <a:sym typeface="Wingdings" panose="05000000000000000000" pitchFamily="2" charset="2"/>
+              </a:rPr>
+              <a:t>google</a:t>
+            </a:r>
+            <a:r>
+              <a:rPr lang="hu-HU" sz="2200" dirty="0" smtClean="0">
+                <a:sym typeface="Wingdings" panose="05000000000000000000" pitchFamily="2" charset="2"/>
+              </a:rPr>
+              <a:t> plus)</a:t>
             </a:r>
             <a:endParaRPr lang="hu-HU" sz="2200" dirty="0" smtClean="0">
               <a:sym typeface="Wingdings" panose="05000000000000000000" pitchFamily="2" charset="2"/>
@@ -6517,8 +6922,17 @@
               <a:rPr lang="hu-HU" sz="2200" dirty="0" smtClean="0">
                 <a:sym typeface="Wingdings" panose="05000000000000000000" pitchFamily="2" charset="2"/>
               </a:rPr>
-              <a:t>API használathoz kell egyedi azonosító az alkalmazáshoz</a:t>
-            </a:r>
+              <a:t>API használathoz kell </a:t>
+            </a:r>
+            <a:r>
+              <a:rPr lang="hu-HU" sz="2200" dirty="0" smtClean="0">
+                <a:sym typeface="Wingdings" panose="05000000000000000000" pitchFamily="2" charset="2"/>
+              </a:rPr>
+              <a:t>egyedi alkalmazás azonosító</a:t>
+            </a:r>
+            <a:endParaRPr lang="hu-HU" sz="2200" dirty="0" smtClean="0">
+              <a:sym typeface="Wingdings" panose="05000000000000000000" pitchFamily="2" charset="2"/>
+            </a:endParaRPr>
           </a:p>
           <a:p>
             <a:pPr lvl="2" algn="just"/>
@@ -6539,6 +6953,12 @@
                 <a:sym typeface="Wingdings" panose="05000000000000000000" pitchFamily="2" charset="2"/>
               </a:rPr>
               <a:t>autentikáció</a:t>
+            </a:r>
+            <a:r>
+              <a:rPr lang="hu-HU" dirty="0" smtClean="0">
+                <a:sym typeface="Wingdings" panose="05000000000000000000" pitchFamily="2" charset="2"/>
+              </a:rPr>
+              <a:t>, végig titkosított adatfolyam</a:t>
             </a:r>
             <a:endParaRPr lang="hu-HU" dirty="0" smtClean="0">
               <a:sym typeface="Wingdings" panose="05000000000000000000" pitchFamily="2" charset="2"/>
@@ -6601,13 +7021,7 @@
               <a:rPr lang="hu-HU" dirty="0" smtClean="0">
                 <a:sym typeface="Wingdings" panose="05000000000000000000" pitchFamily="2" charset="2"/>
               </a:rPr>
-              <a:t>Felhasználónév / </a:t>
-            </a:r>
-            <a:r>
-              <a:rPr lang="hu-HU" dirty="0" smtClean="0">
-                <a:sym typeface="Wingdings" panose="05000000000000000000" pitchFamily="2" charset="2"/>
-              </a:rPr>
-              <a:t>jelszó</a:t>
+              <a:t>Felhasználónév / jelszó</a:t>
             </a:r>
           </a:p>
           <a:p>
@@ -6616,7 +7030,19 @@
               <a:rPr lang="hu-HU" sz="2200" dirty="0" smtClean="0">
                 <a:sym typeface="Wingdings" panose="05000000000000000000" pitchFamily="2" charset="2"/>
               </a:rPr>
-              <a:t>Jelenleg nagyon sok konfigurációt igényel: </a:t>
+              <a:t>Jelenleg </a:t>
+            </a:r>
+            <a:r>
+              <a:rPr lang="hu-HU" sz="2200" dirty="0" smtClean="0">
+                <a:sym typeface="Wingdings" panose="05000000000000000000" pitchFamily="2" charset="2"/>
+              </a:rPr>
+              <a:t>nagyon (borzasztóan) </a:t>
+            </a:r>
+            <a:r>
+              <a:rPr lang="hu-HU" sz="2200" dirty="0" smtClean="0">
+                <a:sym typeface="Wingdings" panose="05000000000000000000" pitchFamily="2" charset="2"/>
+              </a:rPr>
+              <a:t>sok konfigurációt igényel: </a:t>
             </a:r>
           </a:p>
           <a:p>
@@ -6724,31 +7150,31 @@
           <a:p>
             <a:pPr lvl="1" algn="just"/>
             <a:r>
-              <a:rPr lang="hu-HU" sz="2200" dirty="0" smtClean="0">
+              <a:rPr lang="hu-HU" sz="2200" i="1" dirty="0" smtClean="0">
                 <a:sym typeface="Wingdings" panose="05000000000000000000" pitchFamily="2" charset="2"/>
               </a:rPr>
               <a:t>A </a:t>
             </a:r>
             <a:r>
-              <a:rPr lang="hu-HU" sz="2200" dirty="0" err="1" smtClean="0">
+              <a:rPr lang="hu-HU" sz="2200" i="1" dirty="0" err="1" smtClean="0">
                 <a:sym typeface="Wingdings" panose="05000000000000000000" pitchFamily="2" charset="2"/>
               </a:rPr>
               <a:t>Google</a:t>
             </a:r>
             <a:r>
-              <a:rPr lang="hu-HU" sz="2200" dirty="0" smtClean="0">
+              <a:rPr lang="hu-HU" sz="2200" i="1" dirty="0" smtClean="0">
                 <a:sym typeface="Wingdings" panose="05000000000000000000" pitchFamily="2" charset="2"/>
               </a:rPr>
               <a:t> </a:t>
             </a:r>
             <a:r>
-              <a:rPr lang="hu-HU" sz="2200" dirty="0" err="1" smtClean="0">
+              <a:rPr lang="hu-HU" sz="2200" i="1" dirty="0" err="1" smtClean="0">
                 <a:sym typeface="Wingdings" panose="05000000000000000000" pitchFamily="2" charset="2"/>
               </a:rPr>
               <a:t>API-t</a:t>
             </a:r>
             <a:r>
-              <a:rPr lang="hu-HU" sz="2200" dirty="0" smtClean="0">
+              <a:rPr lang="hu-HU" sz="2200" i="1" dirty="0" smtClean="0">
                 <a:sym typeface="Wingdings" panose="05000000000000000000" pitchFamily="2" charset="2"/>
               </a:rPr>
               <a:t> és konfigurációs felületet most alakították át, így nagyon kevés naprakész dokumentáció. Beállítani nehéz, felhasználói élmény viszont jó!</a:t>
@@ -6778,7 +7204,30 @@
       </p:sp>
       <p:sp>
         <p:nvSpPr>
-          <p:cNvPr id="3" name="Dia számának helye 2"/>
+          <p:cNvPr id="5" name="Élőláb helye 4"/>
+          <p:cNvSpPr>
+            <a:spLocks noGrp="1"/>
+          </p:cNvSpPr>
+          <p:nvPr>
+            <p:ph type="ftr" sz="quarter" idx="11"/>
+          </p:nvPr>
+        </p:nvSpPr>
+        <p:spPr/>
+        <p:txBody>
+          <a:bodyPr/>
+          <a:lstStyle/>
+          <a:p>
+            <a:r>
+              <a:rPr lang="en-US" smtClean="0"/>
+              <a:t>Online Projekt Management - Turcsán Csaba, Valyon Balázs</a:t>
+            </a:r>
+            <a:endParaRPr lang="en-US" dirty="0"/>
+          </a:p>
+        </p:txBody>
+      </p:sp>
+      <p:sp>
+        <p:nvSpPr>
+          <p:cNvPr id="6" name="Dia számának helye 5"/>
           <p:cNvSpPr>
             <a:spLocks noGrp="1"/>
           </p:cNvSpPr>
@@ -6891,56 +7340,47 @@
               <a:rPr lang="hu-HU" sz="2200" dirty="0" smtClean="0">
                 <a:sym typeface="Wingdings" panose="05000000000000000000" pitchFamily="2" charset="2"/>
               </a:rPr>
+              <a:t> fájljában</a:t>
+            </a:r>
+          </a:p>
+          <a:p>
+            <a:pPr lvl="1" algn="just"/>
+            <a:r>
+              <a:rPr lang="hu-HU" sz="2200" dirty="0" err="1" smtClean="0">
+                <a:sym typeface="Wingdings" panose="05000000000000000000" pitchFamily="2" charset="2"/>
+              </a:rPr>
+              <a:t>Google</a:t>
+            </a:r>
+            <a:r>
+              <a:rPr lang="hu-HU" sz="2200" dirty="0" smtClean="0">
+                <a:sym typeface="Wingdings" panose="05000000000000000000" pitchFamily="2" charset="2"/>
+              </a:rPr>
               <a:t> </a:t>
             </a:r>
             <a:r>
+              <a:rPr lang="hu-HU" sz="2200" dirty="0" err="1" smtClean="0">
+                <a:sym typeface="Wingdings" panose="05000000000000000000" pitchFamily="2" charset="2"/>
+              </a:rPr>
+              <a:t>Developer</a:t>
+            </a:r>
+            <a:r>
               <a:rPr lang="hu-HU" sz="2200" dirty="0" smtClean="0">
                 <a:sym typeface="Wingdings" panose="05000000000000000000" pitchFamily="2" charset="2"/>
               </a:rPr>
-              <a:t>fájljában</a:t>
-            </a:r>
-          </a:p>
-          <a:p>
-            <a:pPr lvl="1" algn="just"/>
+              <a:t> </a:t>
+            </a:r>
             <a:r>
               <a:rPr lang="hu-HU" sz="2200" dirty="0" err="1" smtClean="0">
                 <a:sym typeface="Wingdings" panose="05000000000000000000" pitchFamily="2" charset="2"/>
               </a:rPr>
-              <a:t>Google</a:t>
+              <a:t>Console-on</a:t>
             </a:r>
             <a:r>
               <a:rPr lang="hu-HU" sz="2200" dirty="0" smtClean="0">
                 <a:sym typeface="Wingdings" panose="05000000000000000000" pitchFamily="2" charset="2"/>
               </a:rPr>
-              <a:t> </a:t>
-            </a:r>
-            <a:r>
-              <a:rPr lang="hu-HU" sz="2200" dirty="0" err="1" smtClean="0">
-                <a:sym typeface="Wingdings" panose="05000000000000000000" pitchFamily="2" charset="2"/>
-              </a:rPr>
-              <a:t>Developer</a:t>
-            </a:r>
-            <a:r>
-              <a:rPr lang="hu-HU" sz="2200" dirty="0" smtClean="0">
-                <a:sym typeface="Wingdings" panose="05000000000000000000" pitchFamily="2" charset="2"/>
-              </a:rPr>
-              <a:t> </a:t>
-            </a:r>
-            <a:r>
-              <a:rPr lang="hu-HU" sz="2200" dirty="0" err="1" smtClean="0">
-                <a:sym typeface="Wingdings" panose="05000000000000000000" pitchFamily="2" charset="2"/>
-              </a:rPr>
-              <a:t>Console-on</a:t>
-            </a:r>
-            <a:r>
-              <a:rPr lang="hu-HU" sz="2200" dirty="0" smtClean="0">
-                <a:sym typeface="Wingdings" panose="05000000000000000000" pitchFamily="2" charset="2"/>
-              </a:rPr>
               <a:t> sok kiegészítő beállítás a jogosultságokról</a:t>
             </a:r>
-            <a:endParaRPr lang="hu-HU" sz="2200" dirty="0" smtClean="0">
-              <a:sym typeface="Wingdings" panose="05000000000000000000" pitchFamily="2" charset="2"/>
-            </a:endParaRPr>
           </a:p>
           <a:p>
             <a:pPr lvl="1" algn="just"/>
@@ -6972,22 +7412,61 @@
               <a:rPr lang="hu-HU" sz="2200" dirty="0" smtClean="0">
                 <a:sym typeface="Wingdings" panose="05000000000000000000" pitchFamily="2" charset="2"/>
               </a:rPr>
-              <a:t>Alapértelmezetten az alkalmazás fogja </a:t>
-            </a:r>
+              <a:t>Alapértelmezetten az alkalmazás fogja megnyitni</a:t>
+            </a:r>
+          </a:p>
+          <a:p>
+            <a:pPr lvl="1" algn="just"/>
             <a:r>
               <a:rPr lang="hu-HU" sz="2200" dirty="0" smtClean="0">
                 <a:sym typeface="Wingdings" panose="05000000000000000000" pitchFamily="2" charset="2"/>
               </a:rPr>
-              <a:t>megnyitni</a:t>
+              <a:t>Az alkalmazás egy saját szerverről fut, ahova átirányít a Drive és GET paraméterként átadja a fájl azonosítót, amely alapján az alkalmazás letöltheti az adatokat </a:t>
+            </a:r>
+            <a:r>
+              <a:rPr lang="hu-HU" sz="2200" dirty="0" smtClean="0">
+                <a:sym typeface="Wingdings" panose="05000000000000000000" pitchFamily="2" charset="2"/>
+              </a:rPr>
+              <a:t>Drive-ról</a:t>
             </a:r>
           </a:p>
           <a:p>
             <a:pPr lvl="1" algn="just"/>
             <a:r>
+              <a:rPr lang="hu-HU" sz="2200" dirty="0" err="1" smtClean="0">
+                <a:sym typeface="Wingdings" panose="05000000000000000000" pitchFamily="2" charset="2"/>
+              </a:rPr>
+              <a:t>Heroku</a:t>
+            </a:r>
+            <a:r>
               <a:rPr lang="hu-HU" sz="2200" dirty="0" smtClean="0">
                 <a:sym typeface="Wingdings" panose="05000000000000000000" pitchFamily="2" charset="2"/>
               </a:rPr>
-              <a:t>Az alkalmazás egy saját szerverről fut, ahova átirányít a Drive és GET paraméterként átadja a fájl azonosítót, amely alapján az alkalmazás letöltheti az adatokat Drive-ról</a:t>
+              <a:t> </a:t>
+            </a:r>
+            <a:r>
+              <a:rPr lang="hu-HU" sz="2200" dirty="0" err="1" smtClean="0">
+                <a:sym typeface="Wingdings" panose="05000000000000000000" pitchFamily="2" charset="2"/>
+              </a:rPr>
+              <a:t>cloud-ban</a:t>
+            </a:r>
+            <a:r>
+              <a:rPr lang="hu-HU" sz="2200" dirty="0" smtClean="0">
+                <a:sym typeface="Wingdings" panose="05000000000000000000" pitchFamily="2" charset="2"/>
+              </a:rPr>
+              <a:t> fut egy </a:t>
+            </a:r>
+            <a:r>
+              <a:rPr lang="hu-HU" sz="2200" dirty="0" err="1" smtClean="0">
+                <a:sym typeface="Wingdings" panose="05000000000000000000" pitchFamily="2" charset="2"/>
+              </a:rPr>
+              <a:t>NodeJS</a:t>
+            </a:r>
+            <a:r>
+              <a:rPr lang="hu-HU" sz="2200" dirty="0" smtClean="0">
+                <a:sym typeface="Wingdings" panose="05000000000000000000" pitchFamily="2" charset="2"/>
+              </a:rPr>
+              <a:t> server</a:t>
             </a:r>
             <a:endParaRPr lang="hu-HU" sz="2200" dirty="0" smtClean="0">
               <a:sym typeface="Wingdings" panose="05000000000000000000" pitchFamily="2" charset="2"/>
@@ -7027,7 +7506,30 @@
       </p:pic>
       <p:sp>
         <p:nvSpPr>
-          <p:cNvPr id="5" name="Dia számának helye 4"/>
+          <p:cNvPr id="6" name="Élőláb helye 5"/>
+          <p:cNvSpPr>
+            <a:spLocks noGrp="1"/>
+          </p:cNvSpPr>
+          <p:nvPr>
+            <p:ph type="ftr" sz="quarter" idx="11"/>
+          </p:nvPr>
+        </p:nvSpPr>
+        <p:spPr/>
+        <p:txBody>
+          <a:bodyPr/>
+          <a:lstStyle/>
+          <a:p>
+            <a:r>
+              <a:rPr lang="en-US" smtClean="0"/>
+              <a:t>Online Projekt Management - Turcsán Csaba, Valyon Balázs</a:t>
+            </a:r>
+            <a:endParaRPr lang="en-US" dirty="0"/>
+          </a:p>
+        </p:txBody>
+      </p:sp>
+      <p:sp>
+        <p:nvSpPr>
+          <p:cNvPr id="7" name="Dia számának helye 6"/>
           <p:cNvSpPr>
             <a:spLocks noGrp="1"/>
           </p:cNvSpPr>
@@ -7156,7 +7658,19 @@
             </a:r>
             <a:r>
               <a:rPr lang="hu-HU" sz="2200" dirty="0" smtClean="0"/>
-              <a:t> mobil nézet: jelenleg csak közepes és nagy felbontásra (</a:t>
+              <a:t> mobil nézet: jelenleg csak </a:t>
+            </a:r>
+            <a:r>
+              <a:rPr lang="hu-HU" sz="2200" dirty="0" err="1" smtClean="0"/>
+              <a:t>tablet</a:t>
+            </a:r>
+            <a:r>
+              <a:rPr lang="hu-HU" sz="2200" dirty="0" smtClean="0"/>
+              <a:t> és </a:t>
+            </a:r>
+            <a:r>
+              <a:rPr lang="hu-HU" sz="2200" dirty="0" smtClean="0"/>
+              <a:t>nagy felbontásra (</a:t>
             </a:r>
             <a:r>
               <a:rPr lang="hu-HU" sz="2200" dirty="0" err="1" smtClean="0"/>
@@ -7164,8 +7678,26 @@
             </a:r>
             <a:r>
               <a:rPr lang="hu-HU" sz="2200" dirty="0" smtClean="0"/>
-              <a:t> átalakítását igényelné)</a:t>
-            </a:r>
+              <a:t> átalakítását igényelné</a:t>
+            </a:r>
+            <a:r>
+              <a:rPr lang="hu-HU" sz="2200" dirty="0" smtClean="0"/>
+              <a:t>)</a:t>
+            </a:r>
+          </a:p>
+          <a:p>
+            <a:pPr lvl="1">
+              <a:lnSpc>
+                <a:spcPct val="150000"/>
+              </a:lnSpc>
+              <a:buFont typeface="Courier New" panose="02070309020205020404" pitchFamily="49" charset="0"/>
+              <a:buChar char="o"/>
+            </a:pPr>
+            <a:r>
+              <a:rPr lang="hu-HU" sz="2200" dirty="0" smtClean="0"/>
+              <a:t>További projekt paraméterek hozzáadása: projekt célja, leírása, fázisok stb..</a:t>
+            </a:r>
+            <a:endParaRPr lang="hu-HU" sz="2200" dirty="0" smtClean="0"/>
           </a:p>
           <a:p>
             <a:pPr lvl="1">
@@ -7181,7 +7713,30 @@
       </p:sp>
       <p:sp>
         <p:nvSpPr>
-          <p:cNvPr id="4" name="Dia számának helye 3"/>
+          <p:cNvPr id="5" name="Élőláb helye 4"/>
+          <p:cNvSpPr>
+            <a:spLocks noGrp="1"/>
+          </p:cNvSpPr>
+          <p:nvPr>
+            <p:ph type="ftr" sz="quarter" idx="11"/>
+          </p:nvPr>
+        </p:nvSpPr>
+        <p:spPr/>
+        <p:txBody>
+          <a:bodyPr/>
+          <a:lstStyle/>
+          <a:p>
+            <a:r>
+              <a:rPr lang="en-US" smtClean="0"/>
+              <a:t>Online Projekt Management - Turcsán Csaba, Valyon Balázs</a:t>
+            </a:r>
+            <a:endParaRPr lang="en-US" dirty="0"/>
+          </a:p>
+        </p:txBody>
+      </p:sp>
+      <p:sp>
+        <p:nvSpPr>
+          <p:cNvPr id="6" name="Dia számának helye 5"/>
           <p:cNvSpPr>
             <a:spLocks noGrp="1"/>
           </p:cNvSpPr>
